--- a/FunctionalSignalGenerator/6 - Модуль управления ЦАП.pptx
+++ b/FunctionalSignalGenerator/6 - Модуль управления ЦАП.pptx
@@ -1,40 +1,40 @@
 
 <file path=ppt/presentation.xml><?xml version="1.0" encoding="utf-8"?>
-<p:presentation xmlns:a="http://schemas.openxmlformats.org/drawingml/2006/main" xmlns:r="http://schemas.openxmlformats.org/officeDocument/2006/relationships" xmlns:mc="http://schemas.openxmlformats.org/markup-compatibility/2006" xmlns:mv="urn:schemas-microsoft-com:mac:vml" xmlns:p="http://schemas.openxmlformats.org/presentationml/2006/main" xmlns:c="http://schemas.openxmlformats.org/drawingml/2006/chart" xmlns:dgm="http://schemas.openxmlformats.org/drawingml/2006/diagram" xmlns:o="urn:schemas-microsoft-com:office:office" xmlns:v="urn:schemas-microsoft-com:vml" xmlns:pvml="urn:schemas-microsoft-com:office:powerpoint" xmlns:com="http://schemas.openxmlformats.org/drawingml/2006/compatibility" xmlns:p14="http://schemas.microsoft.com/office/powerpoint/2010/main" xmlns:p15="http://schemas.microsoft.com/office/powerpoint/2012/main" xmlns:ahyp="http://schemas.microsoft.com/office/drawing/2018/hyperlinkcolor" autoCompressPictures="0" strictFirstAndLastChars="0" saveSubsetFonts="1">
+<p:presentation xmlns:a="http://schemas.openxmlformats.org/drawingml/2006/main" xmlns:r="http://schemas.openxmlformats.org/officeDocument/2006/relationships" xmlns:p="http://schemas.openxmlformats.org/presentationml/2006/main" strictFirstAndLastChars="0" saveSubsetFonts="1" autoCompressPictures="0">
   <p:sldMasterIdLst>
-    <p:sldMasterId id="2147483659" r:id="rId4"/>
+    <p:sldMasterId id="2147483659" r:id="rId1"/>
   </p:sldMasterIdLst>
   <p:notesMasterIdLst>
-    <p:notesMasterId r:id="rId5"/>
+    <p:notesMasterId r:id="rId24"/>
   </p:notesMasterIdLst>
   <p:sldIdLst>
-    <p:sldId id="256" r:id="rId6"/>
-    <p:sldId id="257" r:id="rId7"/>
-    <p:sldId id="258" r:id="rId8"/>
-    <p:sldId id="259" r:id="rId9"/>
-    <p:sldId id="260" r:id="rId10"/>
-    <p:sldId id="261" r:id="rId11"/>
-    <p:sldId id="262" r:id="rId12"/>
-    <p:sldId id="263" r:id="rId13"/>
-    <p:sldId id="264" r:id="rId14"/>
-    <p:sldId id="265" r:id="rId15"/>
-    <p:sldId id="266" r:id="rId16"/>
-    <p:sldId id="267" r:id="rId17"/>
-    <p:sldId id="268" r:id="rId18"/>
-    <p:sldId id="269" r:id="rId19"/>
-    <p:sldId id="270" r:id="rId20"/>
-    <p:sldId id="271" r:id="rId21"/>
-    <p:sldId id="272" r:id="rId22"/>
-    <p:sldId id="273" r:id="rId23"/>
-    <p:sldId id="274" r:id="rId24"/>
-    <p:sldId id="275" r:id="rId25"/>
-    <p:sldId id="276" r:id="rId26"/>
-    <p:sldId id="277" r:id="rId27"/>
+    <p:sldId id="256" r:id="rId2"/>
+    <p:sldId id="257" r:id="rId3"/>
+    <p:sldId id="258" r:id="rId4"/>
+    <p:sldId id="259" r:id="rId5"/>
+    <p:sldId id="260" r:id="rId6"/>
+    <p:sldId id="261" r:id="rId7"/>
+    <p:sldId id="262" r:id="rId8"/>
+    <p:sldId id="263" r:id="rId9"/>
+    <p:sldId id="264" r:id="rId10"/>
+    <p:sldId id="265" r:id="rId11"/>
+    <p:sldId id="266" r:id="rId12"/>
+    <p:sldId id="267" r:id="rId13"/>
+    <p:sldId id="268" r:id="rId14"/>
+    <p:sldId id="269" r:id="rId15"/>
+    <p:sldId id="270" r:id="rId16"/>
+    <p:sldId id="271" r:id="rId17"/>
+    <p:sldId id="272" r:id="rId18"/>
+    <p:sldId id="273" r:id="rId19"/>
+    <p:sldId id="274" r:id="rId20"/>
+    <p:sldId id="275" r:id="rId21"/>
+    <p:sldId id="276" r:id="rId22"/>
+    <p:sldId id="277" r:id="rId23"/>
   </p:sldIdLst>
-  <p:sldSz cy="5143500" cx="9144000"/>
+  <p:sldSz cx="9144000" cy="5143500" type="screen16x9"/>
   <p:notesSz cx="6858000" cy="9144000"/>
   <p:defaultTextStyle>
-    <a:defPPr lvl="0" marR="0" rtl="0" algn="l">
+    <a:defPPr marR="0" lvl="0" algn="l" rtl="0">
       <a:lnSpc>
         <a:spcPct val="100000"/>
       </a:lnSpc>
@@ -45,7 +45,7 @@
         <a:spcPts val="0"/>
       </a:spcAft>
     </a:defPPr>
-    <a:lvl1pPr lvl="0" marR="0" rtl="0" algn="l">
+    <a:lvl1pPr marR="0" lvl="0" algn="l" rtl="0">
       <a:lnSpc>
         <a:spcPct val="100000"/>
       </a:lnSpc>
@@ -59,7 +59,7 @@
         <a:srgbClr val="000000"/>
       </a:buClr>
       <a:buFont typeface="Arial"/>
-      <a:defRPr b="0" i="0" sz="1400" u="none" cap="none" strike="noStrike">
+      <a:defRPr sz="1400" b="0" i="0" u="none" strike="noStrike" cap="none">
         <a:solidFill>
           <a:srgbClr val="000000"/>
         </a:solidFill>
@@ -69,7 +69,7 @@
         <a:sym typeface="Arial"/>
       </a:defRPr>
     </a:lvl1pPr>
-    <a:lvl2pPr lvl="1" marR="0" rtl="0" algn="l">
+    <a:lvl2pPr marR="0" lvl="1" algn="l" rtl="0">
       <a:lnSpc>
         <a:spcPct val="100000"/>
       </a:lnSpc>
@@ -83,7 +83,7 @@
         <a:srgbClr val="000000"/>
       </a:buClr>
       <a:buFont typeface="Arial"/>
-      <a:defRPr b="0" i="0" sz="1400" u="none" cap="none" strike="noStrike">
+      <a:defRPr sz="1400" b="0" i="0" u="none" strike="noStrike" cap="none">
         <a:solidFill>
           <a:srgbClr val="000000"/>
         </a:solidFill>
@@ -93,7 +93,7 @@
         <a:sym typeface="Arial"/>
       </a:defRPr>
     </a:lvl2pPr>
-    <a:lvl3pPr lvl="2" marR="0" rtl="0" algn="l">
+    <a:lvl3pPr marR="0" lvl="2" algn="l" rtl="0">
       <a:lnSpc>
         <a:spcPct val="100000"/>
       </a:lnSpc>
@@ -107,7 +107,7 @@
         <a:srgbClr val="000000"/>
       </a:buClr>
       <a:buFont typeface="Arial"/>
-      <a:defRPr b="0" i="0" sz="1400" u="none" cap="none" strike="noStrike">
+      <a:defRPr sz="1400" b="0" i="0" u="none" strike="noStrike" cap="none">
         <a:solidFill>
           <a:srgbClr val="000000"/>
         </a:solidFill>
@@ -117,7 +117,7 @@
         <a:sym typeface="Arial"/>
       </a:defRPr>
     </a:lvl3pPr>
-    <a:lvl4pPr lvl="3" marR="0" rtl="0" algn="l">
+    <a:lvl4pPr marR="0" lvl="3" algn="l" rtl="0">
       <a:lnSpc>
         <a:spcPct val="100000"/>
       </a:lnSpc>
@@ -131,7 +131,7 @@
         <a:srgbClr val="000000"/>
       </a:buClr>
       <a:buFont typeface="Arial"/>
-      <a:defRPr b="0" i="0" sz="1400" u="none" cap="none" strike="noStrike">
+      <a:defRPr sz="1400" b="0" i="0" u="none" strike="noStrike" cap="none">
         <a:solidFill>
           <a:srgbClr val="000000"/>
         </a:solidFill>
@@ -141,7 +141,7 @@
         <a:sym typeface="Arial"/>
       </a:defRPr>
     </a:lvl4pPr>
-    <a:lvl5pPr lvl="4" marR="0" rtl="0" algn="l">
+    <a:lvl5pPr marR="0" lvl="4" algn="l" rtl="0">
       <a:lnSpc>
         <a:spcPct val="100000"/>
       </a:lnSpc>
@@ -155,7 +155,7 @@
         <a:srgbClr val="000000"/>
       </a:buClr>
       <a:buFont typeface="Arial"/>
-      <a:defRPr b="0" i="0" sz="1400" u="none" cap="none" strike="noStrike">
+      <a:defRPr sz="1400" b="0" i="0" u="none" strike="noStrike" cap="none">
         <a:solidFill>
           <a:srgbClr val="000000"/>
         </a:solidFill>
@@ -165,7 +165,7 @@
         <a:sym typeface="Arial"/>
       </a:defRPr>
     </a:lvl5pPr>
-    <a:lvl6pPr lvl="5" marR="0" rtl="0" algn="l">
+    <a:lvl6pPr marR="0" lvl="5" algn="l" rtl="0">
       <a:lnSpc>
         <a:spcPct val="100000"/>
       </a:lnSpc>
@@ -179,7 +179,7 @@
         <a:srgbClr val="000000"/>
       </a:buClr>
       <a:buFont typeface="Arial"/>
-      <a:defRPr b="0" i="0" sz="1400" u="none" cap="none" strike="noStrike">
+      <a:defRPr sz="1400" b="0" i="0" u="none" strike="noStrike" cap="none">
         <a:solidFill>
           <a:srgbClr val="000000"/>
         </a:solidFill>
@@ -189,7 +189,7 @@
         <a:sym typeface="Arial"/>
       </a:defRPr>
     </a:lvl6pPr>
-    <a:lvl7pPr lvl="6" marR="0" rtl="0" algn="l">
+    <a:lvl7pPr marR="0" lvl="6" algn="l" rtl="0">
       <a:lnSpc>
         <a:spcPct val="100000"/>
       </a:lnSpc>
@@ -203,7 +203,7 @@
         <a:srgbClr val="000000"/>
       </a:buClr>
       <a:buFont typeface="Arial"/>
-      <a:defRPr b="0" i="0" sz="1400" u="none" cap="none" strike="noStrike">
+      <a:defRPr sz="1400" b="0" i="0" u="none" strike="noStrike" cap="none">
         <a:solidFill>
           <a:srgbClr val="000000"/>
         </a:solidFill>
@@ -213,7 +213,7 @@
         <a:sym typeface="Arial"/>
       </a:defRPr>
     </a:lvl7pPr>
-    <a:lvl8pPr lvl="7" marR="0" rtl="0" algn="l">
+    <a:lvl8pPr marR="0" lvl="7" algn="l" rtl="0">
       <a:lnSpc>
         <a:spcPct val="100000"/>
       </a:lnSpc>
@@ -227,7 +227,7 @@
         <a:srgbClr val="000000"/>
       </a:buClr>
       <a:buFont typeface="Arial"/>
-      <a:defRPr b="0" i="0" sz="1400" u="none" cap="none" strike="noStrike">
+      <a:defRPr sz="1400" b="0" i="0" u="none" strike="noStrike" cap="none">
         <a:solidFill>
           <a:srgbClr val="000000"/>
         </a:solidFill>
@@ -237,7 +237,7 @@
         <a:sym typeface="Arial"/>
       </a:defRPr>
     </a:lvl8pPr>
-    <a:lvl9pPr lvl="8" marR="0" rtl="0" algn="l">
+    <a:lvl9pPr marR="0" lvl="8" algn="l" rtl="0">
       <a:lnSpc>
         <a:spcPct val="100000"/>
       </a:lnSpc>
@@ -251,7 +251,7 @@
         <a:srgbClr val="000000"/>
       </a:buClr>
       <a:buFont typeface="Arial"/>
-      <a:defRPr b="0" i="0" sz="1400" u="none" cap="none" strike="noStrike">
+      <a:defRPr sz="1400" b="0" i="0" u="none" strike="noStrike" cap="none">
         <a:solidFill>
           <a:srgbClr val="000000"/>
         </a:solidFill>
@@ -264,7 +264,7 @@
   </p:defaultTextStyle>
   <p:extLst>
     <p:ext uri="{EFAFB233-063F-42B5-8137-9DF3F51BA10A}">
-      <p15:sldGuideLst>
+      <p15:sldGuideLst xmlns:p15="http://schemas.microsoft.com/office/powerpoint/2012/main">
         <p15:guide id="1" orient="horz" pos="1620">
           <p15:clr>
             <a:srgbClr val="A4A3A4"/>
@@ -282,11 +282,16 @@
 </file>
 
 <file path=ppt/notesMasters/notesMaster1.xml><?xml version="1.0" encoding="utf-8"?>
-<p:notesMaster xmlns:a="http://schemas.openxmlformats.org/drawingml/2006/main" xmlns:r="http://schemas.openxmlformats.org/officeDocument/2006/relationships" xmlns:mc="http://schemas.openxmlformats.org/markup-compatibility/2006" xmlns:mv="urn:schemas-microsoft-com:mac:vml" xmlns:p="http://schemas.openxmlformats.org/presentationml/2006/main" xmlns:c="http://schemas.openxmlformats.org/drawingml/2006/chart" xmlns:dgm="http://schemas.openxmlformats.org/drawingml/2006/diagram" xmlns:o="urn:schemas-microsoft-com:office:office" xmlns:v="urn:schemas-microsoft-com:vml" xmlns:pvml="urn:schemas-microsoft-com:office:powerpoint" xmlns:com="http://schemas.openxmlformats.org/drawingml/2006/compatibility" xmlns:p14="http://schemas.microsoft.com/office/powerpoint/2010/main" xmlns:p15="http://schemas.microsoft.com/office/powerpoint/2012/main" xmlns:ahyp="http://schemas.microsoft.com/office/drawing/2018/hyperlinkcolor">
+<p:notesMaster xmlns:a="http://schemas.openxmlformats.org/drawingml/2006/main" xmlns:r="http://schemas.openxmlformats.org/officeDocument/2006/relationships" xmlns:p="http://schemas.openxmlformats.org/presentationml/2006/main">
   <p:cSld>
+    <p:bg>
+      <p:bgRef idx="1001">
+        <a:schemeClr val="bg1"/>
+      </p:bgRef>
+    </p:bg>
     <p:spTree>
       <p:nvGrpSpPr>
-        <p:cNvPr id="2" name="Shape 2"/>
+        <p:cNvPr id="1" name="Shape 2"/>
         <p:cNvGrpSpPr/>
         <p:nvPr/>
       </p:nvGrpSpPr>
@@ -301,9 +306,11 @@
       <p:sp>
         <p:nvSpPr>
           <p:cNvPr id="3" name="Google Shape;3;n"/>
-          <p:cNvSpPr/>
+          <p:cNvSpPr>
+            <a:spLocks noGrp="1" noRot="1" noChangeAspect="1"/>
+          </p:cNvSpPr>
           <p:nvPr>
-            <p:ph idx="2" type="sldImg"/>
+            <p:ph type="sldImg" idx="2"/>
           </p:nvPr>
         </p:nvSpPr>
         <p:spPr>
@@ -312,9 +319,13 @@
             <a:ext cx="6096075" cy="3429000"/>
           </a:xfrm>
           <a:custGeom>
-            <a:rect b="b" l="l" r="r" t="t"/>
+            <a:avLst/>
+            <a:gdLst/>
+            <a:ahLst/>
+            <a:cxnLst/>
+            <a:rect l="l" t="t" r="r" b="b"/>
             <a:pathLst>
-              <a:path extrusionOk="0" h="120000" w="120000">
+              <a:path w="120000" h="120000" extrusionOk="0">
                 <a:moveTo>
                   <a:pt x="0" y="0"/>
                 </a:moveTo>
@@ -332,23 +343,25 @@
             </a:pathLst>
           </a:custGeom>
           <a:noFill/>
-          <a:ln cap="flat" cmpd="sng" w="9525">
+          <a:ln w="9525" cap="flat" cmpd="sng">
             <a:solidFill>
               <a:srgbClr val="000000"/>
             </a:solidFill>
             <a:prstDash val="solid"/>
             <a:round/>
-            <a:headEnd len="sm" w="sm" type="none"/>
-            <a:tailEnd len="sm" w="sm" type="none"/>
+            <a:headEnd type="none" w="sm" len="sm"/>
+            <a:tailEnd type="none" w="sm" len="sm"/>
           </a:ln>
         </p:spPr>
       </p:sp>
       <p:sp>
         <p:nvSpPr>
           <p:cNvPr id="4" name="Google Shape;4;n"/>
-          <p:cNvSpPr txBox="1"/>
+          <p:cNvSpPr txBox="1">
+            <a:spLocks noGrp="1"/>
+          </p:cNvSpPr>
           <p:nvPr>
-            <p:ph idx="1" type="body"/>
+            <p:ph type="body" idx="1"/>
           </p:nvPr>
         </p:nvSpPr>
         <p:spPr>
@@ -365,11 +378,11 @@
           </a:ln>
         </p:spPr>
         <p:txBody>
-          <a:bodyPr anchorCtr="0" anchor="t" bIns="91425" lIns="91425" spcFirstLastPara="1" rIns="91425" wrap="square" tIns="91425">
+          <a:bodyPr spcFirstLastPara="1" wrap="square" lIns="91425" tIns="91425" rIns="91425" bIns="91425" anchor="t" anchorCtr="0">
             <a:noAutofit/>
           </a:bodyPr>
           <a:lstStyle>
-            <a:lvl1pPr indent="-298450" lvl="0" marL="457200">
+            <a:lvl1pPr marL="457200" lvl="0" indent="-298450">
               <a:spcBef>
                 <a:spcPts val="0"/>
               </a:spcBef>
@@ -380,7 +393,7 @@
               <a:buChar char="●"/>
               <a:defRPr sz="1100"/>
             </a:lvl1pPr>
-            <a:lvl2pPr indent="-298450" lvl="1" marL="914400">
+            <a:lvl2pPr marL="914400" lvl="1" indent="-298450">
               <a:spcBef>
                 <a:spcPts val="0"/>
               </a:spcBef>
@@ -391,7 +404,7 @@
               <a:buChar char="○"/>
               <a:defRPr sz="1100"/>
             </a:lvl2pPr>
-            <a:lvl3pPr indent="-298450" lvl="2" marL="1371600">
+            <a:lvl3pPr marL="1371600" lvl="2" indent="-298450">
               <a:spcBef>
                 <a:spcPts val="0"/>
               </a:spcBef>
@@ -402,7 +415,7 @@
               <a:buChar char="■"/>
               <a:defRPr sz="1100"/>
             </a:lvl3pPr>
-            <a:lvl4pPr indent="-298450" lvl="3" marL="1828800">
+            <a:lvl4pPr marL="1828800" lvl="3" indent="-298450">
               <a:spcBef>
                 <a:spcPts val="0"/>
               </a:spcBef>
@@ -413,7 +426,7 @@
               <a:buChar char="●"/>
               <a:defRPr sz="1100"/>
             </a:lvl4pPr>
-            <a:lvl5pPr indent="-298450" lvl="4" marL="2286000">
+            <a:lvl5pPr marL="2286000" lvl="4" indent="-298450">
               <a:spcBef>
                 <a:spcPts val="0"/>
               </a:spcBef>
@@ -424,7 +437,7 @@
               <a:buChar char="○"/>
               <a:defRPr sz="1100"/>
             </a:lvl5pPr>
-            <a:lvl6pPr indent="-298450" lvl="5" marL="2743200">
+            <a:lvl6pPr marL="2743200" lvl="5" indent="-298450">
               <a:spcBef>
                 <a:spcPts val="0"/>
               </a:spcBef>
@@ -435,7 +448,7 @@
               <a:buChar char="■"/>
               <a:defRPr sz="1100"/>
             </a:lvl6pPr>
-            <a:lvl7pPr indent="-298450" lvl="6" marL="3200400">
+            <a:lvl7pPr marL="3200400" lvl="6" indent="-298450">
               <a:spcBef>
                 <a:spcPts val="0"/>
               </a:spcBef>
@@ -446,7 +459,7 @@
               <a:buChar char="●"/>
               <a:defRPr sz="1100"/>
             </a:lvl7pPr>
-            <a:lvl8pPr indent="-298450" lvl="7" marL="3657600">
+            <a:lvl8pPr marL="3657600" lvl="7" indent="-298450">
               <a:spcBef>
                 <a:spcPts val="0"/>
               </a:spcBef>
@@ -457,7 +470,7 @@
               <a:buChar char="○"/>
               <a:defRPr sz="1100"/>
             </a:lvl8pPr>
-            <a:lvl9pPr indent="-298450" lvl="8" marL="4114800">
+            <a:lvl9pPr marL="4114800" lvl="8" indent="-298450">
               <a:spcBef>
                 <a:spcPts val="0"/>
               </a:spcBef>
@@ -469,14 +482,16 @@
               <a:defRPr sz="1100"/>
             </a:lvl9pPr>
           </a:lstStyle>
-          <a:p/>
+          <a:p>
+            <a:endParaRPr/>
+          </a:p>
         </p:txBody>
       </p:sp>
     </p:spTree>
   </p:cSld>
-  <p:clrMap accent1="accent1" accent2="accent2" accent3="accent3" accent4="accent4" accent5="accent5" accent6="accent6" bg1="lt1" bg2="dk2" tx1="dk1" tx2="lt2" folHlink="folHlink" hlink="hlink"/>
+  <p:clrMap bg1="lt1" tx1="dk1" bg2="dk2" tx2="lt2" accent1="accent1" accent2="accent2" accent3="accent3" accent4="accent4" accent5="accent5" accent6="accent6" hlink="hlink" folHlink="folHlink"/>
   <p:notesStyle>
-    <a:defPPr lvl="0" marR="0" rtl="0" algn="l">
+    <a:defPPr marR="0" lvl="0" algn="l" rtl="0">
       <a:lnSpc>
         <a:spcPct val="100000"/>
       </a:lnSpc>
@@ -487,7 +502,7 @@
         <a:spcPts val="0"/>
       </a:spcAft>
     </a:defPPr>
-    <a:lvl1pPr lvl="0" marR="0" rtl="0" algn="l">
+    <a:lvl1pPr marR="0" lvl="0" algn="l" rtl="0">
       <a:lnSpc>
         <a:spcPct val="100000"/>
       </a:lnSpc>
@@ -501,7 +516,7 @@
         <a:srgbClr val="000000"/>
       </a:buClr>
       <a:buFont typeface="Arial"/>
-      <a:defRPr b="0" i="0" sz="1400" u="none" cap="none" strike="noStrike">
+      <a:defRPr sz="1400" b="0" i="0" u="none" strike="noStrike" cap="none">
         <a:solidFill>
           <a:srgbClr val="000000"/>
         </a:solidFill>
@@ -511,7 +526,7 @@
         <a:sym typeface="Arial"/>
       </a:defRPr>
     </a:lvl1pPr>
-    <a:lvl2pPr lvl="1" marR="0" rtl="0" algn="l">
+    <a:lvl2pPr marR="0" lvl="1" algn="l" rtl="0">
       <a:lnSpc>
         <a:spcPct val="100000"/>
       </a:lnSpc>
@@ -525,7 +540,7 @@
         <a:srgbClr val="000000"/>
       </a:buClr>
       <a:buFont typeface="Arial"/>
-      <a:defRPr b="0" i="0" sz="1400" u="none" cap="none" strike="noStrike">
+      <a:defRPr sz="1400" b="0" i="0" u="none" strike="noStrike" cap="none">
         <a:solidFill>
           <a:srgbClr val="000000"/>
         </a:solidFill>
@@ -535,7 +550,7 @@
         <a:sym typeface="Arial"/>
       </a:defRPr>
     </a:lvl2pPr>
-    <a:lvl3pPr lvl="2" marR="0" rtl="0" algn="l">
+    <a:lvl3pPr marR="0" lvl="2" algn="l" rtl="0">
       <a:lnSpc>
         <a:spcPct val="100000"/>
       </a:lnSpc>
@@ -549,7 +564,7 @@
         <a:srgbClr val="000000"/>
       </a:buClr>
       <a:buFont typeface="Arial"/>
-      <a:defRPr b="0" i="0" sz="1400" u="none" cap="none" strike="noStrike">
+      <a:defRPr sz="1400" b="0" i="0" u="none" strike="noStrike" cap="none">
         <a:solidFill>
           <a:srgbClr val="000000"/>
         </a:solidFill>
@@ -559,7 +574,7 @@
         <a:sym typeface="Arial"/>
       </a:defRPr>
     </a:lvl3pPr>
-    <a:lvl4pPr lvl="3" marR="0" rtl="0" algn="l">
+    <a:lvl4pPr marR="0" lvl="3" algn="l" rtl="0">
       <a:lnSpc>
         <a:spcPct val="100000"/>
       </a:lnSpc>
@@ -573,7 +588,7 @@
         <a:srgbClr val="000000"/>
       </a:buClr>
       <a:buFont typeface="Arial"/>
-      <a:defRPr b="0" i="0" sz="1400" u="none" cap="none" strike="noStrike">
+      <a:defRPr sz="1400" b="0" i="0" u="none" strike="noStrike" cap="none">
         <a:solidFill>
           <a:srgbClr val="000000"/>
         </a:solidFill>
@@ -583,7 +598,7 @@
         <a:sym typeface="Arial"/>
       </a:defRPr>
     </a:lvl4pPr>
-    <a:lvl5pPr lvl="4" marR="0" rtl="0" algn="l">
+    <a:lvl5pPr marR="0" lvl="4" algn="l" rtl="0">
       <a:lnSpc>
         <a:spcPct val="100000"/>
       </a:lnSpc>
@@ -597,7 +612,7 @@
         <a:srgbClr val="000000"/>
       </a:buClr>
       <a:buFont typeface="Arial"/>
-      <a:defRPr b="0" i="0" sz="1400" u="none" cap="none" strike="noStrike">
+      <a:defRPr sz="1400" b="0" i="0" u="none" strike="noStrike" cap="none">
         <a:solidFill>
           <a:srgbClr val="000000"/>
         </a:solidFill>
@@ -607,7 +622,7 @@
         <a:sym typeface="Arial"/>
       </a:defRPr>
     </a:lvl5pPr>
-    <a:lvl6pPr lvl="5" marR="0" rtl="0" algn="l">
+    <a:lvl6pPr marR="0" lvl="5" algn="l" rtl="0">
       <a:lnSpc>
         <a:spcPct val="100000"/>
       </a:lnSpc>
@@ -621,7 +636,7 @@
         <a:srgbClr val="000000"/>
       </a:buClr>
       <a:buFont typeface="Arial"/>
-      <a:defRPr b="0" i="0" sz="1400" u="none" cap="none" strike="noStrike">
+      <a:defRPr sz="1400" b="0" i="0" u="none" strike="noStrike" cap="none">
         <a:solidFill>
           <a:srgbClr val="000000"/>
         </a:solidFill>
@@ -631,7 +646,7 @@
         <a:sym typeface="Arial"/>
       </a:defRPr>
     </a:lvl6pPr>
-    <a:lvl7pPr lvl="6" marR="0" rtl="0" algn="l">
+    <a:lvl7pPr marR="0" lvl="6" algn="l" rtl="0">
       <a:lnSpc>
         <a:spcPct val="100000"/>
       </a:lnSpc>
@@ -645,7 +660,7 @@
         <a:srgbClr val="000000"/>
       </a:buClr>
       <a:buFont typeface="Arial"/>
-      <a:defRPr b="0" i="0" sz="1400" u="none" cap="none" strike="noStrike">
+      <a:defRPr sz="1400" b="0" i="0" u="none" strike="noStrike" cap="none">
         <a:solidFill>
           <a:srgbClr val="000000"/>
         </a:solidFill>
@@ -655,7 +670,7 @@
         <a:sym typeface="Arial"/>
       </a:defRPr>
     </a:lvl7pPr>
-    <a:lvl8pPr lvl="7" marR="0" rtl="0" algn="l">
+    <a:lvl8pPr marR="0" lvl="7" algn="l" rtl="0">
       <a:lnSpc>
         <a:spcPct val="100000"/>
       </a:lnSpc>
@@ -669,7 +684,7 @@
         <a:srgbClr val="000000"/>
       </a:buClr>
       <a:buFont typeface="Arial"/>
-      <a:defRPr b="0" i="0" sz="1400" u="none" cap="none" strike="noStrike">
+      <a:defRPr sz="1400" b="0" i="0" u="none" strike="noStrike" cap="none">
         <a:solidFill>
           <a:srgbClr val="000000"/>
         </a:solidFill>
@@ -679,7 +694,7 @@
         <a:sym typeface="Arial"/>
       </a:defRPr>
     </a:lvl8pPr>
-    <a:lvl9pPr lvl="8" marR="0" rtl="0" algn="l">
+    <a:lvl9pPr marR="0" lvl="8" algn="l" rtl="0">
       <a:lnSpc>
         <a:spcPct val="100000"/>
       </a:lnSpc>
@@ -693,7 +708,7 @@
         <a:srgbClr val="000000"/>
       </a:buClr>
       <a:buFont typeface="Arial"/>
-      <a:defRPr b="0" i="0" sz="1400" u="none" cap="none" strike="noStrike">
+      <a:defRPr sz="1400" b="0" i="0" u="none" strike="noStrike" cap="none">
         <a:solidFill>
           <a:srgbClr val="000000"/>
         </a:solidFill>
@@ -708,11 +723,11 @@
 </file>
 
 <file path=ppt/notesSlides/notesSlide1.xml><?xml version="1.0" encoding="utf-8"?>
-<p:notes xmlns:a="http://schemas.openxmlformats.org/drawingml/2006/main" xmlns:r="http://schemas.openxmlformats.org/officeDocument/2006/relationships" xmlns:mc="http://schemas.openxmlformats.org/markup-compatibility/2006" xmlns:mv="urn:schemas-microsoft-com:mac:vml" xmlns:p="http://schemas.openxmlformats.org/presentationml/2006/main" xmlns:c="http://schemas.openxmlformats.org/drawingml/2006/chart" xmlns:dgm="http://schemas.openxmlformats.org/drawingml/2006/diagram" xmlns:o="urn:schemas-microsoft-com:office:office" xmlns:v="urn:schemas-microsoft-com:vml" xmlns:pvml="urn:schemas-microsoft-com:office:powerpoint" xmlns:com="http://schemas.openxmlformats.org/drawingml/2006/compatibility" xmlns:p14="http://schemas.microsoft.com/office/powerpoint/2010/main" xmlns:p15="http://schemas.microsoft.com/office/powerpoint/2012/main" xmlns:ahyp="http://schemas.microsoft.com/office/drawing/2018/hyperlinkcolor" showMasterPhAnim="0" showMasterSp="0">
+<p:notes xmlns:a="http://schemas.openxmlformats.org/drawingml/2006/main" xmlns:r="http://schemas.openxmlformats.org/officeDocument/2006/relationships" xmlns:p="http://schemas.openxmlformats.org/presentationml/2006/main" showMasterSp="0" showMasterPhAnim="0">
   <p:cSld>
     <p:spTree>
       <p:nvGrpSpPr>
-        <p:cNvPr id="50" name="Shape 50"/>
+        <p:cNvPr id="1" name="Shape 50"/>
         <p:cNvGrpSpPr/>
         <p:nvPr/>
       </p:nvGrpSpPr>
@@ -727,20 +742,26 @@
       <p:sp>
         <p:nvSpPr>
           <p:cNvPr id="51" name="Google Shape;51;p:notes"/>
-          <p:cNvSpPr/>
+          <p:cNvSpPr>
+            <a:spLocks noGrp="1" noRot="1" noChangeAspect="1"/>
+          </p:cNvSpPr>
           <p:nvPr>
-            <p:ph idx="2" type="sldImg"/>
+            <p:ph type="sldImg" idx="2"/>
           </p:nvPr>
         </p:nvSpPr>
         <p:spPr>
           <a:xfrm>
-            <a:off x="381300" y="685800"/>
-            <a:ext cx="6096075" cy="3429000"/>
+            <a:off x="381000" y="685800"/>
+            <a:ext cx="6096000" cy="3429000"/>
           </a:xfrm>
           <a:custGeom>
-            <a:rect b="b" l="l" r="r" t="t"/>
+            <a:avLst/>
+            <a:gdLst/>
+            <a:ahLst/>
+            <a:cxnLst/>
+            <a:rect l="l" t="t" r="r" b="b"/>
             <a:pathLst>
-              <a:path extrusionOk="0" h="120000" w="120000">
+              <a:path w="120000" h="120000" extrusionOk="0">
                 <a:moveTo>
                   <a:pt x="0" y="0"/>
                 </a:moveTo>
@@ -762,9 +783,11 @@
       <p:sp>
         <p:nvSpPr>
           <p:cNvPr id="52" name="Google Shape;52;p:notes"/>
-          <p:cNvSpPr txBox="1"/>
+          <p:cNvSpPr txBox="1">
+            <a:spLocks noGrp="1"/>
+          </p:cNvSpPr>
           <p:nvPr>
-            <p:ph idx="1" type="body"/>
+            <p:ph type="body" idx="1"/>
           </p:nvPr>
         </p:nvSpPr>
         <p:spPr>
@@ -777,12 +800,12 @@
           </a:prstGeom>
         </p:spPr>
         <p:txBody>
-          <a:bodyPr anchorCtr="0" anchor="t" bIns="91425" lIns="91425" spcFirstLastPara="1" rIns="91425" wrap="square" tIns="91425">
+          <a:bodyPr spcFirstLastPara="1" wrap="square" lIns="91425" tIns="91425" rIns="91425" bIns="91425" anchor="t" anchorCtr="0">
             <a:noAutofit/>
           </a:bodyPr>
           <a:lstStyle/>
           <a:p>
-            <a:pPr indent="0" lvl="0" marL="0" rtl="0" algn="l">
+            <a:pPr marL="0" lvl="0" indent="0" algn="l" rtl="0">
               <a:spcBef>
                 <a:spcPts val="0"/>
               </a:spcBef>
@@ -791,9 +814,6 @@
               </a:spcAft>
               <a:buNone/>
             </a:pPr>
-            <a:r>
-              <a:t/>
-            </a:r>
             <a:endParaRPr/>
           </a:p>
         </p:txBody>
@@ -807,11 +827,11 @@
 </file>
 
 <file path=ppt/notesSlides/notesSlide10.xml><?xml version="1.0" encoding="utf-8"?>
-<p:notes xmlns:a="http://schemas.openxmlformats.org/drawingml/2006/main" xmlns:r="http://schemas.openxmlformats.org/officeDocument/2006/relationships" xmlns:mc="http://schemas.openxmlformats.org/markup-compatibility/2006" xmlns:mv="urn:schemas-microsoft-com:mac:vml" xmlns:p="http://schemas.openxmlformats.org/presentationml/2006/main" xmlns:c="http://schemas.openxmlformats.org/drawingml/2006/chart" xmlns:dgm="http://schemas.openxmlformats.org/drawingml/2006/diagram" xmlns:o="urn:schemas-microsoft-com:office:office" xmlns:v="urn:schemas-microsoft-com:vml" xmlns:pvml="urn:schemas-microsoft-com:office:powerpoint" xmlns:com="http://schemas.openxmlformats.org/drawingml/2006/compatibility" xmlns:p14="http://schemas.microsoft.com/office/powerpoint/2010/main" xmlns:p15="http://schemas.microsoft.com/office/powerpoint/2012/main" xmlns:ahyp="http://schemas.microsoft.com/office/drawing/2018/hyperlinkcolor" showMasterPhAnim="0" showMasterSp="0">
+<p:notes xmlns:a="http://schemas.openxmlformats.org/drawingml/2006/main" xmlns:r="http://schemas.openxmlformats.org/officeDocument/2006/relationships" xmlns:p="http://schemas.openxmlformats.org/presentationml/2006/main" showMasterSp="0" showMasterPhAnim="0">
   <p:cSld>
     <p:spTree>
       <p:nvGrpSpPr>
-        <p:cNvPr id="111" name="Shape 111"/>
+        <p:cNvPr id="1" name="Shape 111"/>
         <p:cNvGrpSpPr/>
         <p:nvPr/>
       </p:nvGrpSpPr>
@@ -826,20 +846,26 @@
       <p:sp>
         <p:nvSpPr>
           <p:cNvPr id="112" name="Google Shape;112;g18da726ab82_1_52:notes"/>
-          <p:cNvSpPr/>
+          <p:cNvSpPr>
+            <a:spLocks noGrp="1" noRot="1" noChangeAspect="1"/>
+          </p:cNvSpPr>
           <p:nvPr>
-            <p:ph idx="2" type="sldImg"/>
+            <p:ph type="sldImg" idx="2"/>
           </p:nvPr>
         </p:nvSpPr>
         <p:spPr>
           <a:xfrm>
-            <a:off x="381300" y="685800"/>
+            <a:off x="381000" y="685800"/>
             <a:ext cx="6096000" cy="3429000"/>
           </a:xfrm>
           <a:custGeom>
-            <a:rect b="b" l="l" r="r" t="t"/>
+            <a:avLst/>
+            <a:gdLst/>
+            <a:ahLst/>
+            <a:cxnLst/>
+            <a:rect l="l" t="t" r="r" b="b"/>
             <a:pathLst>
-              <a:path extrusionOk="0" h="120000" w="120000">
+              <a:path w="120000" h="120000" extrusionOk="0">
                 <a:moveTo>
                   <a:pt x="0" y="0"/>
                 </a:moveTo>
@@ -861,9 +887,11 @@
       <p:sp>
         <p:nvSpPr>
           <p:cNvPr id="113" name="Google Shape;113;g18da726ab82_1_52:notes"/>
-          <p:cNvSpPr txBox="1"/>
+          <p:cNvSpPr txBox="1">
+            <a:spLocks noGrp="1"/>
+          </p:cNvSpPr>
           <p:nvPr>
-            <p:ph idx="1" type="body"/>
+            <p:ph type="body" idx="1"/>
           </p:nvPr>
         </p:nvSpPr>
         <p:spPr>
@@ -876,12 +904,12 @@
           </a:prstGeom>
         </p:spPr>
         <p:txBody>
-          <a:bodyPr anchorCtr="0" anchor="t" bIns="91425" lIns="91425" spcFirstLastPara="1" rIns="91425" wrap="square" tIns="91425">
+          <a:bodyPr spcFirstLastPara="1" wrap="square" lIns="91425" tIns="91425" rIns="91425" bIns="91425" anchor="t" anchorCtr="0">
             <a:noAutofit/>
           </a:bodyPr>
           <a:lstStyle/>
           <a:p>
-            <a:pPr indent="0" lvl="0" marL="0" rtl="0" algn="l">
+            <a:pPr marL="0" lvl="0" indent="0" algn="l" rtl="0">
               <a:spcBef>
                 <a:spcPts val="0"/>
               </a:spcBef>
@@ -890,9 +918,6 @@
               </a:spcAft>
               <a:buNone/>
             </a:pPr>
-            <a:r>
-              <a:t/>
-            </a:r>
             <a:endParaRPr/>
           </a:p>
         </p:txBody>
@@ -906,11 +931,11 @@
 </file>
 
 <file path=ppt/notesSlides/notesSlide11.xml><?xml version="1.0" encoding="utf-8"?>
-<p:notes xmlns:a="http://schemas.openxmlformats.org/drawingml/2006/main" xmlns:r="http://schemas.openxmlformats.org/officeDocument/2006/relationships" xmlns:mc="http://schemas.openxmlformats.org/markup-compatibility/2006" xmlns:mv="urn:schemas-microsoft-com:mac:vml" xmlns:p="http://schemas.openxmlformats.org/presentationml/2006/main" xmlns:c="http://schemas.openxmlformats.org/drawingml/2006/chart" xmlns:dgm="http://schemas.openxmlformats.org/drawingml/2006/diagram" xmlns:o="urn:schemas-microsoft-com:office:office" xmlns:v="urn:schemas-microsoft-com:vml" xmlns:pvml="urn:schemas-microsoft-com:office:powerpoint" xmlns:com="http://schemas.openxmlformats.org/drawingml/2006/compatibility" xmlns:p14="http://schemas.microsoft.com/office/powerpoint/2010/main" xmlns:p15="http://schemas.microsoft.com/office/powerpoint/2012/main" xmlns:ahyp="http://schemas.microsoft.com/office/drawing/2018/hyperlinkcolor" showMasterPhAnim="0" showMasterSp="0">
+<p:notes xmlns:a="http://schemas.openxmlformats.org/drawingml/2006/main" xmlns:r="http://schemas.openxmlformats.org/officeDocument/2006/relationships" xmlns:p="http://schemas.openxmlformats.org/presentationml/2006/main" showMasterSp="0" showMasterPhAnim="0">
   <p:cSld>
     <p:spTree>
       <p:nvGrpSpPr>
-        <p:cNvPr id="116" name="Shape 116"/>
+        <p:cNvPr id="1" name="Shape 116"/>
         <p:cNvGrpSpPr/>
         <p:nvPr/>
       </p:nvGrpSpPr>
@@ -925,20 +950,26 @@
       <p:sp>
         <p:nvSpPr>
           <p:cNvPr id="117" name="Google Shape;117;g18da726ab82_1_70:notes"/>
-          <p:cNvSpPr/>
+          <p:cNvSpPr>
+            <a:spLocks noGrp="1" noRot="1" noChangeAspect="1"/>
+          </p:cNvSpPr>
           <p:nvPr>
-            <p:ph idx="2" type="sldImg"/>
+            <p:ph type="sldImg" idx="2"/>
           </p:nvPr>
         </p:nvSpPr>
         <p:spPr>
           <a:xfrm>
-            <a:off x="381300" y="685800"/>
+            <a:off x="381000" y="685800"/>
             <a:ext cx="6096000" cy="3429000"/>
           </a:xfrm>
           <a:custGeom>
-            <a:rect b="b" l="l" r="r" t="t"/>
+            <a:avLst/>
+            <a:gdLst/>
+            <a:ahLst/>
+            <a:cxnLst/>
+            <a:rect l="l" t="t" r="r" b="b"/>
             <a:pathLst>
-              <a:path extrusionOk="0" h="120000" w="120000">
+              <a:path w="120000" h="120000" extrusionOk="0">
                 <a:moveTo>
                   <a:pt x="0" y="0"/>
                 </a:moveTo>
@@ -960,9 +991,11 @@
       <p:sp>
         <p:nvSpPr>
           <p:cNvPr id="118" name="Google Shape;118;g18da726ab82_1_70:notes"/>
-          <p:cNvSpPr txBox="1"/>
+          <p:cNvSpPr txBox="1">
+            <a:spLocks noGrp="1"/>
+          </p:cNvSpPr>
           <p:nvPr>
-            <p:ph idx="1" type="body"/>
+            <p:ph type="body" idx="1"/>
           </p:nvPr>
         </p:nvSpPr>
         <p:spPr>
@@ -975,12 +1008,12 @@
           </a:prstGeom>
         </p:spPr>
         <p:txBody>
-          <a:bodyPr anchorCtr="0" anchor="t" bIns="91425" lIns="91425" spcFirstLastPara="1" rIns="91425" wrap="square" tIns="91425">
+          <a:bodyPr spcFirstLastPara="1" wrap="square" lIns="91425" tIns="91425" rIns="91425" bIns="91425" anchor="t" anchorCtr="0">
             <a:noAutofit/>
           </a:bodyPr>
           <a:lstStyle/>
           <a:p>
-            <a:pPr indent="0" lvl="0" marL="0" rtl="0" algn="l">
+            <a:pPr marL="0" lvl="0" indent="0" algn="l" rtl="0">
               <a:spcBef>
                 <a:spcPts val="0"/>
               </a:spcBef>
@@ -989,9 +1022,6 @@
               </a:spcAft>
               <a:buNone/>
             </a:pPr>
-            <a:r>
-              <a:t/>
-            </a:r>
             <a:endParaRPr/>
           </a:p>
         </p:txBody>
@@ -1005,11 +1035,11 @@
 </file>
 
 <file path=ppt/notesSlides/notesSlide12.xml><?xml version="1.0" encoding="utf-8"?>
-<p:notes xmlns:a="http://schemas.openxmlformats.org/drawingml/2006/main" xmlns:r="http://schemas.openxmlformats.org/officeDocument/2006/relationships" xmlns:mc="http://schemas.openxmlformats.org/markup-compatibility/2006" xmlns:mv="urn:schemas-microsoft-com:mac:vml" xmlns:p="http://schemas.openxmlformats.org/presentationml/2006/main" xmlns:c="http://schemas.openxmlformats.org/drawingml/2006/chart" xmlns:dgm="http://schemas.openxmlformats.org/drawingml/2006/diagram" xmlns:o="urn:schemas-microsoft-com:office:office" xmlns:v="urn:schemas-microsoft-com:vml" xmlns:pvml="urn:schemas-microsoft-com:office:powerpoint" xmlns:com="http://schemas.openxmlformats.org/drawingml/2006/compatibility" xmlns:p14="http://schemas.microsoft.com/office/powerpoint/2010/main" xmlns:p15="http://schemas.microsoft.com/office/powerpoint/2012/main" xmlns:ahyp="http://schemas.microsoft.com/office/drawing/2018/hyperlinkcolor" showMasterPhAnim="0" showMasterSp="0">
+<p:notes xmlns:a="http://schemas.openxmlformats.org/drawingml/2006/main" xmlns:r="http://schemas.openxmlformats.org/officeDocument/2006/relationships" xmlns:p="http://schemas.openxmlformats.org/presentationml/2006/main" showMasterSp="0" showMasterPhAnim="0">
   <p:cSld>
     <p:spTree>
       <p:nvGrpSpPr>
-        <p:cNvPr id="122" name="Shape 122"/>
+        <p:cNvPr id="1" name="Shape 122"/>
         <p:cNvGrpSpPr/>
         <p:nvPr/>
       </p:nvGrpSpPr>
@@ -1024,20 +1054,26 @@
       <p:sp>
         <p:nvSpPr>
           <p:cNvPr id="123" name="Google Shape;123;g18da726ab82_1_58:notes"/>
-          <p:cNvSpPr/>
+          <p:cNvSpPr>
+            <a:spLocks noGrp="1" noRot="1" noChangeAspect="1"/>
+          </p:cNvSpPr>
           <p:nvPr>
-            <p:ph idx="2" type="sldImg"/>
+            <p:ph type="sldImg" idx="2"/>
           </p:nvPr>
         </p:nvSpPr>
         <p:spPr>
           <a:xfrm>
-            <a:off x="381300" y="685800"/>
+            <a:off x="381000" y="685800"/>
             <a:ext cx="6096000" cy="3429000"/>
           </a:xfrm>
           <a:custGeom>
-            <a:rect b="b" l="l" r="r" t="t"/>
+            <a:avLst/>
+            <a:gdLst/>
+            <a:ahLst/>
+            <a:cxnLst/>
+            <a:rect l="l" t="t" r="r" b="b"/>
             <a:pathLst>
-              <a:path extrusionOk="0" h="120000" w="120000">
+              <a:path w="120000" h="120000" extrusionOk="0">
                 <a:moveTo>
                   <a:pt x="0" y="0"/>
                 </a:moveTo>
@@ -1059,9 +1095,11 @@
       <p:sp>
         <p:nvSpPr>
           <p:cNvPr id="124" name="Google Shape;124;g18da726ab82_1_58:notes"/>
-          <p:cNvSpPr txBox="1"/>
+          <p:cNvSpPr txBox="1">
+            <a:spLocks noGrp="1"/>
+          </p:cNvSpPr>
           <p:nvPr>
-            <p:ph idx="1" type="body"/>
+            <p:ph type="body" idx="1"/>
           </p:nvPr>
         </p:nvSpPr>
         <p:spPr>
@@ -1074,12 +1112,12 @@
           </a:prstGeom>
         </p:spPr>
         <p:txBody>
-          <a:bodyPr anchorCtr="0" anchor="t" bIns="91425" lIns="91425" spcFirstLastPara="1" rIns="91425" wrap="square" tIns="91425">
+          <a:bodyPr spcFirstLastPara="1" wrap="square" lIns="91425" tIns="91425" rIns="91425" bIns="91425" anchor="t" anchorCtr="0">
             <a:noAutofit/>
           </a:bodyPr>
           <a:lstStyle/>
           <a:p>
-            <a:pPr indent="0" lvl="0" marL="0" rtl="0" algn="l">
+            <a:pPr marL="0" lvl="0" indent="0" algn="l" rtl="0">
               <a:spcBef>
                 <a:spcPts val="0"/>
               </a:spcBef>
@@ -1088,9 +1126,6 @@
               </a:spcAft>
               <a:buNone/>
             </a:pPr>
-            <a:r>
-              <a:t/>
-            </a:r>
             <a:endParaRPr/>
           </a:p>
         </p:txBody>
@@ -1104,11 +1139,11 @@
 </file>
 
 <file path=ppt/notesSlides/notesSlide13.xml><?xml version="1.0" encoding="utf-8"?>
-<p:notes xmlns:a="http://schemas.openxmlformats.org/drawingml/2006/main" xmlns:r="http://schemas.openxmlformats.org/officeDocument/2006/relationships" xmlns:mc="http://schemas.openxmlformats.org/markup-compatibility/2006" xmlns:mv="urn:schemas-microsoft-com:mac:vml" xmlns:p="http://schemas.openxmlformats.org/presentationml/2006/main" xmlns:c="http://schemas.openxmlformats.org/drawingml/2006/chart" xmlns:dgm="http://schemas.openxmlformats.org/drawingml/2006/diagram" xmlns:o="urn:schemas-microsoft-com:office:office" xmlns:v="urn:schemas-microsoft-com:vml" xmlns:pvml="urn:schemas-microsoft-com:office:powerpoint" xmlns:com="http://schemas.openxmlformats.org/drawingml/2006/compatibility" xmlns:p14="http://schemas.microsoft.com/office/powerpoint/2010/main" xmlns:p15="http://schemas.microsoft.com/office/powerpoint/2012/main" xmlns:ahyp="http://schemas.microsoft.com/office/drawing/2018/hyperlinkcolor" showMasterPhAnim="0" showMasterSp="0">
+<p:notes xmlns:a="http://schemas.openxmlformats.org/drawingml/2006/main" xmlns:r="http://schemas.openxmlformats.org/officeDocument/2006/relationships" xmlns:p="http://schemas.openxmlformats.org/presentationml/2006/main" showMasterSp="0" showMasterPhAnim="0">
   <p:cSld>
     <p:spTree>
       <p:nvGrpSpPr>
-        <p:cNvPr id="129" name="Shape 129"/>
+        <p:cNvPr id="1" name="Shape 129"/>
         <p:cNvGrpSpPr/>
         <p:nvPr/>
       </p:nvGrpSpPr>
@@ -1123,20 +1158,26 @@
       <p:sp>
         <p:nvSpPr>
           <p:cNvPr id="130" name="Google Shape;130;g19591d09a84_0_42:notes"/>
-          <p:cNvSpPr/>
+          <p:cNvSpPr>
+            <a:spLocks noGrp="1" noRot="1" noChangeAspect="1"/>
+          </p:cNvSpPr>
           <p:nvPr>
-            <p:ph idx="2" type="sldImg"/>
+            <p:ph type="sldImg" idx="2"/>
           </p:nvPr>
         </p:nvSpPr>
         <p:spPr>
           <a:xfrm>
-            <a:off x="381300" y="685800"/>
+            <a:off x="381000" y="685800"/>
             <a:ext cx="6096000" cy="3429000"/>
           </a:xfrm>
           <a:custGeom>
-            <a:rect b="b" l="l" r="r" t="t"/>
+            <a:avLst/>
+            <a:gdLst/>
+            <a:ahLst/>
+            <a:cxnLst/>
+            <a:rect l="l" t="t" r="r" b="b"/>
             <a:pathLst>
-              <a:path extrusionOk="0" h="120000" w="120000">
+              <a:path w="120000" h="120000" extrusionOk="0">
                 <a:moveTo>
                   <a:pt x="0" y="0"/>
                 </a:moveTo>
@@ -1158,9 +1199,11 @@
       <p:sp>
         <p:nvSpPr>
           <p:cNvPr id="131" name="Google Shape;131;g19591d09a84_0_42:notes"/>
-          <p:cNvSpPr txBox="1"/>
+          <p:cNvSpPr txBox="1">
+            <a:spLocks noGrp="1"/>
+          </p:cNvSpPr>
           <p:nvPr>
-            <p:ph idx="1" type="body"/>
+            <p:ph type="body" idx="1"/>
           </p:nvPr>
         </p:nvSpPr>
         <p:spPr>
@@ -1173,12 +1216,12 @@
           </a:prstGeom>
         </p:spPr>
         <p:txBody>
-          <a:bodyPr anchorCtr="0" anchor="t" bIns="91425" lIns="91425" spcFirstLastPara="1" rIns="91425" wrap="square" tIns="91425">
+          <a:bodyPr spcFirstLastPara="1" wrap="square" lIns="91425" tIns="91425" rIns="91425" bIns="91425" anchor="t" anchorCtr="0">
             <a:noAutofit/>
           </a:bodyPr>
           <a:lstStyle/>
           <a:p>
-            <a:pPr indent="0" lvl="0" marL="0" rtl="0" algn="l">
+            <a:pPr marL="0" lvl="0" indent="0" algn="l" rtl="0">
               <a:spcBef>
                 <a:spcPts val="0"/>
               </a:spcBef>
@@ -1187,9 +1230,6 @@
               </a:spcAft>
               <a:buNone/>
             </a:pPr>
-            <a:r>
-              <a:t/>
-            </a:r>
             <a:endParaRPr/>
           </a:p>
         </p:txBody>
@@ -1203,11 +1243,11 @@
 </file>
 
 <file path=ppt/notesSlides/notesSlide14.xml><?xml version="1.0" encoding="utf-8"?>
-<p:notes xmlns:a="http://schemas.openxmlformats.org/drawingml/2006/main" xmlns:r="http://schemas.openxmlformats.org/officeDocument/2006/relationships" xmlns:mc="http://schemas.openxmlformats.org/markup-compatibility/2006" xmlns:mv="urn:schemas-microsoft-com:mac:vml" xmlns:p="http://schemas.openxmlformats.org/presentationml/2006/main" xmlns:c="http://schemas.openxmlformats.org/drawingml/2006/chart" xmlns:dgm="http://schemas.openxmlformats.org/drawingml/2006/diagram" xmlns:o="urn:schemas-microsoft-com:office:office" xmlns:v="urn:schemas-microsoft-com:vml" xmlns:pvml="urn:schemas-microsoft-com:office:powerpoint" xmlns:com="http://schemas.openxmlformats.org/drawingml/2006/compatibility" xmlns:p14="http://schemas.microsoft.com/office/powerpoint/2010/main" xmlns:p15="http://schemas.microsoft.com/office/powerpoint/2012/main" xmlns:ahyp="http://schemas.microsoft.com/office/drawing/2018/hyperlinkcolor" showMasterPhAnim="0" showMasterSp="0">
+<p:notes xmlns:a="http://schemas.openxmlformats.org/drawingml/2006/main" xmlns:r="http://schemas.openxmlformats.org/officeDocument/2006/relationships" xmlns:p="http://schemas.openxmlformats.org/presentationml/2006/main" showMasterSp="0" showMasterPhAnim="0">
   <p:cSld>
     <p:spTree>
       <p:nvGrpSpPr>
-        <p:cNvPr id="134" name="Shape 134"/>
+        <p:cNvPr id="1" name="Shape 134"/>
         <p:cNvGrpSpPr/>
         <p:nvPr/>
       </p:nvGrpSpPr>
@@ -1222,20 +1262,26 @@
       <p:sp>
         <p:nvSpPr>
           <p:cNvPr id="135" name="Google Shape;135;g18da726ab82_1_64:notes"/>
-          <p:cNvSpPr/>
+          <p:cNvSpPr>
+            <a:spLocks noGrp="1" noRot="1" noChangeAspect="1"/>
+          </p:cNvSpPr>
           <p:nvPr>
-            <p:ph idx="2" type="sldImg"/>
+            <p:ph type="sldImg" idx="2"/>
           </p:nvPr>
         </p:nvSpPr>
         <p:spPr>
           <a:xfrm>
-            <a:off x="381300" y="685800"/>
+            <a:off x="381000" y="685800"/>
             <a:ext cx="6096000" cy="3429000"/>
           </a:xfrm>
           <a:custGeom>
-            <a:rect b="b" l="l" r="r" t="t"/>
+            <a:avLst/>
+            <a:gdLst/>
+            <a:ahLst/>
+            <a:cxnLst/>
+            <a:rect l="l" t="t" r="r" b="b"/>
             <a:pathLst>
-              <a:path extrusionOk="0" h="120000" w="120000">
+              <a:path w="120000" h="120000" extrusionOk="0">
                 <a:moveTo>
                   <a:pt x="0" y="0"/>
                 </a:moveTo>
@@ -1257,9 +1303,11 @@
       <p:sp>
         <p:nvSpPr>
           <p:cNvPr id="136" name="Google Shape;136;g18da726ab82_1_64:notes"/>
-          <p:cNvSpPr txBox="1"/>
+          <p:cNvSpPr txBox="1">
+            <a:spLocks noGrp="1"/>
+          </p:cNvSpPr>
           <p:nvPr>
-            <p:ph idx="1" type="body"/>
+            <p:ph type="body" idx="1"/>
           </p:nvPr>
         </p:nvSpPr>
         <p:spPr>
@@ -1272,12 +1320,12 @@
           </a:prstGeom>
         </p:spPr>
         <p:txBody>
-          <a:bodyPr anchorCtr="0" anchor="t" bIns="91425" lIns="91425" spcFirstLastPara="1" rIns="91425" wrap="square" tIns="91425">
+          <a:bodyPr spcFirstLastPara="1" wrap="square" lIns="91425" tIns="91425" rIns="91425" bIns="91425" anchor="t" anchorCtr="0">
             <a:noAutofit/>
           </a:bodyPr>
           <a:lstStyle/>
           <a:p>
-            <a:pPr indent="0" lvl="0" marL="0" rtl="0" algn="l">
+            <a:pPr marL="0" lvl="0" indent="0" algn="l" rtl="0">
               <a:spcBef>
                 <a:spcPts val="0"/>
               </a:spcBef>
@@ -1286,9 +1334,6 @@
               </a:spcAft>
               <a:buNone/>
             </a:pPr>
-            <a:r>
-              <a:t/>
-            </a:r>
             <a:endParaRPr/>
           </a:p>
         </p:txBody>
@@ -1302,11 +1347,11 @@
 </file>
 
 <file path=ppt/notesSlides/notesSlide15.xml><?xml version="1.0" encoding="utf-8"?>
-<p:notes xmlns:a="http://schemas.openxmlformats.org/drawingml/2006/main" xmlns:r="http://schemas.openxmlformats.org/officeDocument/2006/relationships" xmlns:mc="http://schemas.openxmlformats.org/markup-compatibility/2006" xmlns:mv="urn:schemas-microsoft-com:mac:vml" xmlns:p="http://schemas.openxmlformats.org/presentationml/2006/main" xmlns:c="http://schemas.openxmlformats.org/drawingml/2006/chart" xmlns:dgm="http://schemas.openxmlformats.org/drawingml/2006/diagram" xmlns:o="urn:schemas-microsoft-com:office:office" xmlns:v="urn:schemas-microsoft-com:vml" xmlns:pvml="urn:schemas-microsoft-com:office:powerpoint" xmlns:com="http://schemas.openxmlformats.org/drawingml/2006/compatibility" xmlns:p14="http://schemas.microsoft.com/office/powerpoint/2010/main" xmlns:p15="http://schemas.microsoft.com/office/powerpoint/2012/main" xmlns:ahyp="http://schemas.microsoft.com/office/drawing/2018/hyperlinkcolor" showMasterPhAnim="0" showMasterSp="0">
+<p:notes xmlns:a="http://schemas.openxmlformats.org/drawingml/2006/main" xmlns:r="http://schemas.openxmlformats.org/officeDocument/2006/relationships" xmlns:p="http://schemas.openxmlformats.org/presentationml/2006/main" showMasterSp="0" showMasterPhAnim="0">
   <p:cSld>
     <p:spTree>
       <p:nvGrpSpPr>
-        <p:cNvPr id="139" name="Shape 139"/>
+        <p:cNvPr id="1" name="Shape 139"/>
         <p:cNvGrpSpPr/>
         <p:nvPr/>
       </p:nvGrpSpPr>
@@ -1321,20 +1366,26 @@
       <p:sp>
         <p:nvSpPr>
           <p:cNvPr id="140" name="Google Shape;140;g19591d09a84_0_0:notes"/>
-          <p:cNvSpPr/>
+          <p:cNvSpPr>
+            <a:spLocks noGrp="1" noRot="1" noChangeAspect="1"/>
+          </p:cNvSpPr>
           <p:nvPr>
-            <p:ph idx="2" type="sldImg"/>
+            <p:ph type="sldImg" idx="2"/>
           </p:nvPr>
         </p:nvSpPr>
         <p:spPr>
           <a:xfrm>
-            <a:off x="381300" y="685800"/>
+            <a:off x="381000" y="685800"/>
             <a:ext cx="6096000" cy="3429000"/>
           </a:xfrm>
           <a:custGeom>
-            <a:rect b="b" l="l" r="r" t="t"/>
+            <a:avLst/>
+            <a:gdLst/>
+            <a:ahLst/>
+            <a:cxnLst/>
+            <a:rect l="l" t="t" r="r" b="b"/>
             <a:pathLst>
-              <a:path extrusionOk="0" h="120000" w="120000">
+              <a:path w="120000" h="120000" extrusionOk="0">
                 <a:moveTo>
                   <a:pt x="0" y="0"/>
                 </a:moveTo>
@@ -1356,9 +1407,11 @@
       <p:sp>
         <p:nvSpPr>
           <p:cNvPr id="141" name="Google Shape;141;g19591d09a84_0_0:notes"/>
-          <p:cNvSpPr txBox="1"/>
+          <p:cNvSpPr txBox="1">
+            <a:spLocks noGrp="1"/>
+          </p:cNvSpPr>
           <p:nvPr>
-            <p:ph idx="1" type="body"/>
+            <p:ph type="body" idx="1"/>
           </p:nvPr>
         </p:nvSpPr>
         <p:spPr>
@@ -1371,12 +1424,12 @@
           </a:prstGeom>
         </p:spPr>
         <p:txBody>
-          <a:bodyPr anchorCtr="0" anchor="t" bIns="91425" lIns="91425" spcFirstLastPara="1" rIns="91425" wrap="square" tIns="91425">
+          <a:bodyPr spcFirstLastPara="1" wrap="square" lIns="91425" tIns="91425" rIns="91425" bIns="91425" anchor="t" anchorCtr="0">
             <a:noAutofit/>
           </a:bodyPr>
           <a:lstStyle/>
           <a:p>
-            <a:pPr indent="0" lvl="0" marL="0" rtl="0" algn="l">
+            <a:pPr marL="0" lvl="0" indent="0" algn="l" rtl="0">
               <a:spcBef>
                 <a:spcPts val="0"/>
               </a:spcBef>
@@ -1385,9 +1438,6 @@
               </a:spcAft>
               <a:buNone/>
             </a:pPr>
-            <a:r>
-              <a:t/>
-            </a:r>
             <a:endParaRPr/>
           </a:p>
         </p:txBody>
@@ -1401,11 +1451,11 @@
 </file>
 
 <file path=ppt/notesSlides/notesSlide16.xml><?xml version="1.0" encoding="utf-8"?>
-<p:notes xmlns:a="http://schemas.openxmlformats.org/drawingml/2006/main" xmlns:r="http://schemas.openxmlformats.org/officeDocument/2006/relationships" xmlns:mc="http://schemas.openxmlformats.org/markup-compatibility/2006" xmlns:mv="urn:schemas-microsoft-com:mac:vml" xmlns:p="http://schemas.openxmlformats.org/presentationml/2006/main" xmlns:c="http://schemas.openxmlformats.org/drawingml/2006/chart" xmlns:dgm="http://schemas.openxmlformats.org/drawingml/2006/diagram" xmlns:o="urn:schemas-microsoft-com:office:office" xmlns:v="urn:schemas-microsoft-com:vml" xmlns:pvml="urn:schemas-microsoft-com:office:powerpoint" xmlns:com="http://schemas.openxmlformats.org/drawingml/2006/compatibility" xmlns:p14="http://schemas.microsoft.com/office/powerpoint/2010/main" xmlns:p15="http://schemas.microsoft.com/office/powerpoint/2012/main" xmlns:ahyp="http://schemas.microsoft.com/office/drawing/2018/hyperlinkcolor" showMasterPhAnim="0" showMasterSp="0">
+<p:notes xmlns:a="http://schemas.openxmlformats.org/drawingml/2006/main" xmlns:r="http://schemas.openxmlformats.org/officeDocument/2006/relationships" xmlns:p="http://schemas.openxmlformats.org/presentationml/2006/main" showMasterSp="0" showMasterPhAnim="0">
   <p:cSld>
     <p:spTree>
       <p:nvGrpSpPr>
-        <p:cNvPr id="146" name="Shape 146"/>
+        <p:cNvPr id="1" name="Shape 146"/>
         <p:cNvGrpSpPr/>
         <p:nvPr/>
       </p:nvGrpSpPr>
@@ -1420,20 +1470,26 @@
       <p:sp>
         <p:nvSpPr>
           <p:cNvPr id="147" name="Google Shape;147;g19591d09a84_0_6:notes"/>
-          <p:cNvSpPr/>
+          <p:cNvSpPr>
+            <a:spLocks noGrp="1" noRot="1" noChangeAspect="1"/>
+          </p:cNvSpPr>
           <p:nvPr>
-            <p:ph idx="2" type="sldImg"/>
+            <p:ph type="sldImg" idx="2"/>
           </p:nvPr>
         </p:nvSpPr>
         <p:spPr>
           <a:xfrm>
-            <a:off x="381300" y="685800"/>
+            <a:off x="381000" y="685800"/>
             <a:ext cx="6096000" cy="3429000"/>
           </a:xfrm>
           <a:custGeom>
-            <a:rect b="b" l="l" r="r" t="t"/>
+            <a:avLst/>
+            <a:gdLst/>
+            <a:ahLst/>
+            <a:cxnLst/>
+            <a:rect l="l" t="t" r="r" b="b"/>
             <a:pathLst>
-              <a:path extrusionOk="0" h="120000" w="120000">
+              <a:path w="120000" h="120000" extrusionOk="0">
                 <a:moveTo>
                   <a:pt x="0" y="0"/>
                 </a:moveTo>
@@ -1455,9 +1511,11 @@
       <p:sp>
         <p:nvSpPr>
           <p:cNvPr id="148" name="Google Shape;148;g19591d09a84_0_6:notes"/>
-          <p:cNvSpPr txBox="1"/>
+          <p:cNvSpPr txBox="1">
+            <a:spLocks noGrp="1"/>
+          </p:cNvSpPr>
           <p:nvPr>
-            <p:ph idx="1" type="body"/>
+            <p:ph type="body" idx="1"/>
           </p:nvPr>
         </p:nvSpPr>
         <p:spPr>
@@ -1470,12 +1528,12 @@
           </a:prstGeom>
         </p:spPr>
         <p:txBody>
-          <a:bodyPr anchorCtr="0" anchor="t" bIns="91425" lIns="91425" spcFirstLastPara="1" rIns="91425" wrap="square" tIns="91425">
+          <a:bodyPr spcFirstLastPara="1" wrap="square" lIns="91425" tIns="91425" rIns="91425" bIns="91425" anchor="t" anchorCtr="0">
             <a:noAutofit/>
           </a:bodyPr>
           <a:lstStyle/>
           <a:p>
-            <a:pPr indent="0" lvl="0" marL="0" rtl="0" algn="l">
+            <a:pPr marL="0" lvl="0" indent="0" algn="l" rtl="0">
               <a:spcBef>
                 <a:spcPts val="0"/>
               </a:spcBef>
@@ -1484,9 +1542,6 @@
               </a:spcAft>
               <a:buNone/>
             </a:pPr>
-            <a:r>
-              <a:t/>
-            </a:r>
             <a:endParaRPr/>
           </a:p>
         </p:txBody>
@@ -1500,11 +1555,11 @@
 </file>
 
 <file path=ppt/notesSlides/notesSlide17.xml><?xml version="1.0" encoding="utf-8"?>
-<p:notes xmlns:a="http://schemas.openxmlformats.org/drawingml/2006/main" xmlns:r="http://schemas.openxmlformats.org/officeDocument/2006/relationships" xmlns:mc="http://schemas.openxmlformats.org/markup-compatibility/2006" xmlns:mv="urn:schemas-microsoft-com:mac:vml" xmlns:p="http://schemas.openxmlformats.org/presentationml/2006/main" xmlns:c="http://schemas.openxmlformats.org/drawingml/2006/chart" xmlns:dgm="http://schemas.openxmlformats.org/drawingml/2006/diagram" xmlns:o="urn:schemas-microsoft-com:office:office" xmlns:v="urn:schemas-microsoft-com:vml" xmlns:pvml="urn:schemas-microsoft-com:office:powerpoint" xmlns:com="http://schemas.openxmlformats.org/drawingml/2006/compatibility" xmlns:p14="http://schemas.microsoft.com/office/powerpoint/2010/main" xmlns:p15="http://schemas.microsoft.com/office/powerpoint/2012/main" xmlns:ahyp="http://schemas.microsoft.com/office/drawing/2018/hyperlinkcolor" showMasterPhAnim="0" showMasterSp="0">
+<p:notes xmlns:a="http://schemas.openxmlformats.org/drawingml/2006/main" xmlns:r="http://schemas.openxmlformats.org/officeDocument/2006/relationships" xmlns:p="http://schemas.openxmlformats.org/presentationml/2006/main" showMasterSp="0" showMasterPhAnim="0">
   <p:cSld>
     <p:spTree>
       <p:nvGrpSpPr>
-        <p:cNvPr id="153" name="Shape 153"/>
+        <p:cNvPr id="1" name="Shape 153"/>
         <p:cNvGrpSpPr/>
         <p:nvPr/>
       </p:nvGrpSpPr>
@@ -1519,20 +1574,26 @@
       <p:sp>
         <p:nvSpPr>
           <p:cNvPr id="154" name="Google Shape;154;g1b612b16c99_2_6:notes"/>
-          <p:cNvSpPr/>
+          <p:cNvSpPr>
+            <a:spLocks noGrp="1" noRot="1" noChangeAspect="1"/>
+          </p:cNvSpPr>
           <p:nvPr>
-            <p:ph idx="2" type="sldImg"/>
+            <p:ph type="sldImg" idx="2"/>
           </p:nvPr>
         </p:nvSpPr>
         <p:spPr>
           <a:xfrm>
-            <a:off x="381300" y="685800"/>
+            <a:off x="381000" y="685800"/>
             <a:ext cx="6096000" cy="3429000"/>
           </a:xfrm>
           <a:custGeom>
-            <a:rect b="b" l="l" r="r" t="t"/>
+            <a:avLst/>
+            <a:gdLst/>
+            <a:ahLst/>
+            <a:cxnLst/>
+            <a:rect l="l" t="t" r="r" b="b"/>
             <a:pathLst>
-              <a:path extrusionOk="0" h="120000" w="120000">
+              <a:path w="120000" h="120000" extrusionOk="0">
                 <a:moveTo>
                   <a:pt x="0" y="0"/>
                 </a:moveTo>
@@ -1554,9 +1615,11 @@
       <p:sp>
         <p:nvSpPr>
           <p:cNvPr id="155" name="Google Shape;155;g1b612b16c99_2_6:notes"/>
-          <p:cNvSpPr txBox="1"/>
+          <p:cNvSpPr txBox="1">
+            <a:spLocks noGrp="1"/>
+          </p:cNvSpPr>
           <p:nvPr>
-            <p:ph idx="1" type="body"/>
+            <p:ph type="body" idx="1"/>
           </p:nvPr>
         </p:nvSpPr>
         <p:spPr>
@@ -1569,12 +1632,12 @@
           </a:prstGeom>
         </p:spPr>
         <p:txBody>
-          <a:bodyPr anchorCtr="0" anchor="t" bIns="91425" lIns="91425" spcFirstLastPara="1" rIns="91425" wrap="square" tIns="91425">
+          <a:bodyPr spcFirstLastPara="1" wrap="square" lIns="91425" tIns="91425" rIns="91425" bIns="91425" anchor="t" anchorCtr="0">
             <a:noAutofit/>
           </a:bodyPr>
           <a:lstStyle/>
           <a:p>
-            <a:pPr indent="0" lvl="0" marL="0" rtl="0" algn="l">
+            <a:pPr marL="0" lvl="0" indent="0" algn="l" rtl="0">
               <a:spcBef>
                 <a:spcPts val="0"/>
               </a:spcBef>
@@ -1583,9 +1646,6 @@
               </a:spcAft>
               <a:buNone/>
             </a:pPr>
-            <a:r>
-              <a:t/>
-            </a:r>
             <a:endParaRPr/>
           </a:p>
         </p:txBody>
@@ -1599,11 +1659,11 @@
 </file>
 
 <file path=ppt/notesSlides/notesSlide18.xml><?xml version="1.0" encoding="utf-8"?>
-<p:notes xmlns:a="http://schemas.openxmlformats.org/drawingml/2006/main" xmlns:r="http://schemas.openxmlformats.org/officeDocument/2006/relationships" xmlns:mc="http://schemas.openxmlformats.org/markup-compatibility/2006" xmlns:mv="urn:schemas-microsoft-com:mac:vml" xmlns:p="http://schemas.openxmlformats.org/presentationml/2006/main" xmlns:c="http://schemas.openxmlformats.org/drawingml/2006/chart" xmlns:dgm="http://schemas.openxmlformats.org/drawingml/2006/diagram" xmlns:o="urn:schemas-microsoft-com:office:office" xmlns:v="urn:schemas-microsoft-com:vml" xmlns:pvml="urn:schemas-microsoft-com:office:powerpoint" xmlns:com="http://schemas.openxmlformats.org/drawingml/2006/compatibility" xmlns:p14="http://schemas.microsoft.com/office/powerpoint/2010/main" xmlns:p15="http://schemas.microsoft.com/office/powerpoint/2012/main" xmlns:ahyp="http://schemas.microsoft.com/office/drawing/2018/hyperlinkcolor" showMasterPhAnim="0" showMasterSp="0">
+<p:notes xmlns:a="http://schemas.openxmlformats.org/drawingml/2006/main" xmlns:r="http://schemas.openxmlformats.org/officeDocument/2006/relationships" xmlns:p="http://schemas.openxmlformats.org/presentationml/2006/main" showMasterSp="0" showMasterPhAnim="0">
   <p:cSld>
     <p:spTree>
       <p:nvGrpSpPr>
-        <p:cNvPr id="160" name="Shape 160"/>
+        <p:cNvPr id="1" name="Shape 160"/>
         <p:cNvGrpSpPr/>
         <p:nvPr/>
       </p:nvGrpSpPr>
@@ -1618,20 +1678,26 @@
       <p:sp>
         <p:nvSpPr>
           <p:cNvPr id="161" name="Google Shape;161;g19591d09a84_0_19:notes"/>
-          <p:cNvSpPr/>
+          <p:cNvSpPr>
+            <a:spLocks noGrp="1" noRot="1" noChangeAspect="1"/>
+          </p:cNvSpPr>
           <p:nvPr>
-            <p:ph idx="2" type="sldImg"/>
+            <p:ph type="sldImg" idx="2"/>
           </p:nvPr>
         </p:nvSpPr>
         <p:spPr>
           <a:xfrm>
-            <a:off x="381300" y="685800"/>
+            <a:off x="381000" y="685800"/>
             <a:ext cx="6096000" cy="3429000"/>
           </a:xfrm>
           <a:custGeom>
-            <a:rect b="b" l="l" r="r" t="t"/>
+            <a:avLst/>
+            <a:gdLst/>
+            <a:ahLst/>
+            <a:cxnLst/>
+            <a:rect l="l" t="t" r="r" b="b"/>
             <a:pathLst>
-              <a:path extrusionOk="0" h="120000" w="120000">
+              <a:path w="120000" h="120000" extrusionOk="0">
                 <a:moveTo>
                   <a:pt x="0" y="0"/>
                 </a:moveTo>
@@ -1653,9 +1719,11 @@
       <p:sp>
         <p:nvSpPr>
           <p:cNvPr id="162" name="Google Shape;162;g19591d09a84_0_19:notes"/>
-          <p:cNvSpPr txBox="1"/>
+          <p:cNvSpPr txBox="1">
+            <a:spLocks noGrp="1"/>
+          </p:cNvSpPr>
           <p:nvPr>
-            <p:ph idx="1" type="body"/>
+            <p:ph type="body" idx="1"/>
           </p:nvPr>
         </p:nvSpPr>
         <p:spPr>
@@ -1668,12 +1736,12 @@
           </a:prstGeom>
         </p:spPr>
         <p:txBody>
-          <a:bodyPr anchorCtr="0" anchor="t" bIns="91425" lIns="91425" spcFirstLastPara="1" rIns="91425" wrap="square" tIns="91425">
+          <a:bodyPr spcFirstLastPara="1" wrap="square" lIns="91425" tIns="91425" rIns="91425" bIns="91425" anchor="t" anchorCtr="0">
             <a:noAutofit/>
           </a:bodyPr>
           <a:lstStyle/>
           <a:p>
-            <a:pPr indent="0" lvl="0" marL="0" rtl="0" algn="l">
+            <a:pPr marL="0" lvl="0" indent="0" algn="l" rtl="0">
               <a:spcBef>
                 <a:spcPts val="0"/>
               </a:spcBef>
@@ -1682,9 +1750,6 @@
               </a:spcAft>
               <a:buNone/>
             </a:pPr>
-            <a:r>
-              <a:t/>
-            </a:r>
             <a:endParaRPr/>
           </a:p>
         </p:txBody>
@@ -1698,11 +1763,11 @@
 </file>
 
 <file path=ppt/notesSlides/notesSlide19.xml><?xml version="1.0" encoding="utf-8"?>
-<p:notes xmlns:a="http://schemas.openxmlformats.org/drawingml/2006/main" xmlns:r="http://schemas.openxmlformats.org/officeDocument/2006/relationships" xmlns:mc="http://schemas.openxmlformats.org/markup-compatibility/2006" xmlns:mv="urn:schemas-microsoft-com:mac:vml" xmlns:p="http://schemas.openxmlformats.org/presentationml/2006/main" xmlns:c="http://schemas.openxmlformats.org/drawingml/2006/chart" xmlns:dgm="http://schemas.openxmlformats.org/drawingml/2006/diagram" xmlns:o="urn:schemas-microsoft-com:office:office" xmlns:v="urn:schemas-microsoft-com:vml" xmlns:pvml="urn:schemas-microsoft-com:office:powerpoint" xmlns:com="http://schemas.openxmlformats.org/drawingml/2006/compatibility" xmlns:p14="http://schemas.microsoft.com/office/powerpoint/2010/main" xmlns:p15="http://schemas.microsoft.com/office/powerpoint/2012/main" xmlns:ahyp="http://schemas.microsoft.com/office/drawing/2018/hyperlinkcolor" showMasterPhAnim="0" showMasterSp="0">
+<p:notes xmlns:a="http://schemas.openxmlformats.org/drawingml/2006/main" xmlns:r="http://schemas.openxmlformats.org/officeDocument/2006/relationships" xmlns:p="http://schemas.openxmlformats.org/presentationml/2006/main" showMasterSp="0" showMasterPhAnim="0">
   <p:cSld>
     <p:spTree>
       <p:nvGrpSpPr>
-        <p:cNvPr id="167" name="Shape 167"/>
+        <p:cNvPr id="1" name="Shape 167"/>
         <p:cNvGrpSpPr/>
         <p:nvPr/>
       </p:nvGrpSpPr>
@@ -1717,20 +1782,26 @@
       <p:sp>
         <p:nvSpPr>
           <p:cNvPr id="168" name="Google Shape;168;g1b612b16c99_2_13:notes"/>
-          <p:cNvSpPr/>
+          <p:cNvSpPr>
+            <a:spLocks noGrp="1" noRot="1" noChangeAspect="1"/>
+          </p:cNvSpPr>
           <p:nvPr>
-            <p:ph idx="2" type="sldImg"/>
+            <p:ph type="sldImg" idx="2"/>
           </p:nvPr>
         </p:nvSpPr>
         <p:spPr>
           <a:xfrm>
-            <a:off x="381300" y="685800"/>
+            <a:off x="381000" y="685800"/>
             <a:ext cx="6096000" cy="3429000"/>
           </a:xfrm>
           <a:custGeom>
-            <a:rect b="b" l="l" r="r" t="t"/>
+            <a:avLst/>
+            <a:gdLst/>
+            <a:ahLst/>
+            <a:cxnLst/>
+            <a:rect l="l" t="t" r="r" b="b"/>
             <a:pathLst>
-              <a:path extrusionOk="0" h="120000" w="120000">
+              <a:path w="120000" h="120000" extrusionOk="0">
                 <a:moveTo>
                   <a:pt x="0" y="0"/>
                 </a:moveTo>
@@ -1752,9 +1823,11 @@
       <p:sp>
         <p:nvSpPr>
           <p:cNvPr id="169" name="Google Shape;169;g1b612b16c99_2_13:notes"/>
-          <p:cNvSpPr txBox="1"/>
+          <p:cNvSpPr txBox="1">
+            <a:spLocks noGrp="1"/>
+          </p:cNvSpPr>
           <p:nvPr>
-            <p:ph idx="1" type="body"/>
+            <p:ph type="body" idx="1"/>
           </p:nvPr>
         </p:nvSpPr>
         <p:spPr>
@@ -1767,12 +1840,12 @@
           </a:prstGeom>
         </p:spPr>
         <p:txBody>
-          <a:bodyPr anchorCtr="0" anchor="t" bIns="91425" lIns="91425" spcFirstLastPara="1" rIns="91425" wrap="square" tIns="91425">
+          <a:bodyPr spcFirstLastPara="1" wrap="square" lIns="91425" tIns="91425" rIns="91425" bIns="91425" anchor="t" anchorCtr="0">
             <a:noAutofit/>
           </a:bodyPr>
           <a:lstStyle/>
           <a:p>
-            <a:pPr indent="0" lvl="0" marL="0" rtl="0" algn="l">
+            <a:pPr marL="0" lvl="0" indent="0" algn="l" rtl="0">
               <a:spcBef>
                 <a:spcPts val="0"/>
               </a:spcBef>
@@ -1781,9 +1854,6 @@
               </a:spcAft>
               <a:buNone/>
             </a:pPr>
-            <a:r>
-              <a:t/>
-            </a:r>
             <a:endParaRPr/>
           </a:p>
         </p:txBody>
@@ -1797,11 +1867,11 @@
 </file>
 
 <file path=ppt/notesSlides/notesSlide2.xml><?xml version="1.0" encoding="utf-8"?>
-<p:notes xmlns:a="http://schemas.openxmlformats.org/drawingml/2006/main" xmlns:r="http://schemas.openxmlformats.org/officeDocument/2006/relationships" xmlns:mc="http://schemas.openxmlformats.org/markup-compatibility/2006" xmlns:mv="urn:schemas-microsoft-com:mac:vml" xmlns:p="http://schemas.openxmlformats.org/presentationml/2006/main" xmlns:c="http://schemas.openxmlformats.org/drawingml/2006/chart" xmlns:dgm="http://schemas.openxmlformats.org/drawingml/2006/diagram" xmlns:o="urn:schemas-microsoft-com:office:office" xmlns:v="urn:schemas-microsoft-com:vml" xmlns:pvml="urn:schemas-microsoft-com:office:powerpoint" xmlns:com="http://schemas.openxmlformats.org/drawingml/2006/compatibility" xmlns:p14="http://schemas.microsoft.com/office/powerpoint/2010/main" xmlns:p15="http://schemas.microsoft.com/office/powerpoint/2012/main" xmlns:ahyp="http://schemas.microsoft.com/office/drawing/2018/hyperlinkcolor" showMasterPhAnim="0" showMasterSp="0">
+<p:notes xmlns:a="http://schemas.openxmlformats.org/drawingml/2006/main" xmlns:r="http://schemas.openxmlformats.org/officeDocument/2006/relationships" xmlns:p="http://schemas.openxmlformats.org/presentationml/2006/main" showMasterSp="0" showMasterPhAnim="0">
   <p:cSld>
     <p:spTree>
       <p:nvGrpSpPr>
-        <p:cNvPr id="56" name="Shape 56"/>
+        <p:cNvPr id="1" name="Shape 56"/>
         <p:cNvGrpSpPr/>
         <p:nvPr/>
       </p:nvGrpSpPr>
@@ -1816,20 +1886,26 @@
       <p:sp>
         <p:nvSpPr>
           <p:cNvPr id="57" name="Google Shape;57;g18da726ab82_0_0:notes"/>
-          <p:cNvSpPr/>
+          <p:cNvSpPr>
+            <a:spLocks noGrp="1" noRot="1" noChangeAspect="1"/>
+          </p:cNvSpPr>
           <p:nvPr>
-            <p:ph idx="2" type="sldImg"/>
+            <p:ph type="sldImg" idx="2"/>
           </p:nvPr>
         </p:nvSpPr>
         <p:spPr>
           <a:xfrm>
-            <a:off x="381300" y="685800"/>
+            <a:off x="381000" y="685800"/>
             <a:ext cx="6096000" cy="3429000"/>
           </a:xfrm>
           <a:custGeom>
-            <a:rect b="b" l="l" r="r" t="t"/>
+            <a:avLst/>
+            <a:gdLst/>
+            <a:ahLst/>
+            <a:cxnLst/>
+            <a:rect l="l" t="t" r="r" b="b"/>
             <a:pathLst>
-              <a:path extrusionOk="0" h="120000" w="120000">
+              <a:path w="120000" h="120000" extrusionOk="0">
                 <a:moveTo>
                   <a:pt x="0" y="0"/>
                 </a:moveTo>
@@ -1851,9 +1927,11 @@
       <p:sp>
         <p:nvSpPr>
           <p:cNvPr id="58" name="Google Shape;58;g18da726ab82_0_0:notes"/>
-          <p:cNvSpPr txBox="1"/>
+          <p:cNvSpPr txBox="1">
+            <a:spLocks noGrp="1"/>
+          </p:cNvSpPr>
           <p:nvPr>
-            <p:ph idx="1" type="body"/>
+            <p:ph type="body" idx="1"/>
           </p:nvPr>
         </p:nvSpPr>
         <p:spPr>
@@ -1866,12 +1944,12 @@
           </a:prstGeom>
         </p:spPr>
         <p:txBody>
-          <a:bodyPr anchorCtr="0" anchor="t" bIns="91425" lIns="91425" spcFirstLastPara="1" rIns="91425" wrap="square" tIns="91425">
+          <a:bodyPr spcFirstLastPara="1" wrap="square" lIns="91425" tIns="91425" rIns="91425" bIns="91425" anchor="t" anchorCtr="0">
             <a:noAutofit/>
           </a:bodyPr>
           <a:lstStyle/>
           <a:p>
-            <a:pPr indent="0" lvl="0" marL="0" rtl="0" algn="l">
+            <a:pPr marL="0" lvl="0" indent="0" algn="l" rtl="0">
               <a:spcBef>
                 <a:spcPts val="0"/>
               </a:spcBef>
@@ -1880,9 +1958,6 @@
               </a:spcAft>
               <a:buNone/>
             </a:pPr>
-            <a:r>
-              <a:t/>
-            </a:r>
             <a:endParaRPr/>
           </a:p>
         </p:txBody>
@@ -1896,11 +1971,11 @@
 </file>
 
 <file path=ppt/notesSlides/notesSlide20.xml><?xml version="1.0" encoding="utf-8"?>
-<p:notes xmlns:a="http://schemas.openxmlformats.org/drawingml/2006/main" xmlns:r="http://schemas.openxmlformats.org/officeDocument/2006/relationships" xmlns:mc="http://schemas.openxmlformats.org/markup-compatibility/2006" xmlns:mv="urn:schemas-microsoft-com:mac:vml" xmlns:p="http://schemas.openxmlformats.org/presentationml/2006/main" xmlns:c="http://schemas.openxmlformats.org/drawingml/2006/chart" xmlns:dgm="http://schemas.openxmlformats.org/drawingml/2006/diagram" xmlns:o="urn:schemas-microsoft-com:office:office" xmlns:v="urn:schemas-microsoft-com:vml" xmlns:pvml="urn:schemas-microsoft-com:office:powerpoint" xmlns:com="http://schemas.openxmlformats.org/drawingml/2006/compatibility" xmlns:p14="http://schemas.microsoft.com/office/powerpoint/2010/main" xmlns:p15="http://schemas.microsoft.com/office/powerpoint/2012/main" xmlns:ahyp="http://schemas.microsoft.com/office/drawing/2018/hyperlinkcolor" showMasterPhAnim="0" showMasterSp="0">
+<p:notes xmlns:a="http://schemas.openxmlformats.org/drawingml/2006/main" xmlns:r="http://schemas.openxmlformats.org/officeDocument/2006/relationships" xmlns:p="http://schemas.openxmlformats.org/presentationml/2006/main" showMasterSp="0" showMasterPhAnim="0">
   <p:cSld>
     <p:spTree>
       <p:nvGrpSpPr>
-        <p:cNvPr id="174" name="Shape 174"/>
+        <p:cNvPr id="1" name="Shape 174"/>
         <p:cNvGrpSpPr/>
         <p:nvPr/>
       </p:nvGrpSpPr>
@@ -1915,20 +1990,26 @@
       <p:sp>
         <p:nvSpPr>
           <p:cNvPr id="175" name="Google Shape;175;g1b612b16c99_2_19:notes"/>
-          <p:cNvSpPr/>
+          <p:cNvSpPr>
+            <a:spLocks noGrp="1" noRot="1" noChangeAspect="1"/>
+          </p:cNvSpPr>
           <p:nvPr>
-            <p:ph idx="2" type="sldImg"/>
+            <p:ph type="sldImg" idx="2"/>
           </p:nvPr>
         </p:nvSpPr>
         <p:spPr>
           <a:xfrm>
-            <a:off x="381300" y="685800"/>
+            <a:off x="381000" y="685800"/>
             <a:ext cx="6096000" cy="3429000"/>
           </a:xfrm>
           <a:custGeom>
-            <a:rect b="b" l="l" r="r" t="t"/>
+            <a:avLst/>
+            <a:gdLst/>
+            <a:ahLst/>
+            <a:cxnLst/>
+            <a:rect l="l" t="t" r="r" b="b"/>
             <a:pathLst>
-              <a:path extrusionOk="0" h="120000" w="120000">
+              <a:path w="120000" h="120000" extrusionOk="0">
                 <a:moveTo>
                   <a:pt x="0" y="0"/>
                 </a:moveTo>
@@ -1950,9 +2031,11 @@
       <p:sp>
         <p:nvSpPr>
           <p:cNvPr id="176" name="Google Shape;176;g1b612b16c99_2_19:notes"/>
-          <p:cNvSpPr txBox="1"/>
+          <p:cNvSpPr txBox="1">
+            <a:spLocks noGrp="1"/>
+          </p:cNvSpPr>
           <p:nvPr>
-            <p:ph idx="1" type="body"/>
+            <p:ph type="body" idx="1"/>
           </p:nvPr>
         </p:nvSpPr>
         <p:spPr>
@@ -1965,12 +2048,12 @@
           </a:prstGeom>
         </p:spPr>
         <p:txBody>
-          <a:bodyPr anchorCtr="0" anchor="t" bIns="91425" lIns="91425" spcFirstLastPara="1" rIns="91425" wrap="square" tIns="91425">
+          <a:bodyPr spcFirstLastPara="1" wrap="square" lIns="91425" tIns="91425" rIns="91425" bIns="91425" anchor="t" anchorCtr="0">
             <a:noAutofit/>
           </a:bodyPr>
           <a:lstStyle/>
           <a:p>
-            <a:pPr indent="0" lvl="0" marL="0" rtl="0" algn="l">
+            <a:pPr marL="0" lvl="0" indent="0" algn="l" rtl="0">
               <a:spcBef>
                 <a:spcPts val="0"/>
               </a:spcBef>
@@ -1979,9 +2062,6 @@
               </a:spcAft>
               <a:buNone/>
             </a:pPr>
-            <a:r>
-              <a:t/>
-            </a:r>
             <a:endParaRPr/>
           </a:p>
         </p:txBody>
@@ -1995,11 +2075,11 @@
 </file>
 
 <file path=ppt/notesSlides/notesSlide21.xml><?xml version="1.0" encoding="utf-8"?>
-<p:notes xmlns:a="http://schemas.openxmlformats.org/drawingml/2006/main" xmlns:r="http://schemas.openxmlformats.org/officeDocument/2006/relationships" xmlns:mc="http://schemas.openxmlformats.org/markup-compatibility/2006" xmlns:mv="urn:schemas-microsoft-com:mac:vml" xmlns:p="http://schemas.openxmlformats.org/presentationml/2006/main" xmlns:c="http://schemas.openxmlformats.org/drawingml/2006/chart" xmlns:dgm="http://schemas.openxmlformats.org/drawingml/2006/diagram" xmlns:o="urn:schemas-microsoft-com:office:office" xmlns:v="urn:schemas-microsoft-com:vml" xmlns:pvml="urn:schemas-microsoft-com:office:powerpoint" xmlns:com="http://schemas.openxmlformats.org/drawingml/2006/compatibility" xmlns:p14="http://schemas.microsoft.com/office/powerpoint/2010/main" xmlns:p15="http://schemas.microsoft.com/office/powerpoint/2012/main" xmlns:ahyp="http://schemas.microsoft.com/office/drawing/2018/hyperlinkcolor" showMasterPhAnim="0" showMasterSp="0">
+<p:notes xmlns:a="http://schemas.openxmlformats.org/drawingml/2006/main" xmlns:r="http://schemas.openxmlformats.org/officeDocument/2006/relationships" xmlns:p="http://schemas.openxmlformats.org/presentationml/2006/main" showMasterSp="0" showMasterPhAnim="0">
   <p:cSld>
     <p:spTree>
       <p:nvGrpSpPr>
-        <p:cNvPr id="181" name="Shape 181"/>
+        <p:cNvPr id="1" name="Shape 181"/>
         <p:cNvGrpSpPr/>
         <p:nvPr/>
       </p:nvGrpSpPr>
@@ -2014,20 +2094,26 @@
       <p:sp>
         <p:nvSpPr>
           <p:cNvPr id="182" name="Google Shape;182;g1b612b16c99_2_26:notes"/>
-          <p:cNvSpPr/>
+          <p:cNvSpPr>
+            <a:spLocks noGrp="1" noRot="1" noChangeAspect="1"/>
+          </p:cNvSpPr>
           <p:nvPr>
-            <p:ph idx="2" type="sldImg"/>
+            <p:ph type="sldImg" idx="2"/>
           </p:nvPr>
         </p:nvSpPr>
         <p:spPr>
           <a:xfrm>
-            <a:off x="381300" y="685800"/>
+            <a:off x="381000" y="685800"/>
             <a:ext cx="6096000" cy="3429000"/>
           </a:xfrm>
           <a:custGeom>
-            <a:rect b="b" l="l" r="r" t="t"/>
+            <a:avLst/>
+            <a:gdLst/>
+            <a:ahLst/>
+            <a:cxnLst/>
+            <a:rect l="l" t="t" r="r" b="b"/>
             <a:pathLst>
-              <a:path extrusionOk="0" h="120000" w="120000">
+              <a:path w="120000" h="120000" extrusionOk="0">
                 <a:moveTo>
                   <a:pt x="0" y="0"/>
                 </a:moveTo>
@@ -2049,9 +2135,11 @@
       <p:sp>
         <p:nvSpPr>
           <p:cNvPr id="183" name="Google Shape;183;g1b612b16c99_2_26:notes"/>
-          <p:cNvSpPr txBox="1"/>
+          <p:cNvSpPr txBox="1">
+            <a:spLocks noGrp="1"/>
+          </p:cNvSpPr>
           <p:nvPr>
-            <p:ph idx="1" type="body"/>
+            <p:ph type="body" idx="1"/>
           </p:nvPr>
         </p:nvSpPr>
         <p:spPr>
@@ -2064,12 +2152,12 @@
           </a:prstGeom>
         </p:spPr>
         <p:txBody>
-          <a:bodyPr anchorCtr="0" anchor="t" bIns="91425" lIns="91425" spcFirstLastPara="1" rIns="91425" wrap="square" tIns="91425">
+          <a:bodyPr spcFirstLastPara="1" wrap="square" lIns="91425" tIns="91425" rIns="91425" bIns="91425" anchor="t" anchorCtr="0">
             <a:noAutofit/>
           </a:bodyPr>
           <a:lstStyle/>
           <a:p>
-            <a:pPr indent="0" lvl="0" marL="0" rtl="0" algn="l">
+            <a:pPr marL="0" lvl="0" indent="0" algn="l" rtl="0">
               <a:spcBef>
                 <a:spcPts val="0"/>
               </a:spcBef>
@@ -2078,9 +2166,6 @@
               </a:spcAft>
               <a:buNone/>
             </a:pPr>
-            <a:r>
-              <a:t/>
-            </a:r>
             <a:endParaRPr/>
           </a:p>
         </p:txBody>
@@ -2094,11 +2179,11 @@
 </file>
 
 <file path=ppt/notesSlides/notesSlide22.xml><?xml version="1.0" encoding="utf-8"?>
-<p:notes xmlns:a="http://schemas.openxmlformats.org/drawingml/2006/main" xmlns:r="http://schemas.openxmlformats.org/officeDocument/2006/relationships" xmlns:mc="http://schemas.openxmlformats.org/markup-compatibility/2006" xmlns:mv="urn:schemas-microsoft-com:mac:vml" xmlns:p="http://schemas.openxmlformats.org/presentationml/2006/main" xmlns:c="http://schemas.openxmlformats.org/drawingml/2006/chart" xmlns:dgm="http://schemas.openxmlformats.org/drawingml/2006/diagram" xmlns:o="urn:schemas-microsoft-com:office:office" xmlns:v="urn:schemas-microsoft-com:vml" xmlns:pvml="urn:schemas-microsoft-com:office:powerpoint" xmlns:com="http://schemas.openxmlformats.org/drawingml/2006/compatibility" xmlns:p14="http://schemas.microsoft.com/office/powerpoint/2010/main" xmlns:p15="http://schemas.microsoft.com/office/powerpoint/2012/main" xmlns:ahyp="http://schemas.microsoft.com/office/drawing/2018/hyperlinkcolor" showMasterPhAnim="0" showMasterSp="0">
+<p:notes xmlns:a="http://schemas.openxmlformats.org/drawingml/2006/main" xmlns:r="http://schemas.openxmlformats.org/officeDocument/2006/relationships" xmlns:p="http://schemas.openxmlformats.org/presentationml/2006/main" showMasterSp="0" showMasterPhAnim="0">
   <p:cSld>
     <p:spTree>
       <p:nvGrpSpPr>
-        <p:cNvPr id="188" name="Shape 188"/>
+        <p:cNvPr id="1" name="Shape 188"/>
         <p:cNvGrpSpPr/>
         <p:nvPr/>
       </p:nvGrpSpPr>
@@ -2113,20 +2198,26 @@
       <p:sp>
         <p:nvSpPr>
           <p:cNvPr id="189" name="Google Shape;189;g19591d09a84_0_31:notes"/>
-          <p:cNvSpPr/>
+          <p:cNvSpPr>
+            <a:spLocks noGrp="1" noRot="1" noChangeAspect="1"/>
+          </p:cNvSpPr>
           <p:nvPr>
-            <p:ph idx="2" type="sldImg"/>
+            <p:ph type="sldImg" idx="2"/>
           </p:nvPr>
         </p:nvSpPr>
         <p:spPr>
           <a:xfrm>
-            <a:off x="381300" y="685800"/>
+            <a:off x="381000" y="685800"/>
             <a:ext cx="6096000" cy="3429000"/>
           </a:xfrm>
           <a:custGeom>
-            <a:rect b="b" l="l" r="r" t="t"/>
+            <a:avLst/>
+            <a:gdLst/>
+            <a:ahLst/>
+            <a:cxnLst/>
+            <a:rect l="l" t="t" r="r" b="b"/>
             <a:pathLst>
-              <a:path extrusionOk="0" h="120000" w="120000">
+              <a:path w="120000" h="120000" extrusionOk="0">
                 <a:moveTo>
                   <a:pt x="0" y="0"/>
                 </a:moveTo>
@@ -2148,9 +2239,11 @@
       <p:sp>
         <p:nvSpPr>
           <p:cNvPr id="190" name="Google Shape;190;g19591d09a84_0_31:notes"/>
-          <p:cNvSpPr txBox="1"/>
+          <p:cNvSpPr txBox="1">
+            <a:spLocks noGrp="1"/>
+          </p:cNvSpPr>
           <p:nvPr>
-            <p:ph idx="1" type="body"/>
+            <p:ph type="body" idx="1"/>
           </p:nvPr>
         </p:nvSpPr>
         <p:spPr>
@@ -2163,12 +2256,12 @@
           </a:prstGeom>
         </p:spPr>
         <p:txBody>
-          <a:bodyPr anchorCtr="0" anchor="t" bIns="91425" lIns="91425" spcFirstLastPara="1" rIns="91425" wrap="square" tIns="91425">
+          <a:bodyPr spcFirstLastPara="1" wrap="square" lIns="91425" tIns="91425" rIns="91425" bIns="91425" anchor="t" anchorCtr="0">
             <a:noAutofit/>
           </a:bodyPr>
           <a:lstStyle/>
           <a:p>
-            <a:pPr indent="0" lvl="0" marL="0" rtl="0" algn="l">
+            <a:pPr marL="0" lvl="0" indent="0" algn="l" rtl="0">
               <a:spcBef>
                 <a:spcPts val="0"/>
               </a:spcBef>
@@ -2177,9 +2270,6 @@
               </a:spcAft>
               <a:buNone/>
             </a:pPr>
-            <a:r>
-              <a:t/>
-            </a:r>
             <a:endParaRPr/>
           </a:p>
         </p:txBody>
@@ -2193,11 +2283,11 @@
 </file>
 
 <file path=ppt/notesSlides/notesSlide3.xml><?xml version="1.0" encoding="utf-8"?>
-<p:notes xmlns:a="http://schemas.openxmlformats.org/drawingml/2006/main" xmlns:r="http://schemas.openxmlformats.org/officeDocument/2006/relationships" xmlns:mc="http://schemas.openxmlformats.org/markup-compatibility/2006" xmlns:mv="urn:schemas-microsoft-com:mac:vml" xmlns:p="http://schemas.openxmlformats.org/presentationml/2006/main" xmlns:c="http://schemas.openxmlformats.org/drawingml/2006/chart" xmlns:dgm="http://schemas.openxmlformats.org/drawingml/2006/diagram" xmlns:o="urn:schemas-microsoft-com:office:office" xmlns:v="urn:schemas-microsoft-com:vml" xmlns:pvml="urn:schemas-microsoft-com:office:powerpoint" xmlns:com="http://schemas.openxmlformats.org/drawingml/2006/compatibility" xmlns:p14="http://schemas.microsoft.com/office/powerpoint/2010/main" xmlns:p15="http://schemas.microsoft.com/office/powerpoint/2012/main" xmlns:ahyp="http://schemas.microsoft.com/office/drawing/2018/hyperlinkcolor" showMasterPhAnim="0" showMasterSp="0">
+<p:notes xmlns:a="http://schemas.openxmlformats.org/drawingml/2006/main" xmlns:r="http://schemas.openxmlformats.org/officeDocument/2006/relationships" xmlns:p="http://schemas.openxmlformats.org/presentationml/2006/main" showMasterSp="0" showMasterPhAnim="0">
   <p:cSld>
     <p:spTree>
       <p:nvGrpSpPr>
-        <p:cNvPr id="62" name="Shape 62"/>
+        <p:cNvPr id="1" name="Shape 62"/>
         <p:cNvGrpSpPr/>
         <p:nvPr/>
       </p:nvGrpSpPr>
@@ -2212,20 +2302,26 @@
       <p:sp>
         <p:nvSpPr>
           <p:cNvPr id="63" name="Google Shape;63;g18da726ab82_1_82:notes"/>
-          <p:cNvSpPr/>
+          <p:cNvSpPr>
+            <a:spLocks noGrp="1" noRot="1" noChangeAspect="1"/>
+          </p:cNvSpPr>
           <p:nvPr>
-            <p:ph idx="2" type="sldImg"/>
+            <p:ph type="sldImg" idx="2"/>
           </p:nvPr>
         </p:nvSpPr>
         <p:spPr>
           <a:xfrm>
-            <a:off x="381300" y="685800"/>
+            <a:off x="381000" y="685800"/>
             <a:ext cx="6096000" cy="3429000"/>
           </a:xfrm>
           <a:custGeom>
-            <a:rect b="b" l="l" r="r" t="t"/>
+            <a:avLst/>
+            <a:gdLst/>
+            <a:ahLst/>
+            <a:cxnLst/>
+            <a:rect l="l" t="t" r="r" b="b"/>
             <a:pathLst>
-              <a:path extrusionOk="0" h="120000" w="120000">
+              <a:path w="120000" h="120000" extrusionOk="0">
                 <a:moveTo>
                   <a:pt x="0" y="0"/>
                 </a:moveTo>
@@ -2247,9 +2343,11 @@
       <p:sp>
         <p:nvSpPr>
           <p:cNvPr id="64" name="Google Shape;64;g18da726ab82_1_82:notes"/>
-          <p:cNvSpPr txBox="1"/>
+          <p:cNvSpPr txBox="1">
+            <a:spLocks noGrp="1"/>
+          </p:cNvSpPr>
           <p:nvPr>
-            <p:ph idx="1" type="body"/>
+            <p:ph type="body" idx="1"/>
           </p:nvPr>
         </p:nvSpPr>
         <p:spPr>
@@ -2262,12 +2360,12 @@
           </a:prstGeom>
         </p:spPr>
         <p:txBody>
-          <a:bodyPr anchorCtr="0" anchor="t" bIns="91425" lIns="91425" spcFirstLastPara="1" rIns="91425" wrap="square" tIns="91425">
+          <a:bodyPr spcFirstLastPara="1" wrap="square" lIns="91425" tIns="91425" rIns="91425" bIns="91425" anchor="t" anchorCtr="0">
             <a:noAutofit/>
           </a:bodyPr>
           <a:lstStyle/>
           <a:p>
-            <a:pPr indent="0" lvl="0" marL="0" rtl="0" algn="l">
+            <a:pPr marL="0" lvl="0" indent="0" algn="l" rtl="0">
               <a:spcBef>
                 <a:spcPts val="0"/>
               </a:spcBef>
@@ -2276,9 +2374,6 @@
               </a:spcAft>
               <a:buNone/>
             </a:pPr>
-            <a:r>
-              <a:t/>
-            </a:r>
             <a:endParaRPr/>
           </a:p>
         </p:txBody>
@@ -2292,11 +2387,11 @@
 </file>
 
 <file path=ppt/notesSlides/notesSlide4.xml><?xml version="1.0" encoding="utf-8"?>
-<p:notes xmlns:a="http://schemas.openxmlformats.org/drawingml/2006/main" xmlns:r="http://schemas.openxmlformats.org/officeDocument/2006/relationships" xmlns:mc="http://schemas.openxmlformats.org/markup-compatibility/2006" xmlns:mv="urn:schemas-microsoft-com:mac:vml" xmlns:p="http://schemas.openxmlformats.org/presentationml/2006/main" xmlns:c="http://schemas.openxmlformats.org/drawingml/2006/chart" xmlns:dgm="http://schemas.openxmlformats.org/drawingml/2006/diagram" xmlns:o="urn:schemas-microsoft-com:office:office" xmlns:v="urn:schemas-microsoft-com:vml" xmlns:pvml="urn:schemas-microsoft-com:office:powerpoint" xmlns:com="http://schemas.openxmlformats.org/drawingml/2006/compatibility" xmlns:p14="http://schemas.microsoft.com/office/powerpoint/2010/main" xmlns:p15="http://schemas.microsoft.com/office/powerpoint/2012/main" xmlns:ahyp="http://schemas.microsoft.com/office/drawing/2018/hyperlinkcolor" showMasterPhAnim="0" showMasterSp="0">
+<p:notes xmlns:a="http://schemas.openxmlformats.org/drawingml/2006/main" xmlns:r="http://schemas.openxmlformats.org/officeDocument/2006/relationships" xmlns:p="http://schemas.openxmlformats.org/presentationml/2006/main" showMasterSp="0" showMasterPhAnim="0">
   <p:cSld>
     <p:spTree>
       <p:nvGrpSpPr>
-        <p:cNvPr id="70" name="Shape 70"/>
+        <p:cNvPr id="1" name="Shape 70"/>
         <p:cNvGrpSpPr/>
         <p:nvPr/>
       </p:nvGrpSpPr>
@@ -2311,20 +2406,26 @@
       <p:sp>
         <p:nvSpPr>
           <p:cNvPr id="71" name="Google Shape;71;g18da726ab82_0_5:notes"/>
-          <p:cNvSpPr/>
+          <p:cNvSpPr>
+            <a:spLocks noGrp="1" noRot="1" noChangeAspect="1"/>
+          </p:cNvSpPr>
           <p:nvPr>
-            <p:ph idx="2" type="sldImg"/>
+            <p:ph type="sldImg" idx="2"/>
           </p:nvPr>
         </p:nvSpPr>
         <p:spPr>
           <a:xfrm>
-            <a:off x="381300" y="685800"/>
+            <a:off x="381000" y="685800"/>
             <a:ext cx="6096000" cy="3429000"/>
           </a:xfrm>
           <a:custGeom>
-            <a:rect b="b" l="l" r="r" t="t"/>
+            <a:avLst/>
+            <a:gdLst/>
+            <a:ahLst/>
+            <a:cxnLst/>
+            <a:rect l="l" t="t" r="r" b="b"/>
             <a:pathLst>
-              <a:path extrusionOk="0" h="120000" w="120000">
+              <a:path w="120000" h="120000" extrusionOk="0">
                 <a:moveTo>
                   <a:pt x="0" y="0"/>
                 </a:moveTo>
@@ -2346,9 +2447,11 @@
       <p:sp>
         <p:nvSpPr>
           <p:cNvPr id="72" name="Google Shape;72;g18da726ab82_0_5:notes"/>
-          <p:cNvSpPr txBox="1"/>
+          <p:cNvSpPr txBox="1">
+            <a:spLocks noGrp="1"/>
+          </p:cNvSpPr>
           <p:nvPr>
-            <p:ph idx="1" type="body"/>
+            <p:ph type="body" idx="1"/>
           </p:nvPr>
         </p:nvSpPr>
         <p:spPr>
@@ -2361,12 +2464,12 @@
           </a:prstGeom>
         </p:spPr>
         <p:txBody>
-          <a:bodyPr anchorCtr="0" anchor="t" bIns="91425" lIns="91425" spcFirstLastPara="1" rIns="91425" wrap="square" tIns="91425">
+          <a:bodyPr spcFirstLastPara="1" wrap="square" lIns="91425" tIns="91425" rIns="91425" bIns="91425" anchor="t" anchorCtr="0">
             <a:noAutofit/>
           </a:bodyPr>
           <a:lstStyle/>
           <a:p>
-            <a:pPr indent="0" lvl="0" marL="0" rtl="0" algn="l">
+            <a:pPr marL="0" lvl="0" indent="0" algn="l" rtl="0">
               <a:spcBef>
                 <a:spcPts val="0"/>
               </a:spcBef>
@@ -2375,9 +2478,6 @@
               </a:spcAft>
               <a:buNone/>
             </a:pPr>
-            <a:r>
-              <a:t/>
-            </a:r>
             <a:endParaRPr/>
           </a:p>
         </p:txBody>
@@ -2391,11 +2491,11 @@
 </file>
 
 <file path=ppt/notesSlides/notesSlide5.xml><?xml version="1.0" encoding="utf-8"?>
-<p:notes xmlns:a="http://schemas.openxmlformats.org/drawingml/2006/main" xmlns:r="http://schemas.openxmlformats.org/officeDocument/2006/relationships" xmlns:mc="http://schemas.openxmlformats.org/markup-compatibility/2006" xmlns:mv="urn:schemas-microsoft-com:mac:vml" xmlns:p="http://schemas.openxmlformats.org/presentationml/2006/main" xmlns:c="http://schemas.openxmlformats.org/drawingml/2006/chart" xmlns:dgm="http://schemas.openxmlformats.org/drawingml/2006/diagram" xmlns:o="urn:schemas-microsoft-com:office:office" xmlns:v="urn:schemas-microsoft-com:vml" xmlns:pvml="urn:schemas-microsoft-com:office:powerpoint" xmlns:com="http://schemas.openxmlformats.org/drawingml/2006/compatibility" xmlns:p14="http://schemas.microsoft.com/office/powerpoint/2010/main" xmlns:p15="http://schemas.microsoft.com/office/powerpoint/2012/main" xmlns:ahyp="http://schemas.microsoft.com/office/drawing/2018/hyperlinkcolor" showMasterPhAnim="0" showMasterSp="0">
+<p:notes xmlns:a="http://schemas.openxmlformats.org/drawingml/2006/main" xmlns:r="http://schemas.openxmlformats.org/officeDocument/2006/relationships" xmlns:p="http://schemas.openxmlformats.org/presentationml/2006/main" showMasterSp="0" showMasterPhAnim="0">
   <p:cSld>
     <p:spTree>
       <p:nvGrpSpPr>
-        <p:cNvPr id="76" name="Shape 76"/>
+        <p:cNvPr id="1" name="Shape 76"/>
         <p:cNvGrpSpPr/>
         <p:nvPr/>
       </p:nvGrpSpPr>
@@ -2410,20 +2510,26 @@
       <p:sp>
         <p:nvSpPr>
           <p:cNvPr id="77" name="Google Shape;77;g18da726ab82_1_1:notes"/>
-          <p:cNvSpPr/>
+          <p:cNvSpPr>
+            <a:spLocks noGrp="1" noRot="1" noChangeAspect="1"/>
+          </p:cNvSpPr>
           <p:nvPr>
-            <p:ph idx="2" type="sldImg"/>
+            <p:ph type="sldImg" idx="2"/>
           </p:nvPr>
         </p:nvSpPr>
         <p:spPr>
           <a:xfrm>
-            <a:off x="381300" y="685800"/>
+            <a:off x="381000" y="685800"/>
             <a:ext cx="6096000" cy="3429000"/>
           </a:xfrm>
           <a:custGeom>
-            <a:rect b="b" l="l" r="r" t="t"/>
+            <a:avLst/>
+            <a:gdLst/>
+            <a:ahLst/>
+            <a:cxnLst/>
+            <a:rect l="l" t="t" r="r" b="b"/>
             <a:pathLst>
-              <a:path extrusionOk="0" h="120000" w="120000">
+              <a:path w="120000" h="120000" extrusionOk="0">
                 <a:moveTo>
                   <a:pt x="0" y="0"/>
                 </a:moveTo>
@@ -2445,9 +2551,11 @@
       <p:sp>
         <p:nvSpPr>
           <p:cNvPr id="78" name="Google Shape;78;g18da726ab82_1_1:notes"/>
-          <p:cNvSpPr txBox="1"/>
+          <p:cNvSpPr txBox="1">
+            <a:spLocks noGrp="1"/>
+          </p:cNvSpPr>
           <p:nvPr>
-            <p:ph idx="1" type="body"/>
+            <p:ph type="body" idx="1"/>
           </p:nvPr>
         </p:nvSpPr>
         <p:spPr>
@@ -2460,12 +2568,12 @@
           </a:prstGeom>
         </p:spPr>
         <p:txBody>
-          <a:bodyPr anchorCtr="0" anchor="t" bIns="91425" lIns="91425" spcFirstLastPara="1" rIns="91425" wrap="square" tIns="91425">
+          <a:bodyPr spcFirstLastPara="1" wrap="square" lIns="91425" tIns="91425" rIns="91425" bIns="91425" anchor="t" anchorCtr="0">
             <a:noAutofit/>
           </a:bodyPr>
           <a:lstStyle/>
           <a:p>
-            <a:pPr indent="0" lvl="0" marL="0" rtl="0" algn="l">
+            <a:pPr marL="0" lvl="0" indent="0" algn="l" rtl="0">
               <a:spcBef>
                 <a:spcPts val="0"/>
               </a:spcBef>
@@ -2474,9 +2582,6 @@
               </a:spcAft>
               <a:buNone/>
             </a:pPr>
-            <a:r>
-              <a:t/>
-            </a:r>
             <a:endParaRPr/>
           </a:p>
         </p:txBody>
@@ -2490,11 +2595,11 @@
 </file>
 
 <file path=ppt/notesSlides/notesSlide6.xml><?xml version="1.0" encoding="utf-8"?>
-<p:notes xmlns:a="http://schemas.openxmlformats.org/drawingml/2006/main" xmlns:r="http://schemas.openxmlformats.org/officeDocument/2006/relationships" xmlns:mc="http://schemas.openxmlformats.org/markup-compatibility/2006" xmlns:mv="urn:schemas-microsoft-com:mac:vml" xmlns:p="http://schemas.openxmlformats.org/presentationml/2006/main" xmlns:c="http://schemas.openxmlformats.org/drawingml/2006/chart" xmlns:dgm="http://schemas.openxmlformats.org/drawingml/2006/diagram" xmlns:o="urn:schemas-microsoft-com:office:office" xmlns:v="urn:schemas-microsoft-com:vml" xmlns:pvml="urn:schemas-microsoft-com:office:powerpoint" xmlns:com="http://schemas.openxmlformats.org/drawingml/2006/compatibility" xmlns:p14="http://schemas.microsoft.com/office/powerpoint/2010/main" xmlns:p15="http://schemas.microsoft.com/office/powerpoint/2012/main" xmlns:ahyp="http://schemas.microsoft.com/office/drawing/2018/hyperlinkcolor" showMasterPhAnim="0" showMasterSp="0">
+<p:notes xmlns:a="http://schemas.openxmlformats.org/drawingml/2006/main" xmlns:r="http://schemas.openxmlformats.org/officeDocument/2006/relationships" xmlns:p="http://schemas.openxmlformats.org/presentationml/2006/main" showMasterSp="0" showMasterPhAnim="0">
   <p:cSld>
     <p:spTree>
       <p:nvGrpSpPr>
-        <p:cNvPr id="82" name="Shape 82"/>
+        <p:cNvPr id="1" name="Shape 82"/>
         <p:cNvGrpSpPr/>
         <p:nvPr/>
       </p:nvGrpSpPr>
@@ -2509,20 +2614,26 @@
       <p:sp>
         <p:nvSpPr>
           <p:cNvPr id="83" name="Google Shape;83;g18da726ab82_1_6:notes"/>
-          <p:cNvSpPr/>
+          <p:cNvSpPr>
+            <a:spLocks noGrp="1" noRot="1" noChangeAspect="1"/>
+          </p:cNvSpPr>
           <p:nvPr>
-            <p:ph idx="2" type="sldImg"/>
+            <p:ph type="sldImg" idx="2"/>
           </p:nvPr>
         </p:nvSpPr>
         <p:spPr>
           <a:xfrm>
-            <a:off x="381300" y="685800"/>
+            <a:off x="381000" y="685800"/>
             <a:ext cx="6096000" cy="3429000"/>
           </a:xfrm>
           <a:custGeom>
-            <a:rect b="b" l="l" r="r" t="t"/>
+            <a:avLst/>
+            <a:gdLst/>
+            <a:ahLst/>
+            <a:cxnLst/>
+            <a:rect l="l" t="t" r="r" b="b"/>
             <a:pathLst>
-              <a:path extrusionOk="0" h="120000" w="120000">
+              <a:path w="120000" h="120000" extrusionOk="0">
                 <a:moveTo>
                   <a:pt x="0" y="0"/>
                 </a:moveTo>
@@ -2544,9 +2655,11 @@
       <p:sp>
         <p:nvSpPr>
           <p:cNvPr id="84" name="Google Shape;84;g18da726ab82_1_6:notes"/>
-          <p:cNvSpPr txBox="1"/>
+          <p:cNvSpPr txBox="1">
+            <a:spLocks noGrp="1"/>
+          </p:cNvSpPr>
           <p:nvPr>
-            <p:ph idx="1" type="body"/>
+            <p:ph type="body" idx="1"/>
           </p:nvPr>
         </p:nvSpPr>
         <p:spPr>
@@ -2559,12 +2672,12 @@
           </a:prstGeom>
         </p:spPr>
         <p:txBody>
-          <a:bodyPr anchorCtr="0" anchor="t" bIns="91425" lIns="91425" spcFirstLastPara="1" rIns="91425" wrap="square" tIns="91425">
+          <a:bodyPr spcFirstLastPara="1" wrap="square" lIns="91425" tIns="91425" rIns="91425" bIns="91425" anchor="t" anchorCtr="0">
             <a:noAutofit/>
           </a:bodyPr>
           <a:lstStyle/>
           <a:p>
-            <a:pPr indent="0" lvl="0" marL="0" rtl="0" algn="l">
+            <a:pPr marL="0" lvl="0" indent="0" algn="l" rtl="0">
               <a:spcBef>
                 <a:spcPts val="0"/>
               </a:spcBef>
@@ -2573,9 +2686,6 @@
               </a:spcAft>
               <a:buNone/>
             </a:pPr>
-            <a:r>
-              <a:t/>
-            </a:r>
             <a:endParaRPr/>
           </a:p>
         </p:txBody>
@@ -2589,11 +2699,11 @@
 </file>
 
 <file path=ppt/notesSlides/notesSlide7.xml><?xml version="1.0" encoding="utf-8"?>
-<p:notes xmlns:a="http://schemas.openxmlformats.org/drawingml/2006/main" xmlns:r="http://schemas.openxmlformats.org/officeDocument/2006/relationships" xmlns:mc="http://schemas.openxmlformats.org/markup-compatibility/2006" xmlns:mv="urn:schemas-microsoft-com:mac:vml" xmlns:p="http://schemas.openxmlformats.org/presentationml/2006/main" xmlns:c="http://schemas.openxmlformats.org/drawingml/2006/chart" xmlns:dgm="http://schemas.openxmlformats.org/drawingml/2006/diagram" xmlns:o="urn:schemas-microsoft-com:office:office" xmlns:v="urn:schemas-microsoft-com:vml" xmlns:pvml="urn:schemas-microsoft-com:office:powerpoint" xmlns:com="http://schemas.openxmlformats.org/drawingml/2006/compatibility" xmlns:p14="http://schemas.microsoft.com/office/powerpoint/2010/main" xmlns:p15="http://schemas.microsoft.com/office/powerpoint/2012/main" xmlns:ahyp="http://schemas.microsoft.com/office/drawing/2018/hyperlinkcolor" showMasterPhAnim="0" showMasterSp="0">
+<p:notes xmlns:a="http://schemas.openxmlformats.org/drawingml/2006/main" xmlns:r="http://schemas.openxmlformats.org/officeDocument/2006/relationships" xmlns:p="http://schemas.openxmlformats.org/presentationml/2006/main" showMasterSp="0" showMasterPhAnim="0">
   <p:cSld>
     <p:spTree>
       <p:nvGrpSpPr>
-        <p:cNvPr id="88" name="Shape 88"/>
+        <p:cNvPr id="1" name="Shape 88"/>
         <p:cNvGrpSpPr/>
         <p:nvPr/>
       </p:nvGrpSpPr>
@@ -2608,20 +2718,26 @@
       <p:sp>
         <p:nvSpPr>
           <p:cNvPr id="89" name="Google Shape;89;g18da726ab82_1_18:notes"/>
-          <p:cNvSpPr/>
+          <p:cNvSpPr>
+            <a:spLocks noGrp="1" noRot="1" noChangeAspect="1"/>
+          </p:cNvSpPr>
           <p:nvPr>
-            <p:ph idx="2" type="sldImg"/>
+            <p:ph type="sldImg" idx="2"/>
           </p:nvPr>
         </p:nvSpPr>
         <p:spPr>
           <a:xfrm>
-            <a:off x="381300" y="685800"/>
+            <a:off x="381000" y="685800"/>
             <a:ext cx="6096000" cy="3429000"/>
           </a:xfrm>
           <a:custGeom>
-            <a:rect b="b" l="l" r="r" t="t"/>
+            <a:avLst/>
+            <a:gdLst/>
+            <a:ahLst/>
+            <a:cxnLst/>
+            <a:rect l="l" t="t" r="r" b="b"/>
             <a:pathLst>
-              <a:path extrusionOk="0" h="120000" w="120000">
+              <a:path w="120000" h="120000" extrusionOk="0">
                 <a:moveTo>
                   <a:pt x="0" y="0"/>
                 </a:moveTo>
@@ -2643,9 +2759,11 @@
       <p:sp>
         <p:nvSpPr>
           <p:cNvPr id="90" name="Google Shape;90;g18da726ab82_1_18:notes"/>
-          <p:cNvSpPr txBox="1"/>
+          <p:cNvSpPr txBox="1">
+            <a:spLocks noGrp="1"/>
+          </p:cNvSpPr>
           <p:nvPr>
-            <p:ph idx="1" type="body"/>
+            <p:ph type="body" idx="1"/>
           </p:nvPr>
         </p:nvSpPr>
         <p:spPr>
@@ -2658,12 +2776,12 @@
           </a:prstGeom>
         </p:spPr>
         <p:txBody>
-          <a:bodyPr anchorCtr="0" anchor="t" bIns="91425" lIns="91425" spcFirstLastPara="1" rIns="91425" wrap="square" tIns="91425">
+          <a:bodyPr spcFirstLastPara="1" wrap="square" lIns="91425" tIns="91425" rIns="91425" bIns="91425" anchor="t" anchorCtr="0">
             <a:noAutofit/>
           </a:bodyPr>
           <a:lstStyle/>
           <a:p>
-            <a:pPr indent="0" lvl="0" marL="0" rtl="0" algn="l">
+            <a:pPr marL="0" lvl="0" indent="0" algn="l" rtl="0">
               <a:spcBef>
                 <a:spcPts val="0"/>
               </a:spcBef>
@@ -2672,9 +2790,6 @@
               </a:spcAft>
               <a:buNone/>
             </a:pPr>
-            <a:r>
-              <a:t/>
-            </a:r>
             <a:endParaRPr/>
           </a:p>
         </p:txBody>
@@ -2688,11 +2803,11 @@
 </file>
 
 <file path=ppt/notesSlides/notesSlide8.xml><?xml version="1.0" encoding="utf-8"?>
-<p:notes xmlns:a="http://schemas.openxmlformats.org/drawingml/2006/main" xmlns:r="http://schemas.openxmlformats.org/officeDocument/2006/relationships" xmlns:mc="http://schemas.openxmlformats.org/markup-compatibility/2006" xmlns:mv="urn:schemas-microsoft-com:mac:vml" xmlns:p="http://schemas.openxmlformats.org/presentationml/2006/main" xmlns:c="http://schemas.openxmlformats.org/drawingml/2006/chart" xmlns:dgm="http://schemas.openxmlformats.org/drawingml/2006/diagram" xmlns:o="urn:schemas-microsoft-com:office:office" xmlns:v="urn:schemas-microsoft-com:vml" xmlns:pvml="urn:schemas-microsoft-com:office:powerpoint" xmlns:com="http://schemas.openxmlformats.org/drawingml/2006/compatibility" xmlns:p14="http://schemas.microsoft.com/office/powerpoint/2010/main" xmlns:p15="http://schemas.microsoft.com/office/powerpoint/2012/main" xmlns:ahyp="http://schemas.microsoft.com/office/drawing/2018/hyperlinkcolor" showMasterPhAnim="0" showMasterSp="0">
+<p:notes xmlns:a="http://schemas.openxmlformats.org/drawingml/2006/main" xmlns:r="http://schemas.openxmlformats.org/officeDocument/2006/relationships" xmlns:p="http://schemas.openxmlformats.org/presentationml/2006/main" showMasterSp="0" showMasterPhAnim="0">
   <p:cSld>
     <p:spTree>
       <p:nvGrpSpPr>
-        <p:cNvPr id="97" name="Shape 97"/>
+        <p:cNvPr id="1" name="Shape 97"/>
         <p:cNvGrpSpPr/>
         <p:nvPr/>
       </p:nvGrpSpPr>
@@ -2707,20 +2822,26 @@
       <p:sp>
         <p:nvSpPr>
           <p:cNvPr id="98" name="Google Shape;98;g18da726ab82_1_46:notes"/>
-          <p:cNvSpPr/>
+          <p:cNvSpPr>
+            <a:spLocks noGrp="1" noRot="1" noChangeAspect="1"/>
+          </p:cNvSpPr>
           <p:nvPr>
-            <p:ph idx="2" type="sldImg"/>
+            <p:ph type="sldImg" idx="2"/>
           </p:nvPr>
         </p:nvSpPr>
         <p:spPr>
           <a:xfrm>
-            <a:off x="381300" y="685800"/>
+            <a:off x="381000" y="685800"/>
             <a:ext cx="6096000" cy="3429000"/>
           </a:xfrm>
           <a:custGeom>
-            <a:rect b="b" l="l" r="r" t="t"/>
+            <a:avLst/>
+            <a:gdLst/>
+            <a:ahLst/>
+            <a:cxnLst/>
+            <a:rect l="l" t="t" r="r" b="b"/>
             <a:pathLst>
-              <a:path extrusionOk="0" h="120000" w="120000">
+              <a:path w="120000" h="120000" extrusionOk="0">
                 <a:moveTo>
                   <a:pt x="0" y="0"/>
                 </a:moveTo>
@@ -2742,9 +2863,11 @@
       <p:sp>
         <p:nvSpPr>
           <p:cNvPr id="99" name="Google Shape;99;g18da726ab82_1_46:notes"/>
-          <p:cNvSpPr txBox="1"/>
+          <p:cNvSpPr txBox="1">
+            <a:spLocks noGrp="1"/>
+          </p:cNvSpPr>
           <p:nvPr>
-            <p:ph idx="1" type="body"/>
+            <p:ph type="body" idx="1"/>
           </p:nvPr>
         </p:nvSpPr>
         <p:spPr>
@@ -2757,12 +2880,12 @@
           </a:prstGeom>
         </p:spPr>
         <p:txBody>
-          <a:bodyPr anchorCtr="0" anchor="t" bIns="91425" lIns="91425" spcFirstLastPara="1" rIns="91425" wrap="square" tIns="91425">
+          <a:bodyPr spcFirstLastPara="1" wrap="square" lIns="91425" tIns="91425" rIns="91425" bIns="91425" anchor="t" anchorCtr="0">
             <a:noAutofit/>
           </a:bodyPr>
           <a:lstStyle/>
           <a:p>
-            <a:pPr indent="0" lvl="0" marL="0" rtl="0" algn="l">
+            <a:pPr marL="0" lvl="0" indent="0" algn="l" rtl="0">
               <a:spcBef>
                 <a:spcPts val="0"/>
               </a:spcBef>
@@ -2771,9 +2894,6 @@
               </a:spcAft>
               <a:buNone/>
             </a:pPr>
-            <a:r>
-              <a:t/>
-            </a:r>
             <a:endParaRPr/>
           </a:p>
         </p:txBody>
@@ -2787,11 +2907,11 @@
 </file>
 
 <file path=ppt/notesSlides/notesSlide9.xml><?xml version="1.0" encoding="utf-8"?>
-<p:notes xmlns:a="http://schemas.openxmlformats.org/drawingml/2006/main" xmlns:r="http://schemas.openxmlformats.org/officeDocument/2006/relationships" xmlns:mc="http://schemas.openxmlformats.org/markup-compatibility/2006" xmlns:mv="urn:schemas-microsoft-com:mac:vml" xmlns:p="http://schemas.openxmlformats.org/presentationml/2006/main" xmlns:c="http://schemas.openxmlformats.org/drawingml/2006/chart" xmlns:dgm="http://schemas.openxmlformats.org/drawingml/2006/diagram" xmlns:o="urn:schemas-microsoft-com:office:office" xmlns:v="urn:schemas-microsoft-com:vml" xmlns:pvml="urn:schemas-microsoft-com:office:powerpoint" xmlns:com="http://schemas.openxmlformats.org/drawingml/2006/compatibility" xmlns:p14="http://schemas.microsoft.com/office/powerpoint/2010/main" xmlns:p15="http://schemas.microsoft.com/office/powerpoint/2012/main" xmlns:ahyp="http://schemas.microsoft.com/office/drawing/2018/hyperlinkcolor" showMasterPhAnim="0" showMasterSp="0">
+<p:notes xmlns:a="http://schemas.openxmlformats.org/drawingml/2006/main" xmlns:r="http://schemas.openxmlformats.org/officeDocument/2006/relationships" xmlns:p="http://schemas.openxmlformats.org/presentationml/2006/main" showMasterSp="0" showMasterPhAnim="0">
   <p:cSld>
     <p:spTree>
       <p:nvGrpSpPr>
-        <p:cNvPr id="104" name="Shape 104"/>
+        <p:cNvPr id="1" name="Shape 104"/>
         <p:cNvGrpSpPr/>
         <p:nvPr/>
       </p:nvGrpSpPr>
@@ -2806,20 +2926,26 @@
       <p:sp>
         <p:nvSpPr>
           <p:cNvPr id="105" name="Google Shape;105;g18da726ab82_1_76:notes"/>
-          <p:cNvSpPr/>
+          <p:cNvSpPr>
+            <a:spLocks noGrp="1" noRot="1" noChangeAspect="1"/>
+          </p:cNvSpPr>
           <p:nvPr>
-            <p:ph idx="2" type="sldImg"/>
+            <p:ph type="sldImg" idx="2"/>
           </p:nvPr>
         </p:nvSpPr>
         <p:spPr>
           <a:xfrm>
-            <a:off x="381300" y="685800"/>
+            <a:off x="381000" y="685800"/>
             <a:ext cx="6096000" cy="3429000"/>
           </a:xfrm>
           <a:custGeom>
-            <a:rect b="b" l="l" r="r" t="t"/>
+            <a:avLst/>
+            <a:gdLst/>
+            <a:ahLst/>
+            <a:cxnLst/>
+            <a:rect l="l" t="t" r="r" b="b"/>
             <a:pathLst>
-              <a:path extrusionOk="0" h="120000" w="120000">
+              <a:path w="120000" h="120000" extrusionOk="0">
                 <a:moveTo>
                   <a:pt x="0" y="0"/>
                 </a:moveTo>
@@ -2841,9 +2967,11 @@
       <p:sp>
         <p:nvSpPr>
           <p:cNvPr id="106" name="Google Shape;106;g18da726ab82_1_76:notes"/>
-          <p:cNvSpPr txBox="1"/>
+          <p:cNvSpPr txBox="1">
+            <a:spLocks noGrp="1"/>
+          </p:cNvSpPr>
           <p:nvPr>
-            <p:ph idx="1" type="body"/>
+            <p:ph type="body" idx="1"/>
           </p:nvPr>
         </p:nvSpPr>
         <p:spPr>
@@ -2856,12 +2984,12 @@
           </a:prstGeom>
         </p:spPr>
         <p:txBody>
-          <a:bodyPr anchorCtr="0" anchor="t" bIns="91425" lIns="91425" spcFirstLastPara="1" rIns="91425" wrap="square" tIns="91425">
+          <a:bodyPr spcFirstLastPara="1" wrap="square" lIns="91425" tIns="91425" rIns="91425" bIns="91425" anchor="t" anchorCtr="0">
             <a:noAutofit/>
           </a:bodyPr>
           <a:lstStyle/>
           <a:p>
-            <a:pPr indent="0" lvl="0" marL="0" rtl="0" algn="l">
+            <a:pPr marL="0" lvl="0" indent="0" algn="l" rtl="0">
               <a:spcBef>
                 <a:spcPts val="0"/>
               </a:spcBef>
@@ -2870,9 +2998,6 @@
               </a:spcAft>
               <a:buNone/>
             </a:pPr>
-            <a:r>
-              <a:t/>
-            </a:r>
             <a:endParaRPr/>
           </a:p>
         </p:txBody>
@@ -2886,11 +3011,11 @@
 </file>
 
 <file path=ppt/slideLayouts/slideLayout1.xml><?xml version="1.0" encoding="utf-8"?>
-<p:sldLayout xmlns:a="http://schemas.openxmlformats.org/drawingml/2006/main" xmlns:r="http://schemas.openxmlformats.org/officeDocument/2006/relationships" xmlns:mc="http://schemas.openxmlformats.org/markup-compatibility/2006" xmlns:mv="urn:schemas-microsoft-com:mac:vml" xmlns:p="http://schemas.openxmlformats.org/presentationml/2006/main" xmlns:c="http://schemas.openxmlformats.org/drawingml/2006/chart" xmlns:dgm="http://schemas.openxmlformats.org/drawingml/2006/diagram" xmlns:o="urn:schemas-microsoft-com:office:office" xmlns:v="urn:schemas-microsoft-com:vml" xmlns:pvml="urn:schemas-microsoft-com:office:powerpoint" xmlns:com="http://schemas.openxmlformats.org/drawingml/2006/compatibility" xmlns:p14="http://schemas.microsoft.com/office/powerpoint/2010/main" xmlns:p15="http://schemas.microsoft.com/office/powerpoint/2012/main" xmlns:ahyp="http://schemas.microsoft.com/office/drawing/2018/hyperlinkcolor" matchingName="Title slide" type="title">
+<p:sldLayout xmlns:a="http://schemas.openxmlformats.org/drawingml/2006/main" xmlns:r="http://schemas.openxmlformats.org/officeDocument/2006/relationships" xmlns:p="http://schemas.openxmlformats.org/presentationml/2006/main" matchingName="Title slide" type="title">
   <p:cSld name="TITLE">
     <p:spTree>
       <p:nvGrpSpPr>
-        <p:cNvPr id="9" name="Shape 9"/>
+        <p:cNvPr id="1" name="Shape 9"/>
         <p:cNvGrpSpPr/>
         <p:nvPr/>
       </p:nvGrpSpPr>
@@ -2905,7 +3030,9 @@
       <p:sp>
         <p:nvSpPr>
           <p:cNvPr id="10" name="Google Shape;10;p2"/>
-          <p:cNvSpPr txBox="1"/>
+          <p:cNvSpPr txBox="1">
+            <a:spLocks noGrp="1"/>
+          </p:cNvSpPr>
           <p:nvPr>
             <p:ph type="ctrTitle"/>
           </p:nvPr>
@@ -2920,7 +3047,7 @@
           </a:prstGeom>
         </p:spPr>
         <p:txBody>
-          <a:bodyPr anchorCtr="0" anchor="b" bIns="91425" lIns="91425" spcFirstLastPara="1" rIns="91425" wrap="square" tIns="91425">
+          <a:bodyPr spcFirstLastPara="1" wrap="square" lIns="91425" tIns="91425" rIns="91425" bIns="91425" anchor="b" anchorCtr="0">
             <a:normAutofit/>
           </a:bodyPr>
           <a:lstStyle>
@@ -3024,15 +3151,19 @@
               <a:defRPr sz="5200"/>
             </a:lvl9pPr>
           </a:lstStyle>
-          <a:p/>
+          <a:p>
+            <a:endParaRPr/>
+          </a:p>
         </p:txBody>
       </p:sp>
       <p:sp>
         <p:nvSpPr>
           <p:cNvPr id="11" name="Google Shape;11;p2"/>
-          <p:cNvSpPr txBox="1"/>
+          <p:cNvSpPr txBox="1">
+            <a:spLocks noGrp="1"/>
+          </p:cNvSpPr>
           <p:nvPr>
-            <p:ph idx="1" type="subTitle"/>
+            <p:ph type="subTitle" idx="1"/>
           </p:nvPr>
         </p:nvSpPr>
         <p:spPr>
@@ -3045,7 +3176,7 @@
           </a:prstGeom>
         </p:spPr>
         <p:txBody>
-          <a:bodyPr anchorCtr="0" anchor="t" bIns="91425" lIns="91425" spcFirstLastPara="1" rIns="91425" wrap="square" tIns="91425">
+          <a:bodyPr spcFirstLastPara="1" wrap="square" lIns="91425" tIns="91425" rIns="91425" bIns="91425" anchor="t" anchorCtr="0">
             <a:normAutofit/>
           </a:bodyPr>
           <a:lstStyle>
@@ -3176,15 +3307,19 @@
               <a:defRPr sz="2800"/>
             </a:lvl9pPr>
           </a:lstStyle>
-          <a:p/>
+          <a:p>
+            <a:endParaRPr/>
+          </a:p>
         </p:txBody>
       </p:sp>
       <p:sp>
         <p:nvSpPr>
           <p:cNvPr id="12" name="Google Shape;12;p2"/>
-          <p:cNvSpPr txBox="1"/>
+          <p:cNvSpPr txBox="1">
+            <a:spLocks noGrp="1"/>
+          </p:cNvSpPr>
           <p:nvPr>
-            <p:ph idx="12" type="sldNum"/>
+            <p:ph type="sldNum" idx="12"/>
           </p:nvPr>
         </p:nvSpPr>
         <p:spPr>
@@ -3197,7 +3332,7 @@
           </a:prstGeom>
         </p:spPr>
         <p:txBody>
-          <a:bodyPr anchorCtr="0" anchor="ctr" bIns="91425" lIns="91425" spcFirstLastPara="1" rIns="91425" wrap="square" tIns="91425">
+          <a:bodyPr spcFirstLastPara="1" wrap="square" lIns="91425" tIns="91425" rIns="91425" bIns="91425" anchor="ctr" anchorCtr="0">
             <a:normAutofit/>
           </a:bodyPr>
           <a:lstStyle>
@@ -3239,7 +3374,7 @@
             </a:lvl9pPr>
           </a:lstStyle>
           <a:p>
-            <a:pPr indent="0" lvl="0" marL="0" rtl="0" algn="r">
+            <a:pPr marL="0" lvl="0" indent="0" algn="r" rtl="0">
               <a:spcBef>
                 <a:spcPts val="0"/>
               </a:spcBef>
@@ -3265,11 +3400,11 @@
 </file>
 
 <file path=ppt/slideLayouts/slideLayout10.xml><?xml version="1.0" encoding="utf-8"?>
-<p:sldLayout xmlns:a="http://schemas.openxmlformats.org/drawingml/2006/main" xmlns:r="http://schemas.openxmlformats.org/officeDocument/2006/relationships" xmlns:mc="http://schemas.openxmlformats.org/markup-compatibility/2006" xmlns:mv="urn:schemas-microsoft-com:mac:vml" xmlns:p="http://schemas.openxmlformats.org/presentationml/2006/main" xmlns:c="http://schemas.openxmlformats.org/drawingml/2006/chart" xmlns:dgm="http://schemas.openxmlformats.org/drawingml/2006/diagram" xmlns:o="urn:schemas-microsoft-com:office:office" xmlns:v="urn:schemas-microsoft-com:vml" xmlns:pvml="urn:schemas-microsoft-com:office:powerpoint" xmlns:com="http://schemas.openxmlformats.org/drawingml/2006/compatibility" xmlns:p14="http://schemas.microsoft.com/office/powerpoint/2010/main" xmlns:p15="http://schemas.microsoft.com/office/powerpoint/2012/main" xmlns:ahyp="http://schemas.microsoft.com/office/drawing/2018/hyperlinkcolor" matchingName="Big number">
+<p:sldLayout xmlns:a="http://schemas.openxmlformats.org/drawingml/2006/main" xmlns:r="http://schemas.openxmlformats.org/officeDocument/2006/relationships" xmlns:p="http://schemas.openxmlformats.org/presentationml/2006/main" matchingName="Big number">
   <p:cSld name="BIG_NUMBER">
     <p:spTree>
       <p:nvGrpSpPr>
-        <p:cNvPr id="44" name="Shape 44"/>
+        <p:cNvPr id="1" name="Shape 44"/>
         <p:cNvGrpSpPr/>
         <p:nvPr/>
       </p:nvGrpSpPr>
@@ -3284,9 +3419,11 @@
       <p:sp>
         <p:nvSpPr>
           <p:cNvPr id="45" name="Google Shape;45;p11"/>
-          <p:cNvSpPr txBox="1"/>
+          <p:cNvSpPr txBox="1">
+            <a:spLocks noGrp="1"/>
+          </p:cNvSpPr>
           <p:nvPr>
-            <p:ph hasCustomPrompt="1" type="title"/>
+            <p:ph type="title" hasCustomPrompt="1"/>
           </p:nvPr>
         </p:nvSpPr>
         <p:spPr>
@@ -3299,7 +3436,7 @@
           </a:prstGeom>
         </p:spPr>
         <p:txBody>
-          <a:bodyPr anchorCtr="0" anchor="b" bIns="91425" lIns="91425" spcFirstLastPara="1" rIns="91425" wrap="square" tIns="91425">
+          <a:bodyPr spcFirstLastPara="1" wrap="square" lIns="91425" tIns="91425" rIns="91425" bIns="91425" anchor="b" anchorCtr="0">
             <a:normAutofit/>
           </a:bodyPr>
           <a:lstStyle>
@@ -3413,9 +3550,11 @@
       <p:sp>
         <p:nvSpPr>
           <p:cNvPr id="46" name="Google Shape;46;p11"/>
-          <p:cNvSpPr txBox="1"/>
+          <p:cNvSpPr txBox="1">
+            <a:spLocks noGrp="1"/>
+          </p:cNvSpPr>
           <p:nvPr>
-            <p:ph idx="1" type="body"/>
+            <p:ph type="body" idx="1"/>
           </p:nvPr>
         </p:nvSpPr>
         <p:spPr>
@@ -3428,11 +3567,11 @@
           </a:prstGeom>
         </p:spPr>
         <p:txBody>
-          <a:bodyPr anchorCtr="0" anchor="t" bIns="91425" lIns="91425" spcFirstLastPara="1" rIns="91425" wrap="square" tIns="91425">
+          <a:bodyPr spcFirstLastPara="1" wrap="square" lIns="91425" tIns="91425" rIns="91425" bIns="91425" anchor="t" anchorCtr="0">
             <a:normAutofit/>
           </a:bodyPr>
           <a:lstStyle>
-            <a:lvl1pPr indent="-342900" lvl="0" marL="457200" algn="ctr">
+            <a:lvl1pPr marL="457200" lvl="0" indent="-342900" algn="ctr">
               <a:spcBef>
                 <a:spcPts val="0"/>
               </a:spcBef>
@@ -3443,7 +3582,7 @@
               <a:buChar char="●"/>
               <a:defRPr/>
             </a:lvl1pPr>
-            <a:lvl2pPr indent="-317500" lvl="1" marL="914400" algn="ctr">
+            <a:lvl2pPr marL="914400" lvl="1" indent="-317500" algn="ctr">
               <a:spcBef>
                 <a:spcPts val="0"/>
               </a:spcBef>
@@ -3454,7 +3593,7 @@
               <a:buChar char="○"/>
               <a:defRPr/>
             </a:lvl2pPr>
-            <a:lvl3pPr indent="-317500" lvl="2" marL="1371600" algn="ctr">
+            <a:lvl3pPr marL="1371600" lvl="2" indent="-317500" algn="ctr">
               <a:spcBef>
                 <a:spcPts val="0"/>
               </a:spcBef>
@@ -3465,7 +3604,7 @@
               <a:buChar char="■"/>
               <a:defRPr/>
             </a:lvl3pPr>
-            <a:lvl4pPr indent="-317500" lvl="3" marL="1828800" algn="ctr">
+            <a:lvl4pPr marL="1828800" lvl="3" indent="-317500" algn="ctr">
               <a:spcBef>
                 <a:spcPts val="0"/>
               </a:spcBef>
@@ -3476,7 +3615,7 @@
               <a:buChar char="●"/>
               <a:defRPr/>
             </a:lvl4pPr>
-            <a:lvl5pPr indent="-317500" lvl="4" marL="2286000" algn="ctr">
+            <a:lvl5pPr marL="2286000" lvl="4" indent="-317500" algn="ctr">
               <a:spcBef>
                 <a:spcPts val="0"/>
               </a:spcBef>
@@ -3487,7 +3626,7 @@
               <a:buChar char="○"/>
               <a:defRPr/>
             </a:lvl5pPr>
-            <a:lvl6pPr indent="-317500" lvl="5" marL="2743200" algn="ctr">
+            <a:lvl6pPr marL="2743200" lvl="5" indent="-317500" algn="ctr">
               <a:spcBef>
                 <a:spcPts val="0"/>
               </a:spcBef>
@@ -3498,7 +3637,7 @@
               <a:buChar char="■"/>
               <a:defRPr/>
             </a:lvl6pPr>
-            <a:lvl7pPr indent="-317500" lvl="6" marL="3200400" algn="ctr">
+            <a:lvl7pPr marL="3200400" lvl="6" indent="-317500" algn="ctr">
               <a:spcBef>
                 <a:spcPts val="0"/>
               </a:spcBef>
@@ -3509,7 +3648,7 @@
               <a:buChar char="●"/>
               <a:defRPr/>
             </a:lvl7pPr>
-            <a:lvl8pPr indent="-317500" lvl="7" marL="3657600" algn="ctr">
+            <a:lvl8pPr marL="3657600" lvl="7" indent="-317500" algn="ctr">
               <a:spcBef>
                 <a:spcPts val="0"/>
               </a:spcBef>
@@ -3520,7 +3659,7 @@
               <a:buChar char="○"/>
               <a:defRPr/>
             </a:lvl8pPr>
-            <a:lvl9pPr indent="-317500" lvl="8" marL="4114800" algn="ctr">
+            <a:lvl9pPr marL="4114800" lvl="8" indent="-317500" algn="ctr">
               <a:spcBef>
                 <a:spcPts val="0"/>
               </a:spcBef>
@@ -3532,15 +3671,19 @@
               <a:defRPr/>
             </a:lvl9pPr>
           </a:lstStyle>
-          <a:p/>
+          <a:p>
+            <a:endParaRPr/>
+          </a:p>
         </p:txBody>
       </p:sp>
       <p:sp>
         <p:nvSpPr>
           <p:cNvPr id="47" name="Google Shape;47;p11"/>
-          <p:cNvSpPr txBox="1"/>
+          <p:cNvSpPr txBox="1">
+            <a:spLocks noGrp="1"/>
+          </p:cNvSpPr>
           <p:nvPr>
-            <p:ph idx="12" type="sldNum"/>
+            <p:ph type="sldNum" idx="12"/>
           </p:nvPr>
         </p:nvSpPr>
         <p:spPr>
@@ -3553,7 +3696,7 @@
           </a:prstGeom>
         </p:spPr>
         <p:txBody>
-          <a:bodyPr anchorCtr="0" anchor="ctr" bIns="91425" lIns="91425" spcFirstLastPara="1" rIns="91425" wrap="square" tIns="91425">
+          <a:bodyPr spcFirstLastPara="1" wrap="square" lIns="91425" tIns="91425" rIns="91425" bIns="91425" anchor="ctr" anchorCtr="0">
             <a:normAutofit/>
           </a:bodyPr>
           <a:lstStyle>
@@ -3595,7 +3738,7 @@
             </a:lvl9pPr>
           </a:lstStyle>
           <a:p>
-            <a:pPr indent="0" lvl="0" marL="0" rtl="0" algn="r">
+            <a:pPr marL="0" lvl="0" indent="0" algn="r" rtl="0">
               <a:spcBef>
                 <a:spcPts val="0"/>
               </a:spcBef>
@@ -3621,11 +3764,11 @@
 </file>
 
 <file path=ppt/slideLayouts/slideLayout11.xml><?xml version="1.0" encoding="utf-8"?>
-<p:sldLayout xmlns:a="http://schemas.openxmlformats.org/drawingml/2006/main" xmlns:r="http://schemas.openxmlformats.org/officeDocument/2006/relationships" xmlns:mc="http://schemas.openxmlformats.org/markup-compatibility/2006" xmlns:mv="urn:schemas-microsoft-com:mac:vml" xmlns:p="http://schemas.openxmlformats.org/presentationml/2006/main" xmlns:c="http://schemas.openxmlformats.org/drawingml/2006/chart" xmlns:dgm="http://schemas.openxmlformats.org/drawingml/2006/diagram" xmlns:o="urn:schemas-microsoft-com:office:office" xmlns:v="urn:schemas-microsoft-com:vml" xmlns:pvml="urn:schemas-microsoft-com:office:powerpoint" xmlns:com="http://schemas.openxmlformats.org/drawingml/2006/compatibility" xmlns:p14="http://schemas.microsoft.com/office/powerpoint/2010/main" xmlns:p15="http://schemas.microsoft.com/office/powerpoint/2012/main" xmlns:ahyp="http://schemas.microsoft.com/office/drawing/2018/hyperlinkcolor" matchingName="Blank" type="blank">
+<p:sldLayout xmlns:a="http://schemas.openxmlformats.org/drawingml/2006/main" xmlns:r="http://schemas.openxmlformats.org/officeDocument/2006/relationships" xmlns:p="http://schemas.openxmlformats.org/presentationml/2006/main" matchingName="Blank" type="blank">
   <p:cSld name="BLANK">
     <p:spTree>
       <p:nvGrpSpPr>
-        <p:cNvPr id="48" name="Shape 48"/>
+        <p:cNvPr id="1" name="Shape 48"/>
         <p:cNvGrpSpPr/>
         <p:nvPr/>
       </p:nvGrpSpPr>
@@ -3640,9 +3783,11 @@
       <p:sp>
         <p:nvSpPr>
           <p:cNvPr id="49" name="Google Shape;49;p12"/>
-          <p:cNvSpPr txBox="1"/>
+          <p:cNvSpPr txBox="1">
+            <a:spLocks noGrp="1"/>
+          </p:cNvSpPr>
           <p:nvPr>
-            <p:ph idx="12" type="sldNum"/>
+            <p:ph type="sldNum" idx="12"/>
           </p:nvPr>
         </p:nvSpPr>
         <p:spPr>
@@ -3655,7 +3800,7 @@
           </a:prstGeom>
         </p:spPr>
         <p:txBody>
-          <a:bodyPr anchorCtr="0" anchor="ctr" bIns="91425" lIns="91425" spcFirstLastPara="1" rIns="91425" wrap="square" tIns="91425">
+          <a:bodyPr spcFirstLastPara="1" wrap="square" lIns="91425" tIns="91425" rIns="91425" bIns="91425" anchor="ctr" anchorCtr="0">
             <a:normAutofit/>
           </a:bodyPr>
           <a:lstStyle>
@@ -3697,7 +3842,7 @@
             </a:lvl9pPr>
           </a:lstStyle>
           <a:p>
-            <a:pPr indent="0" lvl="0" marL="0" rtl="0" algn="r">
+            <a:pPr marL="0" lvl="0" indent="0" algn="r" rtl="0">
               <a:spcBef>
                 <a:spcPts val="0"/>
               </a:spcBef>
@@ -3723,11 +3868,11 @@
 </file>
 
 <file path=ppt/slideLayouts/slideLayout2.xml><?xml version="1.0" encoding="utf-8"?>
-<p:sldLayout xmlns:a="http://schemas.openxmlformats.org/drawingml/2006/main" xmlns:r="http://schemas.openxmlformats.org/officeDocument/2006/relationships" xmlns:mc="http://schemas.openxmlformats.org/markup-compatibility/2006" xmlns:mv="urn:schemas-microsoft-com:mac:vml" xmlns:p="http://schemas.openxmlformats.org/presentationml/2006/main" xmlns:c="http://schemas.openxmlformats.org/drawingml/2006/chart" xmlns:dgm="http://schemas.openxmlformats.org/drawingml/2006/diagram" xmlns:o="urn:schemas-microsoft-com:office:office" xmlns:v="urn:schemas-microsoft-com:vml" xmlns:pvml="urn:schemas-microsoft-com:office:powerpoint" xmlns:com="http://schemas.openxmlformats.org/drawingml/2006/compatibility" xmlns:p14="http://schemas.microsoft.com/office/powerpoint/2010/main" xmlns:p15="http://schemas.microsoft.com/office/powerpoint/2012/main" xmlns:ahyp="http://schemas.microsoft.com/office/drawing/2018/hyperlinkcolor" matchingName="Section header" type="secHead">
+<p:sldLayout xmlns:a="http://schemas.openxmlformats.org/drawingml/2006/main" xmlns:r="http://schemas.openxmlformats.org/officeDocument/2006/relationships" xmlns:p="http://schemas.openxmlformats.org/presentationml/2006/main" matchingName="Section header" type="secHead">
   <p:cSld name="SECTION_HEADER">
     <p:spTree>
       <p:nvGrpSpPr>
-        <p:cNvPr id="13" name="Shape 13"/>
+        <p:cNvPr id="1" name="Shape 13"/>
         <p:cNvGrpSpPr/>
         <p:nvPr/>
       </p:nvGrpSpPr>
@@ -3742,7 +3887,9 @@
       <p:sp>
         <p:nvSpPr>
           <p:cNvPr id="14" name="Google Shape;14;p3"/>
-          <p:cNvSpPr txBox="1"/>
+          <p:cNvSpPr txBox="1">
+            <a:spLocks noGrp="1"/>
+          </p:cNvSpPr>
           <p:nvPr>
             <p:ph type="title"/>
           </p:nvPr>
@@ -3757,7 +3904,7 @@
           </a:prstGeom>
         </p:spPr>
         <p:txBody>
-          <a:bodyPr anchorCtr="0" anchor="ctr" bIns="91425" lIns="91425" spcFirstLastPara="1" rIns="91425" wrap="square" tIns="91425">
+          <a:bodyPr spcFirstLastPara="1" wrap="square" lIns="91425" tIns="91425" rIns="91425" bIns="91425" anchor="ctr" anchorCtr="0">
             <a:normAutofit/>
           </a:bodyPr>
           <a:lstStyle>
@@ -3861,15 +4008,19 @@
               <a:defRPr sz="3600"/>
             </a:lvl9pPr>
           </a:lstStyle>
-          <a:p/>
+          <a:p>
+            <a:endParaRPr/>
+          </a:p>
         </p:txBody>
       </p:sp>
       <p:sp>
         <p:nvSpPr>
           <p:cNvPr id="15" name="Google Shape;15;p3"/>
-          <p:cNvSpPr txBox="1"/>
+          <p:cNvSpPr txBox="1">
+            <a:spLocks noGrp="1"/>
+          </p:cNvSpPr>
           <p:nvPr>
-            <p:ph idx="12" type="sldNum"/>
+            <p:ph type="sldNum" idx="12"/>
           </p:nvPr>
         </p:nvSpPr>
         <p:spPr>
@@ -3882,7 +4033,7 @@
           </a:prstGeom>
         </p:spPr>
         <p:txBody>
-          <a:bodyPr anchorCtr="0" anchor="ctr" bIns="91425" lIns="91425" spcFirstLastPara="1" rIns="91425" wrap="square" tIns="91425">
+          <a:bodyPr spcFirstLastPara="1" wrap="square" lIns="91425" tIns="91425" rIns="91425" bIns="91425" anchor="ctr" anchorCtr="0">
             <a:normAutofit/>
           </a:bodyPr>
           <a:lstStyle>
@@ -3924,7 +4075,7 @@
             </a:lvl9pPr>
           </a:lstStyle>
           <a:p>
-            <a:pPr indent="0" lvl="0" marL="0" rtl="0" algn="r">
+            <a:pPr marL="0" lvl="0" indent="0" algn="r" rtl="0">
               <a:spcBef>
                 <a:spcPts val="0"/>
               </a:spcBef>
@@ -3950,11 +4101,11 @@
 </file>
 
 <file path=ppt/slideLayouts/slideLayout3.xml><?xml version="1.0" encoding="utf-8"?>
-<p:sldLayout xmlns:a="http://schemas.openxmlformats.org/drawingml/2006/main" xmlns:r="http://schemas.openxmlformats.org/officeDocument/2006/relationships" xmlns:mc="http://schemas.openxmlformats.org/markup-compatibility/2006" xmlns:mv="urn:schemas-microsoft-com:mac:vml" xmlns:p="http://schemas.openxmlformats.org/presentationml/2006/main" xmlns:c="http://schemas.openxmlformats.org/drawingml/2006/chart" xmlns:dgm="http://schemas.openxmlformats.org/drawingml/2006/diagram" xmlns:o="urn:schemas-microsoft-com:office:office" xmlns:v="urn:schemas-microsoft-com:vml" xmlns:pvml="urn:schemas-microsoft-com:office:powerpoint" xmlns:com="http://schemas.openxmlformats.org/drawingml/2006/compatibility" xmlns:p14="http://schemas.microsoft.com/office/powerpoint/2010/main" xmlns:p15="http://schemas.microsoft.com/office/powerpoint/2012/main" xmlns:ahyp="http://schemas.microsoft.com/office/drawing/2018/hyperlinkcolor" matchingName="Title and body" type="tx">
+<p:sldLayout xmlns:a="http://schemas.openxmlformats.org/drawingml/2006/main" xmlns:r="http://schemas.openxmlformats.org/officeDocument/2006/relationships" xmlns:p="http://schemas.openxmlformats.org/presentationml/2006/main" matchingName="Title and body" type="tx">
   <p:cSld name="TITLE_AND_BODY">
     <p:spTree>
       <p:nvGrpSpPr>
-        <p:cNvPr id="16" name="Shape 16"/>
+        <p:cNvPr id="1" name="Shape 16"/>
         <p:cNvGrpSpPr/>
         <p:nvPr/>
       </p:nvGrpSpPr>
@@ -3969,7 +4120,9 @@
       <p:sp>
         <p:nvSpPr>
           <p:cNvPr id="17" name="Google Shape;17;p4"/>
-          <p:cNvSpPr txBox="1"/>
+          <p:cNvSpPr txBox="1">
+            <a:spLocks noGrp="1"/>
+          </p:cNvSpPr>
           <p:nvPr>
             <p:ph type="title"/>
           </p:nvPr>
@@ -3984,7 +4137,7 @@
           </a:prstGeom>
         </p:spPr>
         <p:txBody>
-          <a:bodyPr anchorCtr="0" anchor="t" bIns="91425" lIns="91425" spcFirstLastPara="1" rIns="91425" wrap="square" tIns="91425">
+          <a:bodyPr spcFirstLastPara="1" wrap="square" lIns="91425" tIns="91425" rIns="91425" bIns="91425" anchor="t" anchorCtr="0">
             <a:normAutofit/>
           </a:bodyPr>
           <a:lstStyle>
@@ -4088,15 +4241,19 @@
               <a:defRPr/>
             </a:lvl9pPr>
           </a:lstStyle>
-          <a:p/>
+          <a:p>
+            <a:endParaRPr/>
+          </a:p>
         </p:txBody>
       </p:sp>
       <p:sp>
         <p:nvSpPr>
           <p:cNvPr id="18" name="Google Shape;18;p4"/>
-          <p:cNvSpPr txBox="1"/>
+          <p:cNvSpPr txBox="1">
+            <a:spLocks noGrp="1"/>
+          </p:cNvSpPr>
           <p:nvPr>
-            <p:ph idx="1" type="body"/>
+            <p:ph type="body" idx="1"/>
           </p:nvPr>
         </p:nvSpPr>
         <p:spPr>
@@ -4109,11 +4266,11 @@
           </a:prstGeom>
         </p:spPr>
         <p:txBody>
-          <a:bodyPr anchorCtr="0" anchor="t" bIns="91425" lIns="91425" spcFirstLastPara="1" rIns="91425" wrap="square" tIns="91425">
+          <a:bodyPr spcFirstLastPara="1" wrap="square" lIns="91425" tIns="91425" rIns="91425" bIns="91425" anchor="t" anchorCtr="0">
             <a:normAutofit/>
           </a:bodyPr>
           <a:lstStyle>
-            <a:lvl1pPr indent="-342900" lvl="0" marL="457200">
+            <a:lvl1pPr marL="457200" lvl="0" indent="-342900">
               <a:spcBef>
                 <a:spcPts val="0"/>
               </a:spcBef>
@@ -4124,7 +4281,7 @@
               <a:buChar char="●"/>
               <a:defRPr/>
             </a:lvl1pPr>
-            <a:lvl2pPr indent="-317500" lvl="1" marL="914400">
+            <a:lvl2pPr marL="914400" lvl="1" indent="-317500">
               <a:spcBef>
                 <a:spcPts val="0"/>
               </a:spcBef>
@@ -4135,7 +4292,7 @@
               <a:buChar char="○"/>
               <a:defRPr/>
             </a:lvl2pPr>
-            <a:lvl3pPr indent="-317500" lvl="2" marL="1371600">
+            <a:lvl3pPr marL="1371600" lvl="2" indent="-317500">
               <a:spcBef>
                 <a:spcPts val="0"/>
               </a:spcBef>
@@ -4146,7 +4303,7 @@
               <a:buChar char="■"/>
               <a:defRPr/>
             </a:lvl3pPr>
-            <a:lvl4pPr indent="-317500" lvl="3" marL="1828800">
+            <a:lvl4pPr marL="1828800" lvl="3" indent="-317500">
               <a:spcBef>
                 <a:spcPts val="0"/>
               </a:spcBef>
@@ -4157,7 +4314,7 @@
               <a:buChar char="●"/>
               <a:defRPr/>
             </a:lvl4pPr>
-            <a:lvl5pPr indent="-317500" lvl="4" marL="2286000">
+            <a:lvl5pPr marL="2286000" lvl="4" indent="-317500">
               <a:spcBef>
                 <a:spcPts val="0"/>
               </a:spcBef>
@@ -4168,7 +4325,7 @@
               <a:buChar char="○"/>
               <a:defRPr/>
             </a:lvl5pPr>
-            <a:lvl6pPr indent="-317500" lvl="5" marL="2743200">
+            <a:lvl6pPr marL="2743200" lvl="5" indent="-317500">
               <a:spcBef>
                 <a:spcPts val="0"/>
               </a:spcBef>
@@ -4179,7 +4336,7 @@
               <a:buChar char="■"/>
               <a:defRPr/>
             </a:lvl6pPr>
-            <a:lvl7pPr indent="-317500" lvl="6" marL="3200400">
+            <a:lvl7pPr marL="3200400" lvl="6" indent="-317500">
               <a:spcBef>
                 <a:spcPts val="0"/>
               </a:spcBef>
@@ -4190,7 +4347,7 @@
               <a:buChar char="●"/>
               <a:defRPr/>
             </a:lvl7pPr>
-            <a:lvl8pPr indent="-317500" lvl="7" marL="3657600">
+            <a:lvl8pPr marL="3657600" lvl="7" indent="-317500">
               <a:spcBef>
                 <a:spcPts val="0"/>
               </a:spcBef>
@@ -4201,7 +4358,7 @@
               <a:buChar char="○"/>
               <a:defRPr/>
             </a:lvl8pPr>
-            <a:lvl9pPr indent="-317500" lvl="8" marL="4114800">
+            <a:lvl9pPr marL="4114800" lvl="8" indent="-317500">
               <a:spcBef>
                 <a:spcPts val="0"/>
               </a:spcBef>
@@ -4213,15 +4370,19 @@
               <a:defRPr/>
             </a:lvl9pPr>
           </a:lstStyle>
-          <a:p/>
+          <a:p>
+            <a:endParaRPr/>
+          </a:p>
         </p:txBody>
       </p:sp>
       <p:sp>
         <p:nvSpPr>
           <p:cNvPr id="19" name="Google Shape;19;p4"/>
-          <p:cNvSpPr txBox="1"/>
+          <p:cNvSpPr txBox="1">
+            <a:spLocks noGrp="1"/>
+          </p:cNvSpPr>
           <p:nvPr>
-            <p:ph idx="12" type="sldNum"/>
+            <p:ph type="sldNum" idx="12"/>
           </p:nvPr>
         </p:nvSpPr>
         <p:spPr>
@@ -4234,7 +4395,7 @@
           </a:prstGeom>
         </p:spPr>
         <p:txBody>
-          <a:bodyPr anchorCtr="0" anchor="ctr" bIns="91425" lIns="91425" spcFirstLastPara="1" rIns="91425" wrap="square" tIns="91425">
+          <a:bodyPr spcFirstLastPara="1" wrap="square" lIns="91425" tIns="91425" rIns="91425" bIns="91425" anchor="ctr" anchorCtr="0">
             <a:normAutofit/>
           </a:bodyPr>
           <a:lstStyle>
@@ -4276,7 +4437,7 @@
             </a:lvl9pPr>
           </a:lstStyle>
           <a:p>
-            <a:pPr indent="0" lvl="0" marL="0" rtl="0" algn="r">
+            <a:pPr marL="0" lvl="0" indent="0" algn="r" rtl="0">
               <a:spcBef>
                 <a:spcPts val="0"/>
               </a:spcBef>
@@ -4302,11 +4463,11 @@
 </file>
 
 <file path=ppt/slideLayouts/slideLayout4.xml><?xml version="1.0" encoding="utf-8"?>
-<p:sldLayout xmlns:a="http://schemas.openxmlformats.org/drawingml/2006/main" xmlns:r="http://schemas.openxmlformats.org/officeDocument/2006/relationships" xmlns:mc="http://schemas.openxmlformats.org/markup-compatibility/2006" xmlns:mv="urn:schemas-microsoft-com:mac:vml" xmlns:p="http://schemas.openxmlformats.org/presentationml/2006/main" xmlns:c="http://schemas.openxmlformats.org/drawingml/2006/chart" xmlns:dgm="http://schemas.openxmlformats.org/drawingml/2006/diagram" xmlns:o="urn:schemas-microsoft-com:office:office" xmlns:v="urn:schemas-microsoft-com:vml" xmlns:pvml="urn:schemas-microsoft-com:office:powerpoint" xmlns:com="http://schemas.openxmlformats.org/drawingml/2006/compatibility" xmlns:p14="http://schemas.microsoft.com/office/powerpoint/2010/main" xmlns:p15="http://schemas.microsoft.com/office/powerpoint/2012/main" xmlns:ahyp="http://schemas.microsoft.com/office/drawing/2018/hyperlinkcolor" matchingName="Title and two columns" type="twoColTx">
+<p:sldLayout xmlns:a="http://schemas.openxmlformats.org/drawingml/2006/main" xmlns:r="http://schemas.openxmlformats.org/officeDocument/2006/relationships" xmlns:p="http://schemas.openxmlformats.org/presentationml/2006/main" matchingName="Title and two columns" type="twoColTx">
   <p:cSld name="TITLE_AND_TWO_COLUMNS">
     <p:spTree>
       <p:nvGrpSpPr>
-        <p:cNvPr id="20" name="Shape 20"/>
+        <p:cNvPr id="1" name="Shape 20"/>
         <p:cNvGrpSpPr/>
         <p:nvPr/>
       </p:nvGrpSpPr>
@@ -4321,7 +4482,9 @@
       <p:sp>
         <p:nvSpPr>
           <p:cNvPr id="21" name="Google Shape;21;p5"/>
-          <p:cNvSpPr txBox="1"/>
+          <p:cNvSpPr txBox="1">
+            <a:spLocks noGrp="1"/>
+          </p:cNvSpPr>
           <p:nvPr>
             <p:ph type="title"/>
           </p:nvPr>
@@ -4336,7 +4499,7 @@
           </a:prstGeom>
         </p:spPr>
         <p:txBody>
-          <a:bodyPr anchorCtr="0" anchor="t" bIns="91425" lIns="91425" spcFirstLastPara="1" rIns="91425" wrap="square" tIns="91425">
+          <a:bodyPr spcFirstLastPara="1" wrap="square" lIns="91425" tIns="91425" rIns="91425" bIns="91425" anchor="t" anchorCtr="0">
             <a:normAutofit/>
           </a:bodyPr>
           <a:lstStyle>
@@ -4440,15 +4603,19 @@
               <a:defRPr/>
             </a:lvl9pPr>
           </a:lstStyle>
-          <a:p/>
+          <a:p>
+            <a:endParaRPr/>
+          </a:p>
         </p:txBody>
       </p:sp>
       <p:sp>
         <p:nvSpPr>
           <p:cNvPr id="22" name="Google Shape;22;p5"/>
-          <p:cNvSpPr txBox="1"/>
+          <p:cNvSpPr txBox="1">
+            <a:spLocks noGrp="1"/>
+          </p:cNvSpPr>
           <p:nvPr>
-            <p:ph idx="1" type="body"/>
+            <p:ph type="body" idx="1"/>
           </p:nvPr>
         </p:nvSpPr>
         <p:spPr>
@@ -4461,11 +4628,11 @@
           </a:prstGeom>
         </p:spPr>
         <p:txBody>
-          <a:bodyPr anchorCtr="0" anchor="t" bIns="91425" lIns="91425" spcFirstLastPara="1" rIns="91425" wrap="square" tIns="91425">
+          <a:bodyPr spcFirstLastPara="1" wrap="square" lIns="91425" tIns="91425" rIns="91425" bIns="91425" anchor="t" anchorCtr="0">
             <a:normAutofit/>
           </a:bodyPr>
           <a:lstStyle>
-            <a:lvl1pPr indent="-317500" lvl="0" marL="457200">
+            <a:lvl1pPr marL="457200" lvl="0" indent="-317500">
               <a:spcBef>
                 <a:spcPts val="0"/>
               </a:spcBef>
@@ -4476,7 +4643,7 @@
               <a:buChar char="●"/>
               <a:defRPr sz="1400"/>
             </a:lvl1pPr>
-            <a:lvl2pPr indent="-304800" lvl="1" marL="914400">
+            <a:lvl2pPr marL="914400" lvl="1" indent="-304800">
               <a:spcBef>
                 <a:spcPts val="0"/>
               </a:spcBef>
@@ -4487,7 +4654,7 @@
               <a:buChar char="○"/>
               <a:defRPr sz="1200"/>
             </a:lvl2pPr>
-            <a:lvl3pPr indent="-304800" lvl="2" marL="1371600">
+            <a:lvl3pPr marL="1371600" lvl="2" indent="-304800">
               <a:spcBef>
                 <a:spcPts val="0"/>
               </a:spcBef>
@@ -4498,7 +4665,7 @@
               <a:buChar char="■"/>
               <a:defRPr sz="1200"/>
             </a:lvl3pPr>
-            <a:lvl4pPr indent="-304800" lvl="3" marL="1828800">
+            <a:lvl4pPr marL="1828800" lvl="3" indent="-304800">
               <a:spcBef>
                 <a:spcPts val="0"/>
               </a:spcBef>
@@ -4509,7 +4676,7 @@
               <a:buChar char="●"/>
               <a:defRPr sz="1200"/>
             </a:lvl4pPr>
-            <a:lvl5pPr indent="-304800" lvl="4" marL="2286000">
+            <a:lvl5pPr marL="2286000" lvl="4" indent="-304800">
               <a:spcBef>
                 <a:spcPts val="0"/>
               </a:spcBef>
@@ -4520,7 +4687,7 @@
               <a:buChar char="○"/>
               <a:defRPr sz="1200"/>
             </a:lvl5pPr>
-            <a:lvl6pPr indent="-304800" lvl="5" marL="2743200">
+            <a:lvl6pPr marL="2743200" lvl="5" indent="-304800">
               <a:spcBef>
                 <a:spcPts val="0"/>
               </a:spcBef>
@@ -4531,7 +4698,7 @@
               <a:buChar char="■"/>
               <a:defRPr sz="1200"/>
             </a:lvl6pPr>
-            <a:lvl7pPr indent="-304800" lvl="6" marL="3200400">
+            <a:lvl7pPr marL="3200400" lvl="6" indent="-304800">
               <a:spcBef>
                 <a:spcPts val="0"/>
               </a:spcBef>
@@ -4542,7 +4709,7 @@
               <a:buChar char="●"/>
               <a:defRPr sz="1200"/>
             </a:lvl7pPr>
-            <a:lvl8pPr indent="-304800" lvl="7" marL="3657600">
+            <a:lvl8pPr marL="3657600" lvl="7" indent="-304800">
               <a:spcBef>
                 <a:spcPts val="0"/>
               </a:spcBef>
@@ -4553,7 +4720,7 @@
               <a:buChar char="○"/>
               <a:defRPr sz="1200"/>
             </a:lvl8pPr>
-            <a:lvl9pPr indent="-304800" lvl="8" marL="4114800">
+            <a:lvl9pPr marL="4114800" lvl="8" indent="-304800">
               <a:spcBef>
                 <a:spcPts val="0"/>
               </a:spcBef>
@@ -4565,15 +4732,19 @@
               <a:defRPr sz="1200"/>
             </a:lvl9pPr>
           </a:lstStyle>
-          <a:p/>
+          <a:p>
+            <a:endParaRPr/>
+          </a:p>
         </p:txBody>
       </p:sp>
       <p:sp>
         <p:nvSpPr>
           <p:cNvPr id="23" name="Google Shape;23;p5"/>
-          <p:cNvSpPr txBox="1"/>
+          <p:cNvSpPr txBox="1">
+            <a:spLocks noGrp="1"/>
+          </p:cNvSpPr>
           <p:nvPr>
-            <p:ph idx="2" type="body"/>
+            <p:ph type="body" idx="2"/>
           </p:nvPr>
         </p:nvSpPr>
         <p:spPr>
@@ -4586,11 +4757,11 @@
           </a:prstGeom>
         </p:spPr>
         <p:txBody>
-          <a:bodyPr anchorCtr="0" anchor="t" bIns="91425" lIns="91425" spcFirstLastPara="1" rIns="91425" wrap="square" tIns="91425">
+          <a:bodyPr spcFirstLastPara="1" wrap="square" lIns="91425" tIns="91425" rIns="91425" bIns="91425" anchor="t" anchorCtr="0">
             <a:normAutofit/>
           </a:bodyPr>
           <a:lstStyle>
-            <a:lvl1pPr indent="-317500" lvl="0" marL="457200">
+            <a:lvl1pPr marL="457200" lvl="0" indent="-317500">
               <a:spcBef>
                 <a:spcPts val="0"/>
               </a:spcBef>
@@ -4601,7 +4772,7 @@
               <a:buChar char="●"/>
               <a:defRPr sz="1400"/>
             </a:lvl1pPr>
-            <a:lvl2pPr indent="-304800" lvl="1" marL="914400">
+            <a:lvl2pPr marL="914400" lvl="1" indent="-304800">
               <a:spcBef>
                 <a:spcPts val="0"/>
               </a:spcBef>
@@ -4612,7 +4783,7 @@
               <a:buChar char="○"/>
               <a:defRPr sz="1200"/>
             </a:lvl2pPr>
-            <a:lvl3pPr indent="-304800" lvl="2" marL="1371600">
+            <a:lvl3pPr marL="1371600" lvl="2" indent="-304800">
               <a:spcBef>
                 <a:spcPts val="0"/>
               </a:spcBef>
@@ -4623,7 +4794,7 @@
               <a:buChar char="■"/>
               <a:defRPr sz="1200"/>
             </a:lvl3pPr>
-            <a:lvl4pPr indent="-304800" lvl="3" marL="1828800">
+            <a:lvl4pPr marL="1828800" lvl="3" indent="-304800">
               <a:spcBef>
                 <a:spcPts val="0"/>
               </a:spcBef>
@@ -4634,7 +4805,7 @@
               <a:buChar char="●"/>
               <a:defRPr sz="1200"/>
             </a:lvl4pPr>
-            <a:lvl5pPr indent="-304800" lvl="4" marL="2286000">
+            <a:lvl5pPr marL="2286000" lvl="4" indent="-304800">
               <a:spcBef>
                 <a:spcPts val="0"/>
               </a:spcBef>
@@ -4645,7 +4816,7 @@
               <a:buChar char="○"/>
               <a:defRPr sz="1200"/>
             </a:lvl5pPr>
-            <a:lvl6pPr indent="-304800" lvl="5" marL="2743200">
+            <a:lvl6pPr marL="2743200" lvl="5" indent="-304800">
               <a:spcBef>
                 <a:spcPts val="0"/>
               </a:spcBef>
@@ -4656,7 +4827,7 @@
               <a:buChar char="■"/>
               <a:defRPr sz="1200"/>
             </a:lvl6pPr>
-            <a:lvl7pPr indent="-304800" lvl="6" marL="3200400">
+            <a:lvl7pPr marL="3200400" lvl="6" indent="-304800">
               <a:spcBef>
                 <a:spcPts val="0"/>
               </a:spcBef>
@@ -4667,7 +4838,7 @@
               <a:buChar char="●"/>
               <a:defRPr sz="1200"/>
             </a:lvl7pPr>
-            <a:lvl8pPr indent="-304800" lvl="7" marL="3657600">
+            <a:lvl8pPr marL="3657600" lvl="7" indent="-304800">
               <a:spcBef>
                 <a:spcPts val="0"/>
               </a:spcBef>
@@ -4678,7 +4849,7 @@
               <a:buChar char="○"/>
               <a:defRPr sz="1200"/>
             </a:lvl8pPr>
-            <a:lvl9pPr indent="-304800" lvl="8" marL="4114800">
+            <a:lvl9pPr marL="4114800" lvl="8" indent="-304800">
               <a:spcBef>
                 <a:spcPts val="0"/>
               </a:spcBef>
@@ -4690,15 +4861,19 @@
               <a:defRPr sz="1200"/>
             </a:lvl9pPr>
           </a:lstStyle>
-          <a:p/>
+          <a:p>
+            <a:endParaRPr/>
+          </a:p>
         </p:txBody>
       </p:sp>
       <p:sp>
         <p:nvSpPr>
           <p:cNvPr id="24" name="Google Shape;24;p5"/>
-          <p:cNvSpPr txBox="1"/>
+          <p:cNvSpPr txBox="1">
+            <a:spLocks noGrp="1"/>
+          </p:cNvSpPr>
           <p:nvPr>
-            <p:ph idx="12" type="sldNum"/>
+            <p:ph type="sldNum" idx="12"/>
           </p:nvPr>
         </p:nvSpPr>
         <p:spPr>
@@ -4711,7 +4886,7 @@
           </a:prstGeom>
         </p:spPr>
         <p:txBody>
-          <a:bodyPr anchorCtr="0" anchor="ctr" bIns="91425" lIns="91425" spcFirstLastPara="1" rIns="91425" wrap="square" tIns="91425">
+          <a:bodyPr spcFirstLastPara="1" wrap="square" lIns="91425" tIns="91425" rIns="91425" bIns="91425" anchor="ctr" anchorCtr="0">
             <a:normAutofit/>
           </a:bodyPr>
           <a:lstStyle>
@@ -4753,7 +4928,7 @@
             </a:lvl9pPr>
           </a:lstStyle>
           <a:p>
-            <a:pPr indent="0" lvl="0" marL="0" rtl="0" algn="r">
+            <a:pPr marL="0" lvl="0" indent="0" algn="r" rtl="0">
               <a:spcBef>
                 <a:spcPts val="0"/>
               </a:spcBef>
@@ -4779,11 +4954,11 @@
 </file>
 
 <file path=ppt/slideLayouts/slideLayout5.xml><?xml version="1.0" encoding="utf-8"?>
-<p:sldLayout xmlns:a="http://schemas.openxmlformats.org/drawingml/2006/main" xmlns:r="http://schemas.openxmlformats.org/officeDocument/2006/relationships" xmlns:mc="http://schemas.openxmlformats.org/markup-compatibility/2006" xmlns:mv="urn:schemas-microsoft-com:mac:vml" xmlns:p="http://schemas.openxmlformats.org/presentationml/2006/main" xmlns:c="http://schemas.openxmlformats.org/drawingml/2006/chart" xmlns:dgm="http://schemas.openxmlformats.org/drawingml/2006/diagram" xmlns:o="urn:schemas-microsoft-com:office:office" xmlns:v="urn:schemas-microsoft-com:vml" xmlns:pvml="urn:schemas-microsoft-com:office:powerpoint" xmlns:com="http://schemas.openxmlformats.org/drawingml/2006/compatibility" xmlns:p14="http://schemas.microsoft.com/office/powerpoint/2010/main" xmlns:p15="http://schemas.microsoft.com/office/powerpoint/2012/main" xmlns:ahyp="http://schemas.microsoft.com/office/drawing/2018/hyperlinkcolor" matchingName="Title only" type="titleOnly">
+<p:sldLayout xmlns:a="http://schemas.openxmlformats.org/drawingml/2006/main" xmlns:r="http://schemas.openxmlformats.org/officeDocument/2006/relationships" xmlns:p="http://schemas.openxmlformats.org/presentationml/2006/main" matchingName="Title only" type="titleOnly">
   <p:cSld name="TITLE_ONLY">
     <p:spTree>
       <p:nvGrpSpPr>
-        <p:cNvPr id="25" name="Shape 25"/>
+        <p:cNvPr id="1" name="Shape 25"/>
         <p:cNvGrpSpPr/>
         <p:nvPr/>
       </p:nvGrpSpPr>
@@ -4798,7 +4973,9 @@
       <p:sp>
         <p:nvSpPr>
           <p:cNvPr id="26" name="Google Shape;26;p6"/>
-          <p:cNvSpPr txBox="1"/>
+          <p:cNvSpPr txBox="1">
+            <a:spLocks noGrp="1"/>
+          </p:cNvSpPr>
           <p:nvPr>
             <p:ph type="title"/>
           </p:nvPr>
@@ -4813,7 +4990,7 @@
           </a:prstGeom>
         </p:spPr>
         <p:txBody>
-          <a:bodyPr anchorCtr="0" anchor="t" bIns="91425" lIns="91425" spcFirstLastPara="1" rIns="91425" wrap="square" tIns="91425">
+          <a:bodyPr spcFirstLastPara="1" wrap="square" lIns="91425" tIns="91425" rIns="91425" bIns="91425" anchor="t" anchorCtr="0">
             <a:normAutofit/>
           </a:bodyPr>
           <a:lstStyle>
@@ -4917,15 +5094,19 @@
               <a:defRPr/>
             </a:lvl9pPr>
           </a:lstStyle>
-          <a:p/>
+          <a:p>
+            <a:endParaRPr/>
+          </a:p>
         </p:txBody>
       </p:sp>
       <p:sp>
         <p:nvSpPr>
           <p:cNvPr id="27" name="Google Shape;27;p6"/>
-          <p:cNvSpPr txBox="1"/>
+          <p:cNvSpPr txBox="1">
+            <a:spLocks noGrp="1"/>
+          </p:cNvSpPr>
           <p:nvPr>
-            <p:ph idx="12" type="sldNum"/>
+            <p:ph type="sldNum" idx="12"/>
           </p:nvPr>
         </p:nvSpPr>
         <p:spPr>
@@ -4938,7 +5119,7 @@
           </a:prstGeom>
         </p:spPr>
         <p:txBody>
-          <a:bodyPr anchorCtr="0" anchor="ctr" bIns="91425" lIns="91425" spcFirstLastPara="1" rIns="91425" wrap="square" tIns="91425">
+          <a:bodyPr spcFirstLastPara="1" wrap="square" lIns="91425" tIns="91425" rIns="91425" bIns="91425" anchor="ctr" anchorCtr="0">
             <a:normAutofit/>
           </a:bodyPr>
           <a:lstStyle>
@@ -4980,7 +5161,7 @@
             </a:lvl9pPr>
           </a:lstStyle>
           <a:p>
-            <a:pPr indent="0" lvl="0" marL="0" rtl="0" algn="r">
+            <a:pPr marL="0" lvl="0" indent="0" algn="r" rtl="0">
               <a:spcBef>
                 <a:spcPts val="0"/>
               </a:spcBef>
@@ -5006,11 +5187,11 @@
 </file>
 
 <file path=ppt/slideLayouts/slideLayout6.xml><?xml version="1.0" encoding="utf-8"?>
-<p:sldLayout xmlns:a="http://schemas.openxmlformats.org/drawingml/2006/main" xmlns:r="http://schemas.openxmlformats.org/officeDocument/2006/relationships" xmlns:mc="http://schemas.openxmlformats.org/markup-compatibility/2006" xmlns:mv="urn:schemas-microsoft-com:mac:vml" xmlns:p="http://schemas.openxmlformats.org/presentationml/2006/main" xmlns:c="http://schemas.openxmlformats.org/drawingml/2006/chart" xmlns:dgm="http://schemas.openxmlformats.org/drawingml/2006/diagram" xmlns:o="urn:schemas-microsoft-com:office:office" xmlns:v="urn:schemas-microsoft-com:vml" xmlns:pvml="urn:schemas-microsoft-com:office:powerpoint" xmlns:com="http://schemas.openxmlformats.org/drawingml/2006/compatibility" xmlns:p14="http://schemas.microsoft.com/office/powerpoint/2010/main" xmlns:p15="http://schemas.microsoft.com/office/powerpoint/2012/main" xmlns:ahyp="http://schemas.microsoft.com/office/drawing/2018/hyperlinkcolor" matchingName="One column text">
+<p:sldLayout xmlns:a="http://schemas.openxmlformats.org/drawingml/2006/main" xmlns:r="http://schemas.openxmlformats.org/officeDocument/2006/relationships" xmlns:p="http://schemas.openxmlformats.org/presentationml/2006/main" matchingName="One column text">
   <p:cSld name="ONE_COLUMN_TEXT">
     <p:spTree>
       <p:nvGrpSpPr>
-        <p:cNvPr id="28" name="Shape 28"/>
+        <p:cNvPr id="1" name="Shape 28"/>
         <p:cNvGrpSpPr/>
         <p:nvPr/>
       </p:nvGrpSpPr>
@@ -5025,7 +5206,9 @@
       <p:sp>
         <p:nvSpPr>
           <p:cNvPr id="29" name="Google Shape;29;p7"/>
-          <p:cNvSpPr txBox="1"/>
+          <p:cNvSpPr txBox="1">
+            <a:spLocks noGrp="1"/>
+          </p:cNvSpPr>
           <p:nvPr>
             <p:ph type="title"/>
           </p:nvPr>
@@ -5040,7 +5223,7 @@
           </a:prstGeom>
         </p:spPr>
         <p:txBody>
-          <a:bodyPr anchorCtr="0" anchor="b" bIns="91425" lIns="91425" spcFirstLastPara="1" rIns="91425" wrap="square" tIns="91425">
+          <a:bodyPr spcFirstLastPara="1" wrap="square" lIns="91425" tIns="91425" rIns="91425" bIns="91425" anchor="b" anchorCtr="0">
             <a:normAutofit/>
           </a:bodyPr>
           <a:lstStyle>
@@ -5144,15 +5327,19 @@
               <a:defRPr sz="2400"/>
             </a:lvl9pPr>
           </a:lstStyle>
-          <a:p/>
+          <a:p>
+            <a:endParaRPr/>
+          </a:p>
         </p:txBody>
       </p:sp>
       <p:sp>
         <p:nvSpPr>
           <p:cNvPr id="30" name="Google Shape;30;p7"/>
-          <p:cNvSpPr txBox="1"/>
+          <p:cNvSpPr txBox="1">
+            <a:spLocks noGrp="1"/>
+          </p:cNvSpPr>
           <p:nvPr>
-            <p:ph idx="1" type="body"/>
+            <p:ph type="body" idx="1"/>
           </p:nvPr>
         </p:nvSpPr>
         <p:spPr>
@@ -5165,11 +5352,11 @@
           </a:prstGeom>
         </p:spPr>
         <p:txBody>
-          <a:bodyPr anchorCtr="0" anchor="t" bIns="91425" lIns="91425" spcFirstLastPara="1" rIns="91425" wrap="square" tIns="91425">
+          <a:bodyPr spcFirstLastPara="1" wrap="square" lIns="91425" tIns="91425" rIns="91425" bIns="91425" anchor="t" anchorCtr="0">
             <a:normAutofit/>
           </a:bodyPr>
           <a:lstStyle>
-            <a:lvl1pPr indent="-304800" lvl="0" marL="457200">
+            <a:lvl1pPr marL="457200" lvl="0" indent="-304800">
               <a:spcBef>
                 <a:spcPts val="0"/>
               </a:spcBef>
@@ -5180,7 +5367,7 @@
               <a:buChar char="●"/>
               <a:defRPr sz="1200"/>
             </a:lvl1pPr>
-            <a:lvl2pPr indent="-304800" lvl="1" marL="914400">
+            <a:lvl2pPr marL="914400" lvl="1" indent="-304800">
               <a:spcBef>
                 <a:spcPts val="0"/>
               </a:spcBef>
@@ -5191,7 +5378,7 @@
               <a:buChar char="○"/>
               <a:defRPr sz="1200"/>
             </a:lvl2pPr>
-            <a:lvl3pPr indent="-304800" lvl="2" marL="1371600">
+            <a:lvl3pPr marL="1371600" lvl="2" indent="-304800">
               <a:spcBef>
                 <a:spcPts val="0"/>
               </a:spcBef>
@@ -5202,7 +5389,7 @@
               <a:buChar char="■"/>
               <a:defRPr sz="1200"/>
             </a:lvl3pPr>
-            <a:lvl4pPr indent="-304800" lvl="3" marL="1828800">
+            <a:lvl4pPr marL="1828800" lvl="3" indent="-304800">
               <a:spcBef>
                 <a:spcPts val="0"/>
               </a:spcBef>
@@ -5213,7 +5400,7 @@
               <a:buChar char="●"/>
               <a:defRPr sz="1200"/>
             </a:lvl4pPr>
-            <a:lvl5pPr indent="-304800" lvl="4" marL="2286000">
+            <a:lvl5pPr marL="2286000" lvl="4" indent="-304800">
               <a:spcBef>
                 <a:spcPts val="0"/>
               </a:spcBef>
@@ -5224,7 +5411,7 @@
               <a:buChar char="○"/>
               <a:defRPr sz="1200"/>
             </a:lvl5pPr>
-            <a:lvl6pPr indent="-304800" lvl="5" marL="2743200">
+            <a:lvl6pPr marL="2743200" lvl="5" indent="-304800">
               <a:spcBef>
                 <a:spcPts val="0"/>
               </a:spcBef>
@@ -5235,7 +5422,7 @@
               <a:buChar char="■"/>
               <a:defRPr sz="1200"/>
             </a:lvl6pPr>
-            <a:lvl7pPr indent="-304800" lvl="6" marL="3200400">
+            <a:lvl7pPr marL="3200400" lvl="6" indent="-304800">
               <a:spcBef>
                 <a:spcPts val="0"/>
               </a:spcBef>
@@ -5246,7 +5433,7 @@
               <a:buChar char="●"/>
               <a:defRPr sz="1200"/>
             </a:lvl7pPr>
-            <a:lvl8pPr indent="-304800" lvl="7" marL="3657600">
+            <a:lvl8pPr marL="3657600" lvl="7" indent="-304800">
               <a:spcBef>
                 <a:spcPts val="0"/>
               </a:spcBef>
@@ -5257,7 +5444,7 @@
               <a:buChar char="○"/>
               <a:defRPr sz="1200"/>
             </a:lvl8pPr>
-            <a:lvl9pPr indent="-304800" lvl="8" marL="4114800">
+            <a:lvl9pPr marL="4114800" lvl="8" indent="-304800">
               <a:spcBef>
                 <a:spcPts val="0"/>
               </a:spcBef>
@@ -5269,15 +5456,19 @@
               <a:defRPr sz="1200"/>
             </a:lvl9pPr>
           </a:lstStyle>
-          <a:p/>
+          <a:p>
+            <a:endParaRPr/>
+          </a:p>
         </p:txBody>
       </p:sp>
       <p:sp>
         <p:nvSpPr>
           <p:cNvPr id="31" name="Google Shape;31;p7"/>
-          <p:cNvSpPr txBox="1"/>
+          <p:cNvSpPr txBox="1">
+            <a:spLocks noGrp="1"/>
+          </p:cNvSpPr>
           <p:nvPr>
-            <p:ph idx="12" type="sldNum"/>
+            <p:ph type="sldNum" idx="12"/>
           </p:nvPr>
         </p:nvSpPr>
         <p:spPr>
@@ -5290,7 +5481,7 @@
           </a:prstGeom>
         </p:spPr>
         <p:txBody>
-          <a:bodyPr anchorCtr="0" anchor="ctr" bIns="91425" lIns="91425" spcFirstLastPara="1" rIns="91425" wrap="square" tIns="91425">
+          <a:bodyPr spcFirstLastPara="1" wrap="square" lIns="91425" tIns="91425" rIns="91425" bIns="91425" anchor="ctr" anchorCtr="0">
             <a:normAutofit/>
           </a:bodyPr>
           <a:lstStyle>
@@ -5332,7 +5523,7 @@
             </a:lvl9pPr>
           </a:lstStyle>
           <a:p>
-            <a:pPr indent="0" lvl="0" marL="0" rtl="0" algn="r">
+            <a:pPr marL="0" lvl="0" indent="0" algn="r" rtl="0">
               <a:spcBef>
                 <a:spcPts val="0"/>
               </a:spcBef>
@@ -5358,11 +5549,11 @@
 </file>
 
 <file path=ppt/slideLayouts/slideLayout7.xml><?xml version="1.0" encoding="utf-8"?>
-<p:sldLayout xmlns:a="http://schemas.openxmlformats.org/drawingml/2006/main" xmlns:r="http://schemas.openxmlformats.org/officeDocument/2006/relationships" xmlns:mc="http://schemas.openxmlformats.org/markup-compatibility/2006" xmlns:mv="urn:schemas-microsoft-com:mac:vml" xmlns:p="http://schemas.openxmlformats.org/presentationml/2006/main" xmlns:c="http://schemas.openxmlformats.org/drawingml/2006/chart" xmlns:dgm="http://schemas.openxmlformats.org/drawingml/2006/diagram" xmlns:o="urn:schemas-microsoft-com:office:office" xmlns:v="urn:schemas-microsoft-com:vml" xmlns:pvml="urn:schemas-microsoft-com:office:powerpoint" xmlns:com="http://schemas.openxmlformats.org/drawingml/2006/compatibility" xmlns:p14="http://schemas.microsoft.com/office/powerpoint/2010/main" xmlns:p15="http://schemas.microsoft.com/office/powerpoint/2012/main" xmlns:ahyp="http://schemas.microsoft.com/office/drawing/2018/hyperlinkcolor" matchingName="Main point">
+<p:sldLayout xmlns:a="http://schemas.openxmlformats.org/drawingml/2006/main" xmlns:r="http://schemas.openxmlformats.org/officeDocument/2006/relationships" xmlns:p="http://schemas.openxmlformats.org/presentationml/2006/main" matchingName="Main point">
   <p:cSld name="MAIN_POINT">
     <p:spTree>
       <p:nvGrpSpPr>
-        <p:cNvPr id="32" name="Shape 32"/>
+        <p:cNvPr id="1" name="Shape 32"/>
         <p:cNvGrpSpPr/>
         <p:nvPr/>
       </p:nvGrpSpPr>
@@ -5377,7 +5568,9 @@
       <p:sp>
         <p:nvSpPr>
           <p:cNvPr id="33" name="Google Shape;33;p8"/>
-          <p:cNvSpPr txBox="1"/>
+          <p:cNvSpPr txBox="1">
+            <a:spLocks noGrp="1"/>
+          </p:cNvSpPr>
           <p:nvPr>
             <p:ph type="title"/>
           </p:nvPr>
@@ -5392,7 +5585,7 @@
           </a:prstGeom>
         </p:spPr>
         <p:txBody>
-          <a:bodyPr anchorCtr="0" anchor="ctr" bIns="91425" lIns="91425" spcFirstLastPara="1" rIns="91425" wrap="square" tIns="91425">
+          <a:bodyPr spcFirstLastPara="1" wrap="square" lIns="91425" tIns="91425" rIns="91425" bIns="91425" anchor="ctr" anchorCtr="0">
             <a:normAutofit/>
           </a:bodyPr>
           <a:lstStyle>
@@ -5496,15 +5689,19 @@
               <a:defRPr sz="4800"/>
             </a:lvl9pPr>
           </a:lstStyle>
-          <a:p/>
+          <a:p>
+            <a:endParaRPr/>
+          </a:p>
         </p:txBody>
       </p:sp>
       <p:sp>
         <p:nvSpPr>
           <p:cNvPr id="34" name="Google Shape;34;p8"/>
-          <p:cNvSpPr txBox="1"/>
+          <p:cNvSpPr txBox="1">
+            <a:spLocks noGrp="1"/>
+          </p:cNvSpPr>
           <p:nvPr>
-            <p:ph idx="12" type="sldNum"/>
+            <p:ph type="sldNum" idx="12"/>
           </p:nvPr>
         </p:nvSpPr>
         <p:spPr>
@@ -5517,7 +5714,7 @@
           </a:prstGeom>
         </p:spPr>
         <p:txBody>
-          <a:bodyPr anchorCtr="0" anchor="ctr" bIns="91425" lIns="91425" spcFirstLastPara="1" rIns="91425" wrap="square" tIns="91425">
+          <a:bodyPr spcFirstLastPara="1" wrap="square" lIns="91425" tIns="91425" rIns="91425" bIns="91425" anchor="ctr" anchorCtr="0">
             <a:normAutofit/>
           </a:bodyPr>
           <a:lstStyle>
@@ -5559,7 +5756,7 @@
             </a:lvl9pPr>
           </a:lstStyle>
           <a:p>
-            <a:pPr indent="0" lvl="0" marL="0" rtl="0" algn="r">
+            <a:pPr marL="0" lvl="0" indent="0" algn="r" rtl="0">
               <a:spcBef>
                 <a:spcPts val="0"/>
               </a:spcBef>
@@ -5585,11 +5782,11 @@
 </file>
 
 <file path=ppt/slideLayouts/slideLayout8.xml><?xml version="1.0" encoding="utf-8"?>
-<p:sldLayout xmlns:a="http://schemas.openxmlformats.org/drawingml/2006/main" xmlns:r="http://schemas.openxmlformats.org/officeDocument/2006/relationships" xmlns:mc="http://schemas.openxmlformats.org/markup-compatibility/2006" xmlns:mv="urn:schemas-microsoft-com:mac:vml" xmlns:p="http://schemas.openxmlformats.org/presentationml/2006/main" xmlns:c="http://schemas.openxmlformats.org/drawingml/2006/chart" xmlns:dgm="http://schemas.openxmlformats.org/drawingml/2006/diagram" xmlns:o="urn:schemas-microsoft-com:office:office" xmlns:v="urn:schemas-microsoft-com:vml" xmlns:pvml="urn:schemas-microsoft-com:office:powerpoint" xmlns:com="http://schemas.openxmlformats.org/drawingml/2006/compatibility" xmlns:p14="http://schemas.microsoft.com/office/powerpoint/2010/main" xmlns:p15="http://schemas.microsoft.com/office/powerpoint/2012/main" xmlns:ahyp="http://schemas.microsoft.com/office/drawing/2018/hyperlinkcolor" matchingName="Section title and description">
+<p:sldLayout xmlns:a="http://schemas.openxmlformats.org/drawingml/2006/main" xmlns:r="http://schemas.openxmlformats.org/officeDocument/2006/relationships" xmlns:p="http://schemas.openxmlformats.org/presentationml/2006/main" matchingName="Section title and description">
   <p:cSld name="SECTION_TITLE_AND_DESCRIPTION">
     <p:spTree>
       <p:nvGrpSpPr>
-        <p:cNvPr id="35" name="Shape 35"/>
+        <p:cNvPr id="1" name="Shape 35"/>
         <p:cNvGrpSpPr/>
         <p:nvPr/>
       </p:nvGrpSpPr>
@@ -5623,12 +5820,12 @@
           </a:ln>
         </p:spPr>
         <p:txBody>
-          <a:bodyPr anchorCtr="0" anchor="ctr" bIns="91425" lIns="91425" spcFirstLastPara="1" rIns="91425" wrap="square" tIns="91425">
+          <a:bodyPr spcFirstLastPara="1" wrap="square" lIns="91425" tIns="91425" rIns="91425" bIns="91425" anchor="ctr" anchorCtr="0">
             <a:noAutofit/>
           </a:bodyPr>
           <a:lstStyle/>
           <a:p>
-            <a:pPr indent="0" lvl="0" marL="0" rtl="0" algn="l">
+            <a:pPr marL="0" lvl="0" indent="0" algn="l" rtl="0">
               <a:spcBef>
                 <a:spcPts val="0"/>
               </a:spcBef>
@@ -5637,9 +5834,6 @@
               </a:spcAft>
               <a:buNone/>
             </a:pPr>
-            <a:r>
-              <a:t/>
-            </a:r>
             <a:endParaRPr/>
           </a:p>
         </p:txBody>
@@ -5647,7 +5841,9 @@
       <p:sp>
         <p:nvSpPr>
           <p:cNvPr id="37" name="Google Shape;37;p9"/>
-          <p:cNvSpPr txBox="1"/>
+          <p:cNvSpPr txBox="1">
+            <a:spLocks noGrp="1"/>
+          </p:cNvSpPr>
           <p:nvPr>
             <p:ph type="title"/>
           </p:nvPr>
@@ -5662,7 +5858,7 @@
           </a:prstGeom>
         </p:spPr>
         <p:txBody>
-          <a:bodyPr anchorCtr="0" anchor="b" bIns="91425" lIns="91425" spcFirstLastPara="1" rIns="91425" wrap="square" tIns="91425">
+          <a:bodyPr spcFirstLastPara="1" wrap="square" lIns="91425" tIns="91425" rIns="91425" bIns="91425" anchor="b" anchorCtr="0">
             <a:normAutofit/>
           </a:bodyPr>
           <a:lstStyle>
@@ -5766,15 +5962,19 @@
               <a:defRPr sz="4200"/>
             </a:lvl9pPr>
           </a:lstStyle>
-          <a:p/>
+          <a:p>
+            <a:endParaRPr/>
+          </a:p>
         </p:txBody>
       </p:sp>
       <p:sp>
         <p:nvSpPr>
           <p:cNvPr id="38" name="Google Shape;38;p9"/>
-          <p:cNvSpPr txBox="1"/>
+          <p:cNvSpPr txBox="1">
+            <a:spLocks noGrp="1"/>
+          </p:cNvSpPr>
           <p:nvPr>
-            <p:ph idx="1" type="subTitle"/>
+            <p:ph type="subTitle" idx="1"/>
           </p:nvPr>
         </p:nvSpPr>
         <p:spPr>
@@ -5787,7 +5987,7 @@
           </a:prstGeom>
         </p:spPr>
         <p:txBody>
-          <a:bodyPr anchorCtr="0" anchor="t" bIns="91425" lIns="91425" spcFirstLastPara="1" rIns="91425" wrap="square" tIns="91425">
+          <a:bodyPr spcFirstLastPara="1" wrap="square" lIns="91425" tIns="91425" rIns="91425" bIns="91425" anchor="t" anchorCtr="0">
             <a:normAutofit/>
           </a:bodyPr>
           <a:lstStyle>
@@ -5918,15 +6118,19 @@
               <a:defRPr sz="2100"/>
             </a:lvl9pPr>
           </a:lstStyle>
-          <a:p/>
+          <a:p>
+            <a:endParaRPr/>
+          </a:p>
         </p:txBody>
       </p:sp>
       <p:sp>
         <p:nvSpPr>
           <p:cNvPr id="39" name="Google Shape;39;p9"/>
-          <p:cNvSpPr txBox="1"/>
+          <p:cNvSpPr txBox="1">
+            <a:spLocks noGrp="1"/>
+          </p:cNvSpPr>
           <p:nvPr>
-            <p:ph idx="2" type="body"/>
+            <p:ph type="body" idx="2"/>
           </p:nvPr>
         </p:nvSpPr>
         <p:spPr>
@@ -5939,11 +6143,11 @@
           </a:prstGeom>
         </p:spPr>
         <p:txBody>
-          <a:bodyPr anchorCtr="0" anchor="ctr" bIns="91425" lIns="91425" spcFirstLastPara="1" rIns="91425" wrap="square" tIns="91425">
+          <a:bodyPr spcFirstLastPara="1" wrap="square" lIns="91425" tIns="91425" rIns="91425" bIns="91425" anchor="ctr" anchorCtr="0">
             <a:normAutofit/>
           </a:bodyPr>
           <a:lstStyle>
-            <a:lvl1pPr indent="-342900" lvl="0" marL="457200">
+            <a:lvl1pPr marL="457200" lvl="0" indent="-342900">
               <a:spcBef>
                 <a:spcPts val="0"/>
               </a:spcBef>
@@ -5954,7 +6158,7 @@
               <a:buChar char="●"/>
               <a:defRPr/>
             </a:lvl1pPr>
-            <a:lvl2pPr indent="-317500" lvl="1" marL="914400">
+            <a:lvl2pPr marL="914400" lvl="1" indent="-317500">
               <a:spcBef>
                 <a:spcPts val="0"/>
               </a:spcBef>
@@ -5965,7 +6169,7 @@
               <a:buChar char="○"/>
               <a:defRPr/>
             </a:lvl2pPr>
-            <a:lvl3pPr indent="-317500" lvl="2" marL="1371600">
+            <a:lvl3pPr marL="1371600" lvl="2" indent="-317500">
               <a:spcBef>
                 <a:spcPts val="0"/>
               </a:spcBef>
@@ -5976,7 +6180,7 @@
               <a:buChar char="■"/>
               <a:defRPr/>
             </a:lvl3pPr>
-            <a:lvl4pPr indent="-317500" lvl="3" marL="1828800">
+            <a:lvl4pPr marL="1828800" lvl="3" indent="-317500">
               <a:spcBef>
                 <a:spcPts val="0"/>
               </a:spcBef>
@@ -5987,7 +6191,7 @@
               <a:buChar char="●"/>
               <a:defRPr/>
             </a:lvl4pPr>
-            <a:lvl5pPr indent="-317500" lvl="4" marL="2286000">
+            <a:lvl5pPr marL="2286000" lvl="4" indent="-317500">
               <a:spcBef>
                 <a:spcPts val="0"/>
               </a:spcBef>
@@ -5998,7 +6202,7 @@
               <a:buChar char="○"/>
               <a:defRPr/>
             </a:lvl5pPr>
-            <a:lvl6pPr indent="-317500" lvl="5" marL="2743200">
+            <a:lvl6pPr marL="2743200" lvl="5" indent="-317500">
               <a:spcBef>
                 <a:spcPts val="0"/>
               </a:spcBef>
@@ -6009,7 +6213,7 @@
               <a:buChar char="■"/>
               <a:defRPr/>
             </a:lvl6pPr>
-            <a:lvl7pPr indent="-317500" lvl="6" marL="3200400">
+            <a:lvl7pPr marL="3200400" lvl="6" indent="-317500">
               <a:spcBef>
                 <a:spcPts val="0"/>
               </a:spcBef>
@@ -6020,7 +6224,7 @@
               <a:buChar char="●"/>
               <a:defRPr/>
             </a:lvl7pPr>
-            <a:lvl8pPr indent="-317500" lvl="7" marL="3657600">
+            <a:lvl8pPr marL="3657600" lvl="7" indent="-317500">
               <a:spcBef>
                 <a:spcPts val="0"/>
               </a:spcBef>
@@ -6031,7 +6235,7 @@
               <a:buChar char="○"/>
               <a:defRPr/>
             </a:lvl8pPr>
-            <a:lvl9pPr indent="-317500" lvl="8" marL="4114800">
+            <a:lvl9pPr marL="4114800" lvl="8" indent="-317500">
               <a:spcBef>
                 <a:spcPts val="0"/>
               </a:spcBef>
@@ -6043,15 +6247,19 @@
               <a:defRPr/>
             </a:lvl9pPr>
           </a:lstStyle>
-          <a:p/>
+          <a:p>
+            <a:endParaRPr/>
+          </a:p>
         </p:txBody>
       </p:sp>
       <p:sp>
         <p:nvSpPr>
           <p:cNvPr id="40" name="Google Shape;40;p9"/>
-          <p:cNvSpPr txBox="1"/>
+          <p:cNvSpPr txBox="1">
+            <a:spLocks noGrp="1"/>
+          </p:cNvSpPr>
           <p:nvPr>
-            <p:ph idx="12" type="sldNum"/>
+            <p:ph type="sldNum" idx="12"/>
           </p:nvPr>
         </p:nvSpPr>
         <p:spPr>
@@ -6064,7 +6272,7 @@
           </a:prstGeom>
         </p:spPr>
         <p:txBody>
-          <a:bodyPr anchorCtr="0" anchor="ctr" bIns="91425" lIns="91425" spcFirstLastPara="1" rIns="91425" wrap="square" tIns="91425">
+          <a:bodyPr spcFirstLastPara="1" wrap="square" lIns="91425" tIns="91425" rIns="91425" bIns="91425" anchor="ctr" anchorCtr="0">
             <a:normAutofit/>
           </a:bodyPr>
           <a:lstStyle>
@@ -6106,7 +6314,7 @@
             </a:lvl9pPr>
           </a:lstStyle>
           <a:p>
-            <a:pPr indent="0" lvl="0" marL="0" rtl="0" algn="r">
+            <a:pPr marL="0" lvl="0" indent="0" algn="r" rtl="0">
               <a:spcBef>
                 <a:spcPts val="0"/>
               </a:spcBef>
@@ -6132,11 +6340,11 @@
 </file>
 
 <file path=ppt/slideLayouts/slideLayout9.xml><?xml version="1.0" encoding="utf-8"?>
-<p:sldLayout xmlns:a="http://schemas.openxmlformats.org/drawingml/2006/main" xmlns:r="http://schemas.openxmlformats.org/officeDocument/2006/relationships" xmlns:mc="http://schemas.openxmlformats.org/markup-compatibility/2006" xmlns:mv="urn:schemas-microsoft-com:mac:vml" xmlns:p="http://schemas.openxmlformats.org/presentationml/2006/main" xmlns:c="http://schemas.openxmlformats.org/drawingml/2006/chart" xmlns:dgm="http://schemas.openxmlformats.org/drawingml/2006/diagram" xmlns:o="urn:schemas-microsoft-com:office:office" xmlns:v="urn:schemas-microsoft-com:vml" xmlns:pvml="urn:schemas-microsoft-com:office:powerpoint" xmlns:com="http://schemas.openxmlformats.org/drawingml/2006/compatibility" xmlns:p14="http://schemas.microsoft.com/office/powerpoint/2010/main" xmlns:p15="http://schemas.microsoft.com/office/powerpoint/2012/main" xmlns:ahyp="http://schemas.microsoft.com/office/drawing/2018/hyperlinkcolor" matchingName="Caption">
+<p:sldLayout xmlns:a="http://schemas.openxmlformats.org/drawingml/2006/main" xmlns:r="http://schemas.openxmlformats.org/officeDocument/2006/relationships" xmlns:p="http://schemas.openxmlformats.org/presentationml/2006/main" matchingName="Caption">
   <p:cSld name="CAPTION_ONLY">
     <p:spTree>
       <p:nvGrpSpPr>
-        <p:cNvPr id="41" name="Shape 41"/>
+        <p:cNvPr id="1" name="Shape 41"/>
         <p:cNvGrpSpPr/>
         <p:nvPr/>
       </p:nvGrpSpPr>
@@ -6151,9 +6359,11 @@
       <p:sp>
         <p:nvSpPr>
           <p:cNvPr id="42" name="Google Shape;42;p10"/>
-          <p:cNvSpPr txBox="1"/>
+          <p:cNvSpPr txBox="1">
+            <a:spLocks noGrp="1"/>
+          </p:cNvSpPr>
           <p:nvPr>
-            <p:ph idx="1" type="body"/>
+            <p:ph type="body" idx="1"/>
           </p:nvPr>
         </p:nvSpPr>
         <p:spPr>
@@ -6166,11 +6376,11 @@
           </a:prstGeom>
         </p:spPr>
         <p:txBody>
-          <a:bodyPr anchorCtr="0" anchor="ctr" bIns="91425" lIns="91425" spcFirstLastPara="1" rIns="91425" wrap="square" tIns="91425">
+          <a:bodyPr spcFirstLastPara="1" wrap="square" lIns="91425" tIns="91425" rIns="91425" bIns="91425" anchor="ctr" anchorCtr="0">
             <a:normAutofit/>
           </a:bodyPr>
           <a:lstStyle>
-            <a:lvl1pPr indent="-228600" lvl="0" marL="457200">
+            <a:lvl1pPr marL="457200" lvl="0" indent="-228600">
               <a:lnSpc>
                 <a:spcPct val="100000"/>
               </a:lnSpc>
@@ -6185,15 +6395,19 @@
               <a:defRPr/>
             </a:lvl1pPr>
           </a:lstStyle>
-          <a:p/>
+          <a:p>
+            <a:endParaRPr/>
+          </a:p>
         </p:txBody>
       </p:sp>
       <p:sp>
         <p:nvSpPr>
           <p:cNvPr id="43" name="Google Shape;43;p10"/>
-          <p:cNvSpPr txBox="1"/>
+          <p:cNvSpPr txBox="1">
+            <a:spLocks noGrp="1"/>
+          </p:cNvSpPr>
           <p:nvPr>
-            <p:ph idx="12" type="sldNum"/>
+            <p:ph type="sldNum" idx="12"/>
           </p:nvPr>
         </p:nvSpPr>
         <p:spPr>
@@ -6206,7 +6420,7 @@
           </a:prstGeom>
         </p:spPr>
         <p:txBody>
-          <a:bodyPr anchorCtr="0" anchor="ctr" bIns="91425" lIns="91425" spcFirstLastPara="1" rIns="91425" wrap="square" tIns="91425">
+          <a:bodyPr spcFirstLastPara="1" wrap="square" lIns="91425" tIns="91425" rIns="91425" bIns="91425" anchor="ctr" anchorCtr="0">
             <a:normAutofit/>
           </a:bodyPr>
           <a:lstStyle>
@@ -6248,7 +6462,7 @@
             </a:lvl9pPr>
           </a:lstStyle>
           <a:p>
-            <a:pPr indent="0" lvl="0" marL="0" rtl="0" algn="r">
+            <a:pPr marL="0" lvl="0" indent="0" algn="r" rtl="0">
               <a:spcBef>
                 <a:spcPts val="0"/>
               </a:spcBef>
@@ -6274,18 +6488,19 @@
 </file>
 
 <file path=ppt/slideMasters/slideMaster1.xml><?xml version="1.0" encoding="utf-8"?>
-<p:sldMaster xmlns:a="http://schemas.openxmlformats.org/drawingml/2006/main" xmlns:r="http://schemas.openxmlformats.org/officeDocument/2006/relationships" xmlns:mc="http://schemas.openxmlformats.org/markup-compatibility/2006" xmlns:mv="urn:schemas-microsoft-com:mac:vml" xmlns:p="http://schemas.openxmlformats.org/presentationml/2006/main" xmlns:c="http://schemas.openxmlformats.org/drawingml/2006/chart" xmlns:dgm="http://schemas.openxmlformats.org/drawingml/2006/diagram" xmlns:o="urn:schemas-microsoft-com:office:office" xmlns:v="urn:schemas-microsoft-com:vml" xmlns:pvml="urn:schemas-microsoft-com:office:powerpoint" xmlns:com="http://schemas.openxmlformats.org/drawingml/2006/compatibility" xmlns:p14="http://schemas.microsoft.com/office/powerpoint/2010/main" xmlns:p15="http://schemas.microsoft.com/office/powerpoint/2012/main" xmlns:ahyp="http://schemas.microsoft.com/office/drawing/2018/hyperlinkcolor">
+<p:sldMaster xmlns:a="http://schemas.openxmlformats.org/drawingml/2006/main" xmlns:r="http://schemas.openxmlformats.org/officeDocument/2006/relationships" xmlns:p="http://schemas.openxmlformats.org/presentationml/2006/main">
   <p:cSld name="simple-light-2">
     <p:bg>
       <p:bgPr>
         <a:solidFill>
           <a:schemeClr val="lt1"/>
         </a:solidFill>
+        <a:effectLst/>
       </p:bgPr>
     </p:bg>
     <p:spTree>
       <p:nvGrpSpPr>
-        <p:cNvPr id="5" name="Shape 5"/>
+        <p:cNvPr id="1" name="Shape 5"/>
         <p:cNvGrpSpPr/>
         <p:nvPr/>
       </p:nvGrpSpPr>
@@ -6300,7 +6515,9 @@
       <p:sp>
         <p:nvSpPr>
           <p:cNvPr id="6" name="Google Shape;6;p1"/>
-          <p:cNvSpPr txBox="1"/>
+          <p:cNvSpPr txBox="1">
+            <a:spLocks noGrp="1"/>
+          </p:cNvSpPr>
           <p:nvPr>
             <p:ph type="title"/>
           </p:nvPr>
@@ -6319,7 +6536,7 @@
           </a:ln>
         </p:spPr>
         <p:txBody>
-          <a:bodyPr anchorCtr="0" anchor="t" bIns="91425" lIns="91425" spcFirstLastPara="1" rIns="91425" wrap="square" tIns="91425">
+          <a:bodyPr spcFirstLastPara="1" wrap="square" lIns="91425" tIns="91425" rIns="91425" bIns="91425" anchor="t" anchorCtr="0">
             <a:normAutofit/>
           </a:bodyPr>
           <a:lstStyle>
@@ -6486,15 +6703,19 @@
               </a:defRPr>
             </a:lvl9pPr>
           </a:lstStyle>
-          <a:p/>
+          <a:p>
+            <a:endParaRPr/>
+          </a:p>
         </p:txBody>
       </p:sp>
       <p:sp>
         <p:nvSpPr>
           <p:cNvPr id="7" name="Google Shape;7;p1"/>
-          <p:cNvSpPr txBox="1"/>
+          <p:cNvSpPr txBox="1">
+            <a:spLocks noGrp="1"/>
+          </p:cNvSpPr>
           <p:nvPr>
-            <p:ph idx="1" type="body"/>
+            <p:ph type="body" idx="1"/>
           </p:nvPr>
         </p:nvSpPr>
         <p:spPr>
@@ -6511,11 +6732,11 @@
           </a:ln>
         </p:spPr>
         <p:txBody>
-          <a:bodyPr anchorCtr="0" anchor="t" bIns="91425" lIns="91425" spcFirstLastPara="1" rIns="91425" wrap="square" tIns="91425">
+          <a:bodyPr spcFirstLastPara="1" wrap="square" lIns="91425" tIns="91425" rIns="91425" bIns="91425" anchor="t" anchorCtr="0">
             <a:normAutofit/>
           </a:bodyPr>
           <a:lstStyle>
-            <a:lvl1pPr indent="-342900" lvl="0" marL="457200">
+            <a:lvl1pPr marL="457200" lvl="0" indent="-342900">
               <a:lnSpc>
                 <a:spcPct val="115000"/>
               </a:lnSpc>
@@ -6536,7 +6757,7 @@
                 </a:solidFill>
               </a:defRPr>
             </a:lvl1pPr>
-            <a:lvl2pPr indent="-317500" lvl="1" marL="914400">
+            <a:lvl2pPr marL="914400" lvl="1" indent="-317500">
               <a:lnSpc>
                 <a:spcPct val="115000"/>
               </a:lnSpc>
@@ -6557,7 +6778,7 @@
                 </a:solidFill>
               </a:defRPr>
             </a:lvl2pPr>
-            <a:lvl3pPr indent="-317500" lvl="2" marL="1371600">
+            <a:lvl3pPr marL="1371600" lvl="2" indent="-317500">
               <a:lnSpc>
                 <a:spcPct val="115000"/>
               </a:lnSpc>
@@ -6578,7 +6799,7 @@
                 </a:solidFill>
               </a:defRPr>
             </a:lvl3pPr>
-            <a:lvl4pPr indent="-317500" lvl="3" marL="1828800">
+            <a:lvl4pPr marL="1828800" lvl="3" indent="-317500">
               <a:lnSpc>
                 <a:spcPct val="115000"/>
               </a:lnSpc>
@@ -6599,7 +6820,7 @@
                 </a:solidFill>
               </a:defRPr>
             </a:lvl4pPr>
-            <a:lvl5pPr indent="-317500" lvl="4" marL="2286000">
+            <a:lvl5pPr marL="2286000" lvl="4" indent="-317500">
               <a:lnSpc>
                 <a:spcPct val="115000"/>
               </a:lnSpc>
@@ -6620,7 +6841,7 @@
                 </a:solidFill>
               </a:defRPr>
             </a:lvl5pPr>
-            <a:lvl6pPr indent="-317500" lvl="5" marL="2743200">
+            <a:lvl6pPr marL="2743200" lvl="5" indent="-317500">
               <a:lnSpc>
                 <a:spcPct val="115000"/>
               </a:lnSpc>
@@ -6641,7 +6862,7 @@
                 </a:solidFill>
               </a:defRPr>
             </a:lvl6pPr>
-            <a:lvl7pPr indent="-317500" lvl="6" marL="3200400">
+            <a:lvl7pPr marL="3200400" lvl="6" indent="-317500">
               <a:lnSpc>
                 <a:spcPct val="115000"/>
               </a:lnSpc>
@@ -6662,7 +6883,7 @@
                 </a:solidFill>
               </a:defRPr>
             </a:lvl7pPr>
-            <a:lvl8pPr indent="-317500" lvl="7" marL="3657600">
+            <a:lvl8pPr marL="3657600" lvl="7" indent="-317500">
               <a:lnSpc>
                 <a:spcPct val="115000"/>
               </a:lnSpc>
@@ -6683,7 +6904,7 @@
                 </a:solidFill>
               </a:defRPr>
             </a:lvl8pPr>
-            <a:lvl9pPr indent="-317500" lvl="8" marL="4114800">
+            <a:lvl9pPr marL="4114800" lvl="8" indent="-317500">
               <a:lnSpc>
                 <a:spcPct val="115000"/>
               </a:lnSpc>
@@ -6705,15 +6926,19 @@
               </a:defRPr>
             </a:lvl9pPr>
           </a:lstStyle>
-          <a:p/>
+          <a:p>
+            <a:endParaRPr/>
+          </a:p>
         </p:txBody>
       </p:sp>
       <p:sp>
         <p:nvSpPr>
           <p:cNvPr id="8" name="Google Shape;8;p1"/>
-          <p:cNvSpPr txBox="1"/>
+          <p:cNvSpPr txBox="1">
+            <a:spLocks noGrp="1"/>
+          </p:cNvSpPr>
           <p:nvPr>
-            <p:ph idx="12" type="sldNum"/>
+            <p:ph type="sldNum" idx="12"/>
           </p:nvPr>
         </p:nvSpPr>
         <p:spPr>
@@ -6730,7 +6955,7 @@
           </a:ln>
         </p:spPr>
         <p:txBody>
-          <a:bodyPr anchorCtr="0" anchor="ctr" bIns="91425" lIns="91425" spcFirstLastPara="1" rIns="91425" wrap="square" tIns="91425">
+          <a:bodyPr spcFirstLastPara="1" wrap="square" lIns="91425" tIns="91425" rIns="91425" bIns="91425" anchor="ctr" anchorCtr="0">
             <a:normAutofit/>
           </a:bodyPr>
           <a:lstStyle>
@@ -6808,7 +7033,7 @@
             </a:lvl9pPr>
           </a:lstStyle>
           <a:p>
-            <a:pPr indent="0" lvl="0" marL="0" rtl="0" algn="r">
+            <a:pPr marL="0" lvl="0" indent="0" algn="r" rtl="0">
               <a:spcBef>
                 <a:spcPts val="0"/>
               </a:spcBef>
@@ -6827,7 +7052,7 @@
       </p:sp>
     </p:spTree>
   </p:cSld>
-  <p:clrMap accent1="accent1" accent2="accent2" accent3="accent3" accent4="accent4" accent5="accent5" accent6="accent6" bg1="lt1" bg2="dk2" tx1="dk1" tx2="lt2" folHlink="folHlink" hlink="hlink"/>
+  <p:clrMap bg1="lt1" tx1="dk1" bg2="dk2" tx2="lt2" accent1="accent1" accent2="accent2" accent3="accent3" accent4="accent4" accent5="accent5" accent6="accent6" hlink="hlink" folHlink="folHlink"/>
   <p:sldLayoutIdLst>
     <p:sldLayoutId id="2147483648" r:id="rId1"/>
     <p:sldLayoutId id="2147483649" r:id="rId2"/>
@@ -6841,10 +7066,10 @@
     <p:sldLayoutId id="2147483657" r:id="rId10"/>
     <p:sldLayoutId id="2147483658" r:id="rId11"/>
   </p:sldLayoutIdLst>
-  <p:hf dt="0" ftr="0" hdr="0" sldNum="0"/>
+  <p:hf sldNum="0" hdr="0" ftr="0" dt="0"/>
   <p:txStyles>
     <p:titleStyle>
-      <a:defPPr lvl="0" marR="0" rtl="0" algn="l">
+      <a:defPPr marR="0" lvl="0" algn="l" rtl="0">
         <a:lnSpc>
           <a:spcPct val="100000"/>
         </a:lnSpc>
@@ -6855,7 +7080,7 @@
           <a:spcPts val="0"/>
         </a:spcAft>
       </a:defPPr>
-      <a:lvl1pPr lvl="0" marR="0" rtl="0" algn="l">
+      <a:lvl1pPr marR="0" lvl="0" algn="l" rtl="0">
         <a:lnSpc>
           <a:spcPct val="100000"/>
         </a:lnSpc>
@@ -6869,7 +7094,7 @@
           <a:srgbClr val="000000"/>
         </a:buClr>
         <a:buFont typeface="Arial"/>
-        <a:defRPr b="0" i="0" sz="1400" u="none" cap="none" strike="noStrike">
+        <a:defRPr sz="1400" b="0" i="0" u="none" strike="noStrike" cap="none">
           <a:solidFill>
             <a:srgbClr val="000000"/>
           </a:solidFill>
@@ -6879,7 +7104,7 @@
           <a:sym typeface="Arial"/>
         </a:defRPr>
       </a:lvl1pPr>
-      <a:lvl2pPr lvl="1" marR="0" rtl="0" algn="l">
+      <a:lvl2pPr marR="0" lvl="1" algn="l" rtl="0">
         <a:lnSpc>
           <a:spcPct val="100000"/>
         </a:lnSpc>
@@ -6893,7 +7118,7 @@
           <a:srgbClr val="000000"/>
         </a:buClr>
         <a:buFont typeface="Arial"/>
-        <a:defRPr b="0" i="0" sz="1400" u="none" cap="none" strike="noStrike">
+        <a:defRPr sz="1400" b="0" i="0" u="none" strike="noStrike" cap="none">
           <a:solidFill>
             <a:srgbClr val="000000"/>
           </a:solidFill>
@@ -6903,7 +7128,7 @@
           <a:sym typeface="Arial"/>
         </a:defRPr>
       </a:lvl2pPr>
-      <a:lvl3pPr lvl="2" marR="0" rtl="0" algn="l">
+      <a:lvl3pPr marR="0" lvl="2" algn="l" rtl="0">
         <a:lnSpc>
           <a:spcPct val="100000"/>
         </a:lnSpc>
@@ -6917,7 +7142,7 @@
           <a:srgbClr val="000000"/>
         </a:buClr>
         <a:buFont typeface="Arial"/>
-        <a:defRPr b="0" i="0" sz="1400" u="none" cap="none" strike="noStrike">
+        <a:defRPr sz="1400" b="0" i="0" u="none" strike="noStrike" cap="none">
           <a:solidFill>
             <a:srgbClr val="000000"/>
           </a:solidFill>
@@ -6927,7 +7152,7 @@
           <a:sym typeface="Arial"/>
         </a:defRPr>
       </a:lvl3pPr>
-      <a:lvl4pPr lvl="3" marR="0" rtl="0" algn="l">
+      <a:lvl4pPr marR="0" lvl="3" algn="l" rtl="0">
         <a:lnSpc>
           <a:spcPct val="100000"/>
         </a:lnSpc>
@@ -6941,7 +7166,7 @@
           <a:srgbClr val="000000"/>
         </a:buClr>
         <a:buFont typeface="Arial"/>
-        <a:defRPr b="0" i="0" sz="1400" u="none" cap="none" strike="noStrike">
+        <a:defRPr sz="1400" b="0" i="0" u="none" strike="noStrike" cap="none">
           <a:solidFill>
             <a:srgbClr val="000000"/>
           </a:solidFill>
@@ -6951,7 +7176,7 @@
           <a:sym typeface="Arial"/>
         </a:defRPr>
       </a:lvl4pPr>
-      <a:lvl5pPr lvl="4" marR="0" rtl="0" algn="l">
+      <a:lvl5pPr marR="0" lvl="4" algn="l" rtl="0">
         <a:lnSpc>
           <a:spcPct val="100000"/>
         </a:lnSpc>
@@ -6965,7 +7190,7 @@
           <a:srgbClr val="000000"/>
         </a:buClr>
         <a:buFont typeface="Arial"/>
-        <a:defRPr b="0" i="0" sz="1400" u="none" cap="none" strike="noStrike">
+        <a:defRPr sz="1400" b="0" i="0" u="none" strike="noStrike" cap="none">
           <a:solidFill>
             <a:srgbClr val="000000"/>
           </a:solidFill>
@@ -6975,7 +7200,7 @@
           <a:sym typeface="Arial"/>
         </a:defRPr>
       </a:lvl5pPr>
-      <a:lvl6pPr lvl="5" marR="0" rtl="0" algn="l">
+      <a:lvl6pPr marR="0" lvl="5" algn="l" rtl="0">
         <a:lnSpc>
           <a:spcPct val="100000"/>
         </a:lnSpc>
@@ -6989,7 +7214,7 @@
           <a:srgbClr val="000000"/>
         </a:buClr>
         <a:buFont typeface="Arial"/>
-        <a:defRPr b="0" i="0" sz="1400" u="none" cap="none" strike="noStrike">
+        <a:defRPr sz="1400" b="0" i="0" u="none" strike="noStrike" cap="none">
           <a:solidFill>
             <a:srgbClr val="000000"/>
           </a:solidFill>
@@ -6999,7 +7224,7 @@
           <a:sym typeface="Arial"/>
         </a:defRPr>
       </a:lvl6pPr>
-      <a:lvl7pPr lvl="6" marR="0" rtl="0" algn="l">
+      <a:lvl7pPr marR="0" lvl="6" algn="l" rtl="0">
         <a:lnSpc>
           <a:spcPct val="100000"/>
         </a:lnSpc>
@@ -7013,7 +7238,7 @@
           <a:srgbClr val="000000"/>
         </a:buClr>
         <a:buFont typeface="Arial"/>
-        <a:defRPr b="0" i="0" sz="1400" u="none" cap="none" strike="noStrike">
+        <a:defRPr sz="1400" b="0" i="0" u="none" strike="noStrike" cap="none">
           <a:solidFill>
             <a:srgbClr val="000000"/>
           </a:solidFill>
@@ -7023,7 +7248,7 @@
           <a:sym typeface="Arial"/>
         </a:defRPr>
       </a:lvl7pPr>
-      <a:lvl8pPr lvl="7" marR="0" rtl="0" algn="l">
+      <a:lvl8pPr marR="0" lvl="7" algn="l" rtl="0">
         <a:lnSpc>
           <a:spcPct val="100000"/>
         </a:lnSpc>
@@ -7037,7 +7262,7 @@
           <a:srgbClr val="000000"/>
         </a:buClr>
         <a:buFont typeface="Arial"/>
-        <a:defRPr b="0" i="0" sz="1400" u="none" cap="none" strike="noStrike">
+        <a:defRPr sz="1400" b="0" i="0" u="none" strike="noStrike" cap="none">
           <a:solidFill>
             <a:srgbClr val="000000"/>
           </a:solidFill>
@@ -7047,7 +7272,7 @@
           <a:sym typeface="Arial"/>
         </a:defRPr>
       </a:lvl8pPr>
-      <a:lvl9pPr lvl="8" marR="0" rtl="0" algn="l">
+      <a:lvl9pPr marR="0" lvl="8" algn="l" rtl="0">
         <a:lnSpc>
           <a:spcPct val="100000"/>
         </a:lnSpc>
@@ -7061,7 +7286,7 @@
           <a:srgbClr val="000000"/>
         </a:buClr>
         <a:buFont typeface="Arial"/>
-        <a:defRPr b="0" i="0" sz="1400" u="none" cap="none" strike="noStrike">
+        <a:defRPr sz="1400" b="0" i="0" u="none" strike="noStrike" cap="none">
           <a:solidFill>
             <a:srgbClr val="000000"/>
           </a:solidFill>
@@ -7073,7 +7298,7 @@
       </a:lvl9pPr>
     </p:titleStyle>
     <p:bodyStyle>
-      <a:defPPr lvl="0" marR="0" rtl="0" algn="l">
+      <a:defPPr marR="0" lvl="0" algn="l" rtl="0">
         <a:lnSpc>
           <a:spcPct val="100000"/>
         </a:lnSpc>
@@ -7084,7 +7309,7 @@
           <a:spcPts val="0"/>
         </a:spcAft>
       </a:defPPr>
-      <a:lvl1pPr lvl="0" marR="0" rtl="0" algn="l">
+      <a:lvl1pPr marR="0" lvl="0" algn="l" rtl="0">
         <a:lnSpc>
           <a:spcPct val="100000"/>
         </a:lnSpc>
@@ -7098,7 +7323,7 @@
           <a:srgbClr val="000000"/>
         </a:buClr>
         <a:buFont typeface="Arial"/>
-        <a:defRPr b="0" i="0" sz="1400" u="none" cap="none" strike="noStrike">
+        <a:defRPr sz="1400" b="0" i="0" u="none" strike="noStrike" cap="none">
           <a:solidFill>
             <a:srgbClr val="000000"/>
           </a:solidFill>
@@ -7108,7 +7333,7 @@
           <a:sym typeface="Arial"/>
         </a:defRPr>
       </a:lvl1pPr>
-      <a:lvl2pPr lvl="1" marR="0" rtl="0" algn="l">
+      <a:lvl2pPr marR="0" lvl="1" algn="l" rtl="0">
         <a:lnSpc>
           <a:spcPct val="100000"/>
         </a:lnSpc>
@@ -7122,7 +7347,7 @@
           <a:srgbClr val="000000"/>
         </a:buClr>
         <a:buFont typeface="Arial"/>
-        <a:defRPr b="0" i="0" sz="1400" u="none" cap="none" strike="noStrike">
+        <a:defRPr sz="1400" b="0" i="0" u="none" strike="noStrike" cap="none">
           <a:solidFill>
             <a:srgbClr val="000000"/>
           </a:solidFill>
@@ -7132,7 +7357,7 @@
           <a:sym typeface="Arial"/>
         </a:defRPr>
       </a:lvl2pPr>
-      <a:lvl3pPr lvl="2" marR="0" rtl="0" algn="l">
+      <a:lvl3pPr marR="0" lvl="2" algn="l" rtl="0">
         <a:lnSpc>
           <a:spcPct val="100000"/>
         </a:lnSpc>
@@ -7146,7 +7371,7 @@
           <a:srgbClr val="000000"/>
         </a:buClr>
         <a:buFont typeface="Arial"/>
-        <a:defRPr b="0" i="0" sz="1400" u="none" cap="none" strike="noStrike">
+        <a:defRPr sz="1400" b="0" i="0" u="none" strike="noStrike" cap="none">
           <a:solidFill>
             <a:srgbClr val="000000"/>
           </a:solidFill>
@@ -7156,7 +7381,7 @@
           <a:sym typeface="Arial"/>
         </a:defRPr>
       </a:lvl3pPr>
-      <a:lvl4pPr lvl="3" marR="0" rtl="0" algn="l">
+      <a:lvl4pPr marR="0" lvl="3" algn="l" rtl="0">
         <a:lnSpc>
           <a:spcPct val="100000"/>
         </a:lnSpc>
@@ -7170,7 +7395,7 @@
           <a:srgbClr val="000000"/>
         </a:buClr>
         <a:buFont typeface="Arial"/>
-        <a:defRPr b="0" i="0" sz="1400" u="none" cap="none" strike="noStrike">
+        <a:defRPr sz="1400" b="0" i="0" u="none" strike="noStrike" cap="none">
           <a:solidFill>
             <a:srgbClr val="000000"/>
           </a:solidFill>
@@ -7180,7 +7405,7 @@
           <a:sym typeface="Arial"/>
         </a:defRPr>
       </a:lvl4pPr>
-      <a:lvl5pPr lvl="4" marR="0" rtl="0" algn="l">
+      <a:lvl5pPr marR="0" lvl="4" algn="l" rtl="0">
         <a:lnSpc>
           <a:spcPct val="100000"/>
         </a:lnSpc>
@@ -7194,7 +7419,7 @@
           <a:srgbClr val="000000"/>
         </a:buClr>
         <a:buFont typeface="Arial"/>
-        <a:defRPr b="0" i="0" sz="1400" u="none" cap="none" strike="noStrike">
+        <a:defRPr sz="1400" b="0" i="0" u="none" strike="noStrike" cap="none">
           <a:solidFill>
             <a:srgbClr val="000000"/>
           </a:solidFill>
@@ -7204,7 +7429,7 @@
           <a:sym typeface="Arial"/>
         </a:defRPr>
       </a:lvl5pPr>
-      <a:lvl6pPr lvl="5" marR="0" rtl="0" algn="l">
+      <a:lvl6pPr marR="0" lvl="5" algn="l" rtl="0">
         <a:lnSpc>
           <a:spcPct val="100000"/>
         </a:lnSpc>
@@ -7218,7 +7443,7 @@
           <a:srgbClr val="000000"/>
         </a:buClr>
         <a:buFont typeface="Arial"/>
-        <a:defRPr b="0" i="0" sz="1400" u="none" cap="none" strike="noStrike">
+        <a:defRPr sz="1400" b="0" i="0" u="none" strike="noStrike" cap="none">
           <a:solidFill>
             <a:srgbClr val="000000"/>
           </a:solidFill>
@@ -7228,7 +7453,7 @@
           <a:sym typeface="Arial"/>
         </a:defRPr>
       </a:lvl6pPr>
-      <a:lvl7pPr lvl="6" marR="0" rtl="0" algn="l">
+      <a:lvl7pPr marR="0" lvl="6" algn="l" rtl="0">
         <a:lnSpc>
           <a:spcPct val="100000"/>
         </a:lnSpc>
@@ -7242,7 +7467,7 @@
           <a:srgbClr val="000000"/>
         </a:buClr>
         <a:buFont typeface="Arial"/>
-        <a:defRPr b="0" i="0" sz="1400" u="none" cap="none" strike="noStrike">
+        <a:defRPr sz="1400" b="0" i="0" u="none" strike="noStrike" cap="none">
           <a:solidFill>
             <a:srgbClr val="000000"/>
           </a:solidFill>
@@ -7252,7 +7477,7 @@
           <a:sym typeface="Arial"/>
         </a:defRPr>
       </a:lvl7pPr>
-      <a:lvl8pPr lvl="7" marR="0" rtl="0" algn="l">
+      <a:lvl8pPr marR="0" lvl="7" algn="l" rtl="0">
         <a:lnSpc>
           <a:spcPct val="100000"/>
         </a:lnSpc>
@@ -7266,7 +7491,7 @@
           <a:srgbClr val="000000"/>
         </a:buClr>
         <a:buFont typeface="Arial"/>
-        <a:defRPr b="0" i="0" sz="1400" u="none" cap="none" strike="noStrike">
+        <a:defRPr sz="1400" b="0" i="0" u="none" strike="noStrike" cap="none">
           <a:solidFill>
             <a:srgbClr val="000000"/>
           </a:solidFill>
@@ -7276,7 +7501,7 @@
           <a:sym typeface="Arial"/>
         </a:defRPr>
       </a:lvl8pPr>
-      <a:lvl9pPr lvl="8" marR="0" rtl="0" algn="l">
+      <a:lvl9pPr marR="0" lvl="8" algn="l" rtl="0">
         <a:lnSpc>
           <a:spcPct val="100000"/>
         </a:lnSpc>
@@ -7290,7 +7515,7 @@
           <a:srgbClr val="000000"/>
         </a:buClr>
         <a:buFont typeface="Arial"/>
-        <a:defRPr b="0" i="0" sz="1400" u="none" cap="none" strike="noStrike">
+        <a:defRPr sz="1400" b="0" i="0" u="none" strike="noStrike" cap="none">
           <a:solidFill>
             <a:srgbClr val="000000"/>
           </a:solidFill>
@@ -7302,7 +7527,7 @@
       </a:lvl9pPr>
     </p:bodyStyle>
     <p:otherStyle>
-      <a:defPPr lvl="0" marR="0" rtl="0" algn="l">
+      <a:defPPr marR="0" lvl="0" algn="l" rtl="0">
         <a:lnSpc>
           <a:spcPct val="100000"/>
         </a:lnSpc>
@@ -7313,7 +7538,7 @@
           <a:spcPts val="0"/>
         </a:spcAft>
       </a:defPPr>
-      <a:lvl1pPr lvl="0" marR="0" rtl="0" algn="l">
+      <a:lvl1pPr marR="0" lvl="0" algn="l" rtl="0">
         <a:lnSpc>
           <a:spcPct val="100000"/>
         </a:lnSpc>
@@ -7327,7 +7552,7 @@
           <a:srgbClr val="000000"/>
         </a:buClr>
         <a:buFont typeface="Arial"/>
-        <a:defRPr b="0" i="0" sz="1400" u="none" cap="none" strike="noStrike">
+        <a:defRPr sz="1400" b="0" i="0" u="none" strike="noStrike" cap="none">
           <a:solidFill>
             <a:srgbClr val="000000"/>
           </a:solidFill>
@@ -7337,7 +7562,7 @@
           <a:sym typeface="Arial"/>
         </a:defRPr>
       </a:lvl1pPr>
-      <a:lvl2pPr lvl="1" marR="0" rtl="0" algn="l">
+      <a:lvl2pPr marR="0" lvl="1" algn="l" rtl="0">
         <a:lnSpc>
           <a:spcPct val="100000"/>
         </a:lnSpc>
@@ -7351,7 +7576,7 @@
           <a:srgbClr val="000000"/>
         </a:buClr>
         <a:buFont typeface="Arial"/>
-        <a:defRPr b="0" i="0" sz="1400" u="none" cap="none" strike="noStrike">
+        <a:defRPr sz="1400" b="0" i="0" u="none" strike="noStrike" cap="none">
           <a:solidFill>
             <a:srgbClr val="000000"/>
           </a:solidFill>
@@ -7361,7 +7586,7 @@
           <a:sym typeface="Arial"/>
         </a:defRPr>
       </a:lvl2pPr>
-      <a:lvl3pPr lvl="2" marR="0" rtl="0" algn="l">
+      <a:lvl3pPr marR="0" lvl="2" algn="l" rtl="0">
         <a:lnSpc>
           <a:spcPct val="100000"/>
         </a:lnSpc>
@@ -7375,7 +7600,7 @@
           <a:srgbClr val="000000"/>
         </a:buClr>
         <a:buFont typeface="Arial"/>
-        <a:defRPr b="0" i="0" sz="1400" u="none" cap="none" strike="noStrike">
+        <a:defRPr sz="1400" b="0" i="0" u="none" strike="noStrike" cap="none">
           <a:solidFill>
             <a:srgbClr val="000000"/>
           </a:solidFill>
@@ -7385,7 +7610,7 @@
           <a:sym typeface="Arial"/>
         </a:defRPr>
       </a:lvl3pPr>
-      <a:lvl4pPr lvl="3" marR="0" rtl="0" algn="l">
+      <a:lvl4pPr marR="0" lvl="3" algn="l" rtl="0">
         <a:lnSpc>
           <a:spcPct val="100000"/>
         </a:lnSpc>
@@ -7399,7 +7624,7 @@
           <a:srgbClr val="000000"/>
         </a:buClr>
         <a:buFont typeface="Arial"/>
-        <a:defRPr b="0" i="0" sz="1400" u="none" cap="none" strike="noStrike">
+        <a:defRPr sz="1400" b="0" i="0" u="none" strike="noStrike" cap="none">
           <a:solidFill>
             <a:srgbClr val="000000"/>
           </a:solidFill>
@@ -7409,7 +7634,7 @@
           <a:sym typeface="Arial"/>
         </a:defRPr>
       </a:lvl4pPr>
-      <a:lvl5pPr lvl="4" marR="0" rtl="0" algn="l">
+      <a:lvl5pPr marR="0" lvl="4" algn="l" rtl="0">
         <a:lnSpc>
           <a:spcPct val="100000"/>
         </a:lnSpc>
@@ -7423,7 +7648,7 @@
           <a:srgbClr val="000000"/>
         </a:buClr>
         <a:buFont typeface="Arial"/>
-        <a:defRPr b="0" i="0" sz="1400" u="none" cap="none" strike="noStrike">
+        <a:defRPr sz="1400" b="0" i="0" u="none" strike="noStrike" cap="none">
           <a:solidFill>
             <a:srgbClr val="000000"/>
           </a:solidFill>
@@ -7433,7 +7658,7 @@
           <a:sym typeface="Arial"/>
         </a:defRPr>
       </a:lvl5pPr>
-      <a:lvl6pPr lvl="5" marR="0" rtl="0" algn="l">
+      <a:lvl6pPr marR="0" lvl="5" algn="l" rtl="0">
         <a:lnSpc>
           <a:spcPct val="100000"/>
         </a:lnSpc>
@@ -7447,7 +7672,7 @@
           <a:srgbClr val="000000"/>
         </a:buClr>
         <a:buFont typeface="Arial"/>
-        <a:defRPr b="0" i="0" sz="1400" u="none" cap="none" strike="noStrike">
+        <a:defRPr sz="1400" b="0" i="0" u="none" strike="noStrike" cap="none">
           <a:solidFill>
             <a:srgbClr val="000000"/>
           </a:solidFill>
@@ -7457,7 +7682,7 @@
           <a:sym typeface="Arial"/>
         </a:defRPr>
       </a:lvl6pPr>
-      <a:lvl7pPr lvl="6" marR="0" rtl="0" algn="l">
+      <a:lvl7pPr marR="0" lvl="6" algn="l" rtl="0">
         <a:lnSpc>
           <a:spcPct val="100000"/>
         </a:lnSpc>
@@ -7471,7 +7696,7 @@
           <a:srgbClr val="000000"/>
         </a:buClr>
         <a:buFont typeface="Arial"/>
-        <a:defRPr b="0" i="0" sz="1400" u="none" cap="none" strike="noStrike">
+        <a:defRPr sz="1400" b="0" i="0" u="none" strike="noStrike" cap="none">
           <a:solidFill>
             <a:srgbClr val="000000"/>
           </a:solidFill>
@@ -7481,7 +7706,7 @@
           <a:sym typeface="Arial"/>
         </a:defRPr>
       </a:lvl7pPr>
-      <a:lvl8pPr lvl="7" marR="0" rtl="0" algn="l">
+      <a:lvl8pPr marR="0" lvl="7" algn="l" rtl="0">
         <a:lnSpc>
           <a:spcPct val="100000"/>
         </a:lnSpc>
@@ -7495,7 +7720,7 @@
           <a:srgbClr val="000000"/>
         </a:buClr>
         <a:buFont typeface="Arial"/>
-        <a:defRPr b="0" i="0" sz="1400" u="none" cap="none" strike="noStrike">
+        <a:defRPr sz="1400" b="0" i="0" u="none" strike="noStrike" cap="none">
           <a:solidFill>
             <a:srgbClr val="000000"/>
           </a:solidFill>
@@ -7505,7 +7730,7 @@
           <a:sym typeface="Arial"/>
         </a:defRPr>
       </a:lvl8pPr>
-      <a:lvl9pPr lvl="8" marR="0" rtl="0" algn="l">
+      <a:lvl9pPr marR="0" lvl="8" algn="l" rtl="0">
         <a:lnSpc>
           <a:spcPct val="100000"/>
         </a:lnSpc>
@@ -7519,7 +7744,7 @@
           <a:srgbClr val="000000"/>
         </a:buClr>
         <a:buFont typeface="Arial"/>
-        <a:defRPr b="0" i="0" sz="1400" u="none" cap="none" strike="noStrike">
+        <a:defRPr sz="1400" b="0" i="0" u="none" strike="noStrike" cap="none">
           <a:solidFill>
             <a:srgbClr val="000000"/>
           </a:solidFill>
@@ -7535,11 +7760,11 @@
 </file>
 
 <file path=ppt/slides/slide1.xml><?xml version="1.0" encoding="utf-8"?>
-<p:sld xmlns:a="http://schemas.openxmlformats.org/drawingml/2006/main" xmlns:r="http://schemas.openxmlformats.org/officeDocument/2006/relationships" xmlns:mc="http://schemas.openxmlformats.org/markup-compatibility/2006" xmlns:mv="urn:schemas-microsoft-com:mac:vml" xmlns:p="http://schemas.openxmlformats.org/presentationml/2006/main" xmlns:c="http://schemas.openxmlformats.org/drawingml/2006/chart" xmlns:dgm="http://schemas.openxmlformats.org/drawingml/2006/diagram" xmlns:o="urn:schemas-microsoft-com:office:office" xmlns:v="urn:schemas-microsoft-com:vml" xmlns:pvml="urn:schemas-microsoft-com:office:powerpoint" xmlns:com="http://schemas.openxmlformats.org/drawingml/2006/compatibility" xmlns:p14="http://schemas.microsoft.com/office/powerpoint/2010/main" xmlns:p15="http://schemas.microsoft.com/office/powerpoint/2012/main" xmlns:ahyp="http://schemas.microsoft.com/office/drawing/2018/hyperlinkcolor">
+<p:sld xmlns:a="http://schemas.openxmlformats.org/drawingml/2006/main" xmlns:r="http://schemas.openxmlformats.org/officeDocument/2006/relationships" xmlns:p="http://schemas.openxmlformats.org/presentationml/2006/main">
   <p:cSld>
     <p:spTree>
       <p:nvGrpSpPr>
-        <p:cNvPr id="53" name="Shape 53"/>
+        <p:cNvPr id="1" name="Shape 53"/>
         <p:cNvGrpSpPr/>
         <p:nvPr/>
       </p:nvGrpSpPr>
@@ -7554,7 +7779,9 @@
       <p:sp>
         <p:nvSpPr>
           <p:cNvPr id="54" name="Google Shape;54;p13"/>
-          <p:cNvSpPr txBox="1"/>
+          <p:cNvSpPr txBox="1">
+            <a:spLocks noGrp="1"/>
+          </p:cNvSpPr>
           <p:nvPr>
             <p:ph type="ctrTitle"/>
           </p:nvPr>
@@ -7569,12 +7796,12 @@
           </a:prstGeom>
         </p:spPr>
         <p:txBody>
-          <a:bodyPr anchorCtr="0" anchor="b" bIns="91425" lIns="91425" spcFirstLastPara="1" rIns="91425" wrap="square" tIns="91425">
+          <a:bodyPr spcFirstLastPara="1" wrap="square" lIns="91425" tIns="91425" rIns="91425" bIns="91425" anchor="b" anchorCtr="0">
             <a:normAutofit/>
           </a:bodyPr>
           <a:lstStyle/>
           <a:p>
-            <a:pPr indent="0" lvl="0" marL="0" rtl="0" algn="ctr">
+            <a:pPr marL="0" lvl="0" indent="0" algn="ctr" rtl="0">
               <a:spcBef>
                 <a:spcPts val="0"/>
               </a:spcBef>
@@ -7594,9 +7821,11 @@
       <p:sp>
         <p:nvSpPr>
           <p:cNvPr id="55" name="Google Shape;55;p13"/>
-          <p:cNvSpPr txBox="1"/>
+          <p:cNvSpPr txBox="1">
+            <a:spLocks noGrp="1"/>
+          </p:cNvSpPr>
           <p:nvPr>
-            <p:ph idx="1" type="subTitle"/>
+            <p:ph type="subTitle" idx="1"/>
           </p:nvPr>
         </p:nvSpPr>
         <p:spPr>
@@ -7609,12 +7838,12 @@
           </a:prstGeom>
         </p:spPr>
         <p:txBody>
-          <a:bodyPr anchorCtr="0" anchor="t" bIns="91425" lIns="91425" spcFirstLastPara="1" rIns="91425" wrap="square" tIns="91425">
+          <a:bodyPr spcFirstLastPara="1" wrap="square" lIns="91425" tIns="91425" rIns="91425" bIns="91425" anchor="t" anchorCtr="0">
             <a:normAutofit/>
           </a:bodyPr>
           <a:lstStyle/>
           <a:p>
-            <a:pPr indent="0" lvl="0" marL="0" rtl="0" algn="ctr">
+            <a:pPr marL="0" lvl="0" indent="0" algn="ctr" rtl="0">
               <a:spcBef>
                 <a:spcPts val="0"/>
               </a:spcBef>
@@ -7640,11 +7869,11 @@
 </file>
 
 <file path=ppt/slides/slide10.xml><?xml version="1.0" encoding="utf-8"?>
-<p:sld xmlns:a="http://schemas.openxmlformats.org/drawingml/2006/main" xmlns:r="http://schemas.openxmlformats.org/officeDocument/2006/relationships" xmlns:mc="http://schemas.openxmlformats.org/markup-compatibility/2006" xmlns:mv="urn:schemas-microsoft-com:mac:vml" xmlns:p="http://schemas.openxmlformats.org/presentationml/2006/main" xmlns:c="http://schemas.openxmlformats.org/drawingml/2006/chart" xmlns:dgm="http://schemas.openxmlformats.org/drawingml/2006/diagram" xmlns:o="urn:schemas-microsoft-com:office:office" xmlns:v="urn:schemas-microsoft-com:vml" xmlns:pvml="urn:schemas-microsoft-com:office:powerpoint" xmlns:com="http://schemas.openxmlformats.org/drawingml/2006/compatibility" xmlns:p14="http://schemas.microsoft.com/office/powerpoint/2010/main" xmlns:p15="http://schemas.microsoft.com/office/powerpoint/2012/main" xmlns:ahyp="http://schemas.microsoft.com/office/drawing/2018/hyperlinkcolor">
+<p:sld xmlns:a="http://schemas.openxmlformats.org/drawingml/2006/main" xmlns:r="http://schemas.openxmlformats.org/officeDocument/2006/relationships" xmlns:p="http://schemas.openxmlformats.org/presentationml/2006/main">
   <p:cSld>
     <p:spTree>
       <p:nvGrpSpPr>
-        <p:cNvPr id="114" name="Shape 114"/>
+        <p:cNvPr id="1" name="Shape 114"/>
         <p:cNvGrpSpPr/>
         <p:nvPr/>
       </p:nvGrpSpPr>
@@ -7693,11 +7922,11 @@
 </file>
 
 <file path=ppt/slides/slide11.xml><?xml version="1.0" encoding="utf-8"?>
-<p:sld xmlns:a="http://schemas.openxmlformats.org/drawingml/2006/main" xmlns:r="http://schemas.openxmlformats.org/officeDocument/2006/relationships" xmlns:mc="http://schemas.openxmlformats.org/markup-compatibility/2006" xmlns:mv="urn:schemas-microsoft-com:mac:vml" xmlns:p="http://schemas.openxmlformats.org/presentationml/2006/main" xmlns:c="http://schemas.openxmlformats.org/drawingml/2006/chart" xmlns:dgm="http://schemas.openxmlformats.org/drawingml/2006/diagram" xmlns:o="urn:schemas-microsoft-com:office:office" xmlns:v="urn:schemas-microsoft-com:vml" xmlns:pvml="urn:schemas-microsoft-com:office:powerpoint" xmlns:com="http://schemas.openxmlformats.org/drawingml/2006/compatibility" xmlns:p14="http://schemas.microsoft.com/office/powerpoint/2010/main" xmlns:p15="http://schemas.microsoft.com/office/powerpoint/2012/main" xmlns:ahyp="http://schemas.microsoft.com/office/drawing/2018/hyperlinkcolor">
+<p:sld xmlns:a="http://schemas.openxmlformats.org/drawingml/2006/main" xmlns:r="http://schemas.openxmlformats.org/officeDocument/2006/relationships" xmlns:p="http://schemas.openxmlformats.org/presentationml/2006/main">
   <p:cSld>
     <p:spTree>
       <p:nvGrpSpPr>
-        <p:cNvPr id="119" name="Shape 119"/>
+        <p:cNvPr id="1" name="Shape 119"/>
         <p:cNvGrpSpPr/>
         <p:nvPr/>
       </p:nvGrpSpPr>
@@ -7712,7 +7941,9 @@
       <p:sp>
         <p:nvSpPr>
           <p:cNvPr id="120" name="Google Shape;120;p23"/>
-          <p:cNvSpPr txBox="1"/>
+          <p:cNvSpPr txBox="1">
+            <a:spLocks noGrp="1"/>
+          </p:cNvSpPr>
           <p:nvPr>
             <p:ph type="title"/>
           </p:nvPr>
@@ -7727,12 +7958,12 @@
           </a:prstGeom>
         </p:spPr>
         <p:txBody>
-          <a:bodyPr anchorCtr="0" anchor="t" bIns="91425" lIns="91425" spcFirstLastPara="1" rIns="91425" wrap="square" tIns="91425">
+          <a:bodyPr spcFirstLastPara="1" wrap="square" lIns="91425" tIns="91425" rIns="91425" bIns="91425" anchor="t" anchorCtr="0">
             <a:normAutofit fontScale="90000"/>
           </a:bodyPr>
           <a:lstStyle/>
           <a:p>
-            <a:pPr indent="0" lvl="0" marL="0" rtl="0" algn="ctr">
+            <a:pPr marL="0" lvl="0" indent="0" algn="ctr" rtl="0">
               <a:spcBef>
                 <a:spcPts val="0"/>
               </a:spcBef>
@@ -7786,11 +8017,11 @@
 </file>
 
 <file path=ppt/slides/slide12.xml><?xml version="1.0" encoding="utf-8"?>
-<p:sld xmlns:a="http://schemas.openxmlformats.org/drawingml/2006/main" xmlns:r="http://schemas.openxmlformats.org/officeDocument/2006/relationships" xmlns:mc="http://schemas.openxmlformats.org/markup-compatibility/2006" xmlns:mv="urn:schemas-microsoft-com:mac:vml" xmlns:p="http://schemas.openxmlformats.org/presentationml/2006/main" xmlns:c="http://schemas.openxmlformats.org/drawingml/2006/chart" xmlns:dgm="http://schemas.openxmlformats.org/drawingml/2006/diagram" xmlns:o="urn:schemas-microsoft-com:office:office" xmlns:v="urn:schemas-microsoft-com:vml" xmlns:pvml="urn:schemas-microsoft-com:office:powerpoint" xmlns:com="http://schemas.openxmlformats.org/drawingml/2006/compatibility" xmlns:p14="http://schemas.microsoft.com/office/powerpoint/2010/main" xmlns:p15="http://schemas.microsoft.com/office/powerpoint/2012/main" xmlns:ahyp="http://schemas.microsoft.com/office/drawing/2018/hyperlinkcolor">
+<p:sld xmlns:a="http://schemas.openxmlformats.org/drawingml/2006/main" xmlns:r="http://schemas.openxmlformats.org/officeDocument/2006/relationships" xmlns:p="http://schemas.openxmlformats.org/presentationml/2006/main">
   <p:cSld>
     <p:spTree>
       <p:nvGrpSpPr>
-        <p:cNvPr id="125" name="Shape 125"/>
+        <p:cNvPr id="1" name="Shape 125"/>
         <p:cNvGrpSpPr/>
         <p:nvPr/>
       </p:nvGrpSpPr>
@@ -7805,7 +8036,9 @@
       <p:sp>
         <p:nvSpPr>
           <p:cNvPr id="126" name="Google Shape;126;p24"/>
-          <p:cNvSpPr txBox="1"/>
+          <p:cNvSpPr txBox="1">
+            <a:spLocks noGrp="1"/>
+          </p:cNvSpPr>
           <p:nvPr>
             <p:ph type="title"/>
           </p:nvPr>
@@ -7820,12 +8053,12 @@
           </a:prstGeom>
         </p:spPr>
         <p:txBody>
-          <a:bodyPr anchorCtr="0" anchor="t" bIns="91425" lIns="91425" spcFirstLastPara="1" rIns="91425" wrap="square" tIns="91425">
+          <a:bodyPr spcFirstLastPara="1" wrap="square" lIns="91425" tIns="91425" rIns="91425" bIns="91425" anchor="t" anchorCtr="0">
             <a:normAutofit fontScale="90000"/>
           </a:bodyPr>
           <a:lstStyle/>
           <a:p>
-            <a:pPr indent="0" lvl="0" marL="0" rtl="0" algn="l">
+            <a:pPr marL="0" lvl="0" indent="0" algn="l" rtl="0">
               <a:spcBef>
                 <a:spcPts val="0"/>
               </a:spcBef>
@@ -7834,9 +8067,6 @@
               </a:spcAft>
               <a:buNone/>
             </a:pPr>
-            <a:r>
-              <a:t/>
-            </a:r>
             <a:endParaRPr/>
           </a:p>
         </p:txBody>
@@ -7844,9 +8074,11 @@
       <p:sp>
         <p:nvSpPr>
           <p:cNvPr id="127" name="Google Shape;127;p24"/>
-          <p:cNvSpPr txBox="1"/>
+          <p:cNvSpPr txBox="1">
+            <a:spLocks noGrp="1"/>
+          </p:cNvSpPr>
           <p:nvPr>
-            <p:ph idx="1" type="body"/>
+            <p:ph type="body" idx="1"/>
           </p:nvPr>
         </p:nvSpPr>
         <p:spPr>
@@ -7859,12 +8091,12 @@
           </a:prstGeom>
         </p:spPr>
         <p:txBody>
-          <a:bodyPr anchorCtr="0" anchor="t" bIns="91425" lIns="91425" spcFirstLastPara="1" rIns="91425" wrap="square" tIns="91425">
+          <a:bodyPr spcFirstLastPara="1" wrap="square" lIns="91425" tIns="91425" rIns="91425" bIns="91425" anchor="t" anchorCtr="0">
             <a:normAutofit/>
           </a:bodyPr>
           <a:lstStyle/>
           <a:p>
-            <a:pPr indent="0" lvl="0" marL="0" rtl="0" algn="l">
+            <a:pPr marL="0" lvl="0" indent="0" algn="l" rtl="0">
               <a:spcBef>
                 <a:spcPts val="0"/>
               </a:spcBef>
@@ -7873,9 +8105,6 @@
               </a:spcAft>
               <a:buNone/>
             </a:pPr>
-            <a:r>
-              <a:t/>
-            </a:r>
             <a:endParaRPr/>
           </a:p>
         </p:txBody>
@@ -7917,11 +8146,11 @@
 </file>
 
 <file path=ppt/slides/slide13.xml><?xml version="1.0" encoding="utf-8"?>
-<p:sld xmlns:a="http://schemas.openxmlformats.org/drawingml/2006/main" xmlns:r="http://schemas.openxmlformats.org/officeDocument/2006/relationships" xmlns:mc="http://schemas.openxmlformats.org/markup-compatibility/2006" xmlns:mv="urn:schemas-microsoft-com:mac:vml" xmlns:p="http://schemas.openxmlformats.org/presentationml/2006/main" xmlns:c="http://schemas.openxmlformats.org/drawingml/2006/chart" xmlns:dgm="http://schemas.openxmlformats.org/drawingml/2006/diagram" xmlns:o="urn:schemas-microsoft-com:office:office" xmlns:v="urn:schemas-microsoft-com:vml" xmlns:pvml="urn:schemas-microsoft-com:office:powerpoint" xmlns:com="http://schemas.openxmlformats.org/drawingml/2006/compatibility" xmlns:p14="http://schemas.microsoft.com/office/powerpoint/2010/main" xmlns:p15="http://schemas.microsoft.com/office/powerpoint/2012/main" xmlns:ahyp="http://schemas.microsoft.com/office/drawing/2018/hyperlinkcolor">
+<p:sld xmlns:a="http://schemas.openxmlformats.org/drawingml/2006/main" xmlns:r="http://schemas.openxmlformats.org/officeDocument/2006/relationships" xmlns:p="http://schemas.openxmlformats.org/presentationml/2006/main">
   <p:cSld>
     <p:spTree>
       <p:nvGrpSpPr>
-        <p:cNvPr id="132" name="Shape 132"/>
+        <p:cNvPr id="1" name="Shape 132"/>
         <p:cNvGrpSpPr/>
         <p:nvPr/>
       </p:nvGrpSpPr>
@@ -7970,11 +8199,11 @@
 </file>
 
 <file path=ppt/slides/slide14.xml><?xml version="1.0" encoding="utf-8"?>
-<p:sld xmlns:a="http://schemas.openxmlformats.org/drawingml/2006/main" xmlns:r="http://schemas.openxmlformats.org/officeDocument/2006/relationships" xmlns:mc="http://schemas.openxmlformats.org/markup-compatibility/2006" xmlns:mv="urn:schemas-microsoft-com:mac:vml" xmlns:p="http://schemas.openxmlformats.org/presentationml/2006/main" xmlns:c="http://schemas.openxmlformats.org/drawingml/2006/chart" xmlns:dgm="http://schemas.openxmlformats.org/drawingml/2006/diagram" xmlns:o="urn:schemas-microsoft-com:office:office" xmlns:v="urn:schemas-microsoft-com:vml" xmlns:pvml="urn:schemas-microsoft-com:office:powerpoint" xmlns:com="http://schemas.openxmlformats.org/drawingml/2006/compatibility" xmlns:p14="http://schemas.microsoft.com/office/powerpoint/2010/main" xmlns:p15="http://schemas.microsoft.com/office/powerpoint/2012/main" xmlns:ahyp="http://schemas.microsoft.com/office/drawing/2018/hyperlinkcolor">
+<p:sld xmlns:a="http://schemas.openxmlformats.org/drawingml/2006/main" xmlns:r="http://schemas.openxmlformats.org/officeDocument/2006/relationships" xmlns:p="http://schemas.openxmlformats.org/presentationml/2006/main">
   <p:cSld>
     <p:spTree>
       <p:nvGrpSpPr>
-        <p:cNvPr id="137" name="Shape 137"/>
+        <p:cNvPr id="1" name="Shape 137"/>
         <p:cNvGrpSpPr/>
         <p:nvPr/>
       </p:nvGrpSpPr>
@@ -8019,15 +8248,22 @@
   <p:clrMapOvr>
     <a:masterClrMapping/>
   </p:clrMapOvr>
+  <p:timing>
+    <p:tnLst>
+      <p:par>
+        <p:cTn id="1" dur="indefinite" restart="never" nodeType="tmRoot"/>
+      </p:par>
+    </p:tnLst>
+  </p:timing>
 </p:sld>
 </file>
 
 <file path=ppt/slides/slide15.xml><?xml version="1.0" encoding="utf-8"?>
-<p:sld xmlns:a="http://schemas.openxmlformats.org/drawingml/2006/main" xmlns:r="http://schemas.openxmlformats.org/officeDocument/2006/relationships" xmlns:mc="http://schemas.openxmlformats.org/markup-compatibility/2006" xmlns:mv="urn:schemas-microsoft-com:mac:vml" xmlns:p="http://schemas.openxmlformats.org/presentationml/2006/main" xmlns:c="http://schemas.openxmlformats.org/drawingml/2006/chart" xmlns:dgm="http://schemas.openxmlformats.org/drawingml/2006/diagram" xmlns:o="urn:schemas-microsoft-com:office:office" xmlns:v="urn:schemas-microsoft-com:vml" xmlns:pvml="urn:schemas-microsoft-com:office:powerpoint" xmlns:com="http://schemas.openxmlformats.org/drawingml/2006/compatibility" xmlns:p14="http://schemas.microsoft.com/office/powerpoint/2010/main" xmlns:p15="http://schemas.microsoft.com/office/powerpoint/2012/main" xmlns:ahyp="http://schemas.microsoft.com/office/drawing/2018/hyperlinkcolor">
+<p:sld xmlns:a="http://schemas.openxmlformats.org/drawingml/2006/main" xmlns:r="http://schemas.openxmlformats.org/officeDocument/2006/relationships" xmlns:p="http://schemas.openxmlformats.org/presentationml/2006/main">
   <p:cSld>
     <p:spTree>
       <p:nvGrpSpPr>
-        <p:cNvPr id="142" name="Shape 142"/>
+        <p:cNvPr id="1" name="Shape 142"/>
         <p:cNvGrpSpPr/>
         <p:nvPr/>
       </p:nvGrpSpPr>
@@ -8042,7 +8278,9 @@
       <p:sp>
         <p:nvSpPr>
           <p:cNvPr id="143" name="Google Shape;143;p27"/>
-          <p:cNvSpPr txBox="1"/>
+          <p:cNvSpPr txBox="1">
+            <a:spLocks noGrp="1"/>
+          </p:cNvSpPr>
           <p:nvPr>
             <p:ph type="title"/>
           </p:nvPr>
@@ -8057,12 +8295,12 @@
           </a:prstGeom>
         </p:spPr>
         <p:txBody>
-          <a:bodyPr anchorCtr="0" anchor="t" bIns="91425" lIns="91425" spcFirstLastPara="1" rIns="91425" wrap="square" tIns="91425">
+          <a:bodyPr spcFirstLastPara="1" wrap="square" lIns="91425" tIns="91425" rIns="91425" bIns="91425" anchor="t" anchorCtr="0">
             <a:normAutofit fontScale="90000"/>
           </a:bodyPr>
           <a:lstStyle/>
           <a:p>
-            <a:pPr indent="0" lvl="0" marL="0" rtl="0" algn="l">
+            <a:pPr marL="0" lvl="0" indent="0" algn="l" rtl="0">
               <a:spcBef>
                 <a:spcPts val="0"/>
               </a:spcBef>
@@ -8071,19 +8309,42 @@
               </a:spcAft>
               <a:buNone/>
             </a:pPr>
-            <a:r>
-              <a:t/>
-            </a:r>
-            <a:endParaRPr/>
+            <a:endParaRPr dirty="0"/>
           </a:p>
         </p:txBody>
       </p:sp>
+      <p:pic>
+        <p:nvPicPr>
+          <p:cNvPr id="2" name="Рисунок 1"/>
+          <p:cNvPicPr>
+            <a:picLocks noChangeAspect="1"/>
+          </p:cNvPicPr>
+          <p:nvPr/>
+        </p:nvPicPr>
+        <p:blipFill>
+          <a:blip r:embed="rId3"/>
+          <a:stretch>
+            <a:fillRect/>
+          </a:stretch>
+        </p:blipFill>
+        <p:spPr>
+          <a:xfrm>
+            <a:off x="0" y="353290"/>
+            <a:ext cx="9017461" cy="4288695"/>
+          </a:xfrm>
+          <a:prstGeom prst="rect">
+            <a:avLst/>
+          </a:prstGeom>
+        </p:spPr>
+      </p:pic>
       <p:sp>
         <p:nvSpPr>
           <p:cNvPr id="144" name="Google Shape;144;p27"/>
-          <p:cNvSpPr txBox="1"/>
+          <p:cNvSpPr txBox="1">
+            <a:spLocks noGrp="1"/>
+          </p:cNvSpPr>
           <p:nvPr>
-            <p:ph idx="1" type="body"/>
+            <p:ph type="body" idx="1"/>
           </p:nvPr>
         </p:nvSpPr>
         <p:spPr>
@@ -8096,12 +8357,12 @@
           </a:prstGeom>
         </p:spPr>
         <p:txBody>
-          <a:bodyPr anchorCtr="0" anchor="t" bIns="91425" lIns="91425" spcFirstLastPara="1" rIns="91425" wrap="square" tIns="91425">
+          <a:bodyPr spcFirstLastPara="1" wrap="square" lIns="91425" tIns="91425" rIns="91425" bIns="91425" anchor="t" anchorCtr="0">
             <a:normAutofit/>
           </a:bodyPr>
           <a:lstStyle/>
           <a:p>
-            <a:pPr indent="0" lvl="0" marL="0" rtl="0" algn="l">
+            <a:pPr marL="0" lvl="0" indent="0" algn="l" rtl="0">
               <a:spcBef>
                 <a:spcPts val="0"/>
               </a:spcBef>
@@ -8110,55 +8371,31 @@
               </a:spcAft>
               <a:buNone/>
             </a:pPr>
-            <a:r>
-              <a:t/>
-            </a:r>
-            <a:endParaRPr/>
+            <a:endParaRPr dirty="0"/>
           </a:p>
         </p:txBody>
       </p:sp>
-      <p:pic>
-        <p:nvPicPr>
-          <p:cNvPr id="145" name="Google Shape;145;p27"/>
-          <p:cNvPicPr preferRelativeResize="0"/>
-          <p:nvPr/>
-        </p:nvPicPr>
-        <p:blipFill>
-          <a:blip r:embed="rId3">
-            <a:alphaModFix/>
-          </a:blip>
-          <a:stretch>
-            <a:fillRect/>
-          </a:stretch>
-        </p:blipFill>
-        <p:spPr>
-          <a:xfrm>
-            <a:off x="0" y="433621"/>
-            <a:ext cx="9144001" cy="4276259"/>
-          </a:xfrm>
-          <a:prstGeom prst="rect">
-            <a:avLst/>
-          </a:prstGeom>
-          <a:noFill/>
-          <a:ln>
-            <a:noFill/>
-          </a:ln>
-        </p:spPr>
-      </p:pic>
     </p:spTree>
   </p:cSld>
   <p:clrMapOvr>
     <a:masterClrMapping/>
   </p:clrMapOvr>
+  <p:timing>
+    <p:tnLst>
+      <p:par>
+        <p:cTn id="1" dur="indefinite" restart="never" nodeType="tmRoot"/>
+      </p:par>
+    </p:tnLst>
+  </p:timing>
 </p:sld>
 </file>
 
 <file path=ppt/slides/slide16.xml><?xml version="1.0" encoding="utf-8"?>
-<p:sld xmlns:a="http://schemas.openxmlformats.org/drawingml/2006/main" xmlns:r="http://schemas.openxmlformats.org/officeDocument/2006/relationships" xmlns:mc="http://schemas.openxmlformats.org/markup-compatibility/2006" xmlns:mv="urn:schemas-microsoft-com:mac:vml" xmlns:p="http://schemas.openxmlformats.org/presentationml/2006/main" xmlns:c="http://schemas.openxmlformats.org/drawingml/2006/chart" xmlns:dgm="http://schemas.openxmlformats.org/drawingml/2006/diagram" xmlns:o="urn:schemas-microsoft-com:office:office" xmlns:v="urn:schemas-microsoft-com:vml" xmlns:pvml="urn:schemas-microsoft-com:office:powerpoint" xmlns:com="http://schemas.openxmlformats.org/drawingml/2006/compatibility" xmlns:p14="http://schemas.microsoft.com/office/powerpoint/2010/main" xmlns:p15="http://schemas.microsoft.com/office/powerpoint/2012/main" xmlns:ahyp="http://schemas.microsoft.com/office/drawing/2018/hyperlinkcolor">
+<p:sld xmlns:a="http://schemas.openxmlformats.org/drawingml/2006/main" xmlns:r="http://schemas.openxmlformats.org/officeDocument/2006/relationships" xmlns:p="http://schemas.openxmlformats.org/presentationml/2006/main">
   <p:cSld>
     <p:spTree>
       <p:nvGrpSpPr>
-        <p:cNvPr id="149" name="Shape 149"/>
+        <p:cNvPr id="1" name="Shape 149"/>
         <p:cNvGrpSpPr/>
         <p:nvPr/>
       </p:nvGrpSpPr>
@@ -8173,7 +8410,9 @@
       <p:sp>
         <p:nvSpPr>
           <p:cNvPr id="150" name="Google Shape;150;p28"/>
-          <p:cNvSpPr txBox="1"/>
+          <p:cNvSpPr txBox="1">
+            <a:spLocks noGrp="1"/>
+          </p:cNvSpPr>
           <p:nvPr>
             <p:ph type="title"/>
           </p:nvPr>
@@ -8188,12 +8427,12 @@
           </a:prstGeom>
         </p:spPr>
         <p:txBody>
-          <a:bodyPr anchorCtr="0" anchor="t" bIns="91425" lIns="91425" spcFirstLastPara="1" rIns="91425" wrap="square" tIns="91425">
+          <a:bodyPr spcFirstLastPara="1" wrap="square" lIns="91425" tIns="91425" rIns="91425" bIns="91425" anchor="t" anchorCtr="0">
             <a:normAutofit fontScale="90000"/>
           </a:bodyPr>
           <a:lstStyle/>
           <a:p>
-            <a:pPr indent="0" lvl="0" marL="0" rtl="0" algn="l">
+            <a:pPr marL="0" lvl="0" indent="0" algn="l" rtl="0">
               <a:spcBef>
                 <a:spcPts val="0"/>
               </a:spcBef>
@@ -8202,19 +8441,42 @@
               </a:spcAft>
               <a:buNone/>
             </a:pPr>
-            <a:r>
-              <a:t/>
-            </a:r>
             <a:endParaRPr/>
           </a:p>
         </p:txBody>
       </p:sp>
+      <p:pic>
+        <p:nvPicPr>
+          <p:cNvPr id="2" name="Рисунок 1"/>
+          <p:cNvPicPr>
+            <a:picLocks noChangeAspect="1"/>
+          </p:cNvPicPr>
+          <p:nvPr/>
+        </p:nvPicPr>
+        <p:blipFill>
+          <a:blip r:embed="rId3"/>
+          <a:stretch>
+            <a:fillRect/>
+          </a:stretch>
+        </p:blipFill>
+        <p:spPr>
+          <a:xfrm>
+            <a:off x="1285416" y="810490"/>
+            <a:ext cx="6573167" cy="3686689"/>
+          </a:xfrm>
+          <a:prstGeom prst="rect">
+            <a:avLst/>
+          </a:prstGeom>
+        </p:spPr>
+      </p:pic>
       <p:sp>
         <p:nvSpPr>
           <p:cNvPr id="151" name="Google Shape;151;p28"/>
-          <p:cNvSpPr txBox="1"/>
+          <p:cNvSpPr txBox="1">
+            <a:spLocks noGrp="1"/>
+          </p:cNvSpPr>
           <p:nvPr>
-            <p:ph idx="1" type="body"/>
+            <p:ph type="body" idx="1"/>
           </p:nvPr>
         </p:nvSpPr>
         <p:spPr>
@@ -8227,12 +8489,12 @@
           </a:prstGeom>
         </p:spPr>
         <p:txBody>
-          <a:bodyPr anchorCtr="0" anchor="t" bIns="91425" lIns="91425" spcFirstLastPara="1" rIns="91425" wrap="square" tIns="91425">
+          <a:bodyPr spcFirstLastPara="1" wrap="square" lIns="91425" tIns="91425" rIns="91425" bIns="91425" anchor="t" anchorCtr="0">
             <a:normAutofit/>
           </a:bodyPr>
           <a:lstStyle/>
           <a:p>
-            <a:pPr indent="0" lvl="0" marL="0" rtl="0" algn="l">
+            <a:pPr marL="0" lvl="0" indent="0" algn="l" rtl="0">
               <a:spcBef>
                 <a:spcPts val="0"/>
               </a:spcBef>
@@ -8241,55 +8503,31 @@
               </a:spcAft>
               <a:buNone/>
             </a:pPr>
-            <a:r>
-              <a:t/>
-            </a:r>
-            <a:endParaRPr/>
+            <a:endParaRPr dirty="0"/>
           </a:p>
         </p:txBody>
       </p:sp>
-      <p:pic>
-        <p:nvPicPr>
-          <p:cNvPr id="152" name="Google Shape;152;p28"/>
-          <p:cNvPicPr preferRelativeResize="0"/>
-          <p:nvPr/>
-        </p:nvPicPr>
-        <p:blipFill>
-          <a:blip r:embed="rId3">
-            <a:alphaModFix/>
-          </a:blip>
-          <a:stretch>
-            <a:fillRect/>
-          </a:stretch>
-        </p:blipFill>
-        <p:spPr>
-          <a:xfrm>
-            <a:off x="1338250" y="752475"/>
-            <a:ext cx="6467475" cy="3638550"/>
-          </a:xfrm>
-          <a:prstGeom prst="rect">
-            <a:avLst/>
-          </a:prstGeom>
-          <a:noFill/>
-          <a:ln>
-            <a:noFill/>
-          </a:ln>
-        </p:spPr>
-      </p:pic>
     </p:spTree>
   </p:cSld>
   <p:clrMapOvr>
     <a:masterClrMapping/>
   </p:clrMapOvr>
+  <p:timing>
+    <p:tnLst>
+      <p:par>
+        <p:cTn id="1" dur="indefinite" restart="never" nodeType="tmRoot"/>
+      </p:par>
+    </p:tnLst>
+  </p:timing>
 </p:sld>
 </file>
 
 <file path=ppt/slides/slide17.xml><?xml version="1.0" encoding="utf-8"?>
-<p:sld xmlns:a="http://schemas.openxmlformats.org/drawingml/2006/main" xmlns:r="http://schemas.openxmlformats.org/officeDocument/2006/relationships" xmlns:mc="http://schemas.openxmlformats.org/markup-compatibility/2006" xmlns:mv="urn:schemas-microsoft-com:mac:vml" xmlns:p="http://schemas.openxmlformats.org/presentationml/2006/main" xmlns:c="http://schemas.openxmlformats.org/drawingml/2006/chart" xmlns:dgm="http://schemas.openxmlformats.org/drawingml/2006/diagram" xmlns:o="urn:schemas-microsoft-com:office:office" xmlns:v="urn:schemas-microsoft-com:vml" xmlns:pvml="urn:schemas-microsoft-com:office:powerpoint" xmlns:com="http://schemas.openxmlformats.org/drawingml/2006/compatibility" xmlns:p14="http://schemas.microsoft.com/office/powerpoint/2010/main" xmlns:p15="http://schemas.microsoft.com/office/powerpoint/2012/main" xmlns:ahyp="http://schemas.microsoft.com/office/drawing/2018/hyperlinkcolor">
+<p:sld xmlns:a="http://schemas.openxmlformats.org/drawingml/2006/main" xmlns:r="http://schemas.openxmlformats.org/officeDocument/2006/relationships" xmlns:p="http://schemas.openxmlformats.org/presentationml/2006/main">
   <p:cSld>
     <p:spTree>
       <p:nvGrpSpPr>
-        <p:cNvPr id="156" name="Shape 156"/>
+        <p:cNvPr id="1" name="Shape 156"/>
         <p:cNvGrpSpPr/>
         <p:nvPr/>
       </p:nvGrpSpPr>
@@ -8304,7 +8542,9 @@
       <p:sp>
         <p:nvSpPr>
           <p:cNvPr id="157" name="Google Shape;157;p29"/>
-          <p:cNvSpPr txBox="1"/>
+          <p:cNvSpPr txBox="1">
+            <a:spLocks noGrp="1"/>
+          </p:cNvSpPr>
           <p:nvPr>
             <p:ph type="title"/>
           </p:nvPr>
@@ -8319,12 +8559,12 @@
           </a:prstGeom>
         </p:spPr>
         <p:txBody>
-          <a:bodyPr anchorCtr="0" anchor="t" bIns="91425" lIns="91425" spcFirstLastPara="1" rIns="91425" wrap="square" tIns="91425">
+          <a:bodyPr spcFirstLastPara="1" wrap="square" lIns="91425" tIns="91425" rIns="91425" bIns="91425" anchor="t" anchorCtr="0">
             <a:normAutofit fontScale="90000"/>
           </a:bodyPr>
           <a:lstStyle/>
           <a:p>
-            <a:pPr indent="0" lvl="0" marL="0" rtl="0" algn="l">
+            <a:pPr marL="0" lvl="0" indent="0" algn="l" rtl="0">
               <a:spcBef>
                 <a:spcPts val="0"/>
               </a:spcBef>
@@ -8333,19 +8573,42 @@
               </a:spcAft>
               <a:buNone/>
             </a:pPr>
-            <a:r>
-              <a:t/>
-            </a:r>
             <a:endParaRPr/>
           </a:p>
         </p:txBody>
       </p:sp>
+      <p:pic>
+        <p:nvPicPr>
+          <p:cNvPr id="2" name="Рисунок 1"/>
+          <p:cNvPicPr>
+            <a:picLocks noChangeAspect="1"/>
+          </p:cNvPicPr>
+          <p:nvPr/>
+        </p:nvPicPr>
+        <p:blipFill>
+          <a:blip r:embed="rId3"/>
+          <a:stretch>
+            <a:fillRect/>
+          </a:stretch>
+        </p:blipFill>
+        <p:spPr>
+          <a:xfrm>
+            <a:off x="1337811" y="782605"/>
+            <a:ext cx="6468378" cy="3696216"/>
+          </a:xfrm>
+          <a:prstGeom prst="rect">
+            <a:avLst/>
+          </a:prstGeom>
+        </p:spPr>
+      </p:pic>
       <p:sp>
         <p:nvSpPr>
           <p:cNvPr id="158" name="Google Shape;158;p29"/>
-          <p:cNvSpPr txBox="1"/>
+          <p:cNvSpPr txBox="1">
+            <a:spLocks noGrp="1"/>
+          </p:cNvSpPr>
           <p:nvPr>
-            <p:ph idx="1" type="body"/>
+            <p:ph type="body" idx="1"/>
           </p:nvPr>
         </p:nvSpPr>
         <p:spPr>
@@ -8358,12 +8621,12 @@
           </a:prstGeom>
         </p:spPr>
         <p:txBody>
-          <a:bodyPr anchorCtr="0" anchor="t" bIns="91425" lIns="91425" spcFirstLastPara="1" rIns="91425" wrap="square" tIns="91425">
+          <a:bodyPr spcFirstLastPara="1" wrap="square" lIns="91425" tIns="91425" rIns="91425" bIns="91425" anchor="t" anchorCtr="0">
             <a:normAutofit/>
           </a:bodyPr>
           <a:lstStyle/>
           <a:p>
-            <a:pPr indent="0" lvl="0" marL="0" rtl="0" algn="l">
+            <a:pPr marL="0" lvl="0" indent="0" algn="l" rtl="0">
               <a:spcBef>
                 <a:spcPts val="0"/>
               </a:spcBef>
@@ -8372,55 +8635,31 @@
               </a:spcAft>
               <a:buNone/>
             </a:pPr>
-            <a:r>
-              <a:t/>
-            </a:r>
-            <a:endParaRPr/>
+            <a:endParaRPr dirty="0"/>
           </a:p>
         </p:txBody>
       </p:sp>
-      <p:pic>
-        <p:nvPicPr>
-          <p:cNvPr id="159" name="Google Shape;159;p29"/>
-          <p:cNvPicPr preferRelativeResize="0"/>
-          <p:nvPr/>
-        </p:nvPicPr>
-        <p:blipFill>
-          <a:blip r:embed="rId3">
-            <a:alphaModFix/>
-          </a:blip>
-          <a:stretch>
-            <a:fillRect/>
-          </a:stretch>
-        </p:blipFill>
-        <p:spPr>
-          <a:xfrm>
-            <a:off x="1347788" y="738175"/>
-            <a:ext cx="6448425" cy="3667125"/>
-          </a:xfrm>
-          <a:prstGeom prst="rect">
-            <a:avLst/>
-          </a:prstGeom>
-          <a:noFill/>
-          <a:ln>
-            <a:noFill/>
-          </a:ln>
-        </p:spPr>
-      </p:pic>
     </p:spTree>
   </p:cSld>
   <p:clrMapOvr>
     <a:masterClrMapping/>
   </p:clrMapOvr>
+  <p:timing>
+    <p:tnLst>
+      <p:par>
+        <p:cTn id="1" dur="indefinite" restart="never" nodeType="tmRoot"/>
+      </p:par>
+    </p:tnLst>
+  </p:timing>
 </p:sld>
 </file>
 
 <file path=ppt/slides/slide18.xml><?xml version="1.0" encoding="utf-8"?>
-<p:sld xmlns:a="http://schemas.openxmlformats.org/drawingml/2006/main" xmlns:r="http://schemas.openxmlformats.org/officeDocument/2006/relationships" xmlns:mc="http://schemas.openxmlformats.org/markup-compatibility/2006" xmlns:mv="urn:schemas-microsoft-com:mac:vml" xmlns:p="http://schemas.openxmlformats.org/presentationml/2006/main" xmlns:c="http://schemas.openxmlformats.org/drawingml/2006/chart" xmlns:dgm="http://schemas.openxmlformats.org/drawingml/2006/diagram" xmlns:o="urn:schemas-microsoft-com:office:office" xmlns:v="urn:schemas-microsoft-com:vml" xmlns:pvml="urn:schemas-microsoft-com:office:powerpoint" xmlns:com="http://schemas.openxmlformats.org/drawingml/2006/compatibility" xmlns:p14="http://schemas.microsoft.com/office/powerpoint/2010/main" xmlns:p15="http://schemas.microsoft.com/office/powerpoint/2012/main" xmlns:ahyp="http://schemas.microsoft.com/office/drawing/2018/hyperlinkcolor">
+<p:sld xmlns:a="http://schemas.openxmlformats.org/drawingml/2006/main" xmlns:r="http://schemas.openxmlformats.org/officeDocument/2006/relationships" xmlns:p="http://schemas.openxmlformats.org/presentationml/2006/main">
   <p:cSld>
     <p:spTree>
       <p:nvGrpSpPr>
-        <p:cNvPr id="163" name="Shape 163"/>
+        <p:cNvPr id="1" name="Shape 163"/>
         <p:cNvGrpSpPr/>
         <p:nvPr/>
       </p:nvGrpSpPr>
@@ -8435,7 +8674,9 @@
       <p:sp>
         <p:nvSpPr>
           <p:cNvPr id="164" name="Google Shape;164;p30"/>
-          <p:cNvSpPr txBox="1"/>
+          <p:cNvSpPr txBox="1">
+            <a:spLocks noGrp="1"/>
+          </p:cNvSpPr>
           <p:nvPr>
             <p:ph type="title"/>
           </p:nvPr>
@@ -8450,12 +8691,12 @@
           </a:prstGeom>
         </p:spPr>
         <p:txBody>
-          <a:bodyPr anchorCtr="0" anchor="t" bIns="91425" lIns="91425" spcFirstLastPara="1" rIns="91425" wrap="square" tIns="91425">
+          <a:bodyPr spcFirstLastPara="1" wrap="square" lIns="91425" tIns="91425" rIns="91425" bIns="91425" anchor="t" anchorCtr="0">
             <a:normAutofit fontScale="90000"/>
           </a:bodyPr>
           <a:lstStyle/>
           <a:p>
-            <a:pPr indent="0" lvl="0" marL="0" rtl="0" algn="l">
+            <a:pPr marL="0" lvl="0" indent="0" algn="l" rtl="0">
               <a:spcBef>
                 <a:spcPts val="0"/>
               </a:spcBef>
@@ -8464,19 +8705,42 @@
               </a:spcAft>
               <a:buNone/>
             </a:pPr>
-            <a:r>
-              <a:t/>
-            </a:r>
             <a:endParaRPr/>
           </a:p>
         </p:txBody>
       </p:sp>
+      <p:pic>
+        <p:nvPicPr>
+          <p:cNvPr id="2" name="Рисунок 1"/>
+          <p:cNvPicPr>
+            <a:picLocks noChangeAspect="1"/>
+          </p:cNvPicPr>
+          <p:nvPr/>
+        </p:nvPicPr>
+        <p:blipFill>
+          <a:blip r:embed="rId3"/>
+          <a:stretch>
+            <a:fillRect/>
+          </a:stretch>
+        </p:blipFill>
+        <p:spPr>
+          <a:xfrm>
+            <a:off x="221673" y="360219"/>
+            <a:ext cx="8545118" cy="4620270"/>
+          </a:xfrm>
+          <a:prstGeom prst="rect">
+            <a:avLst/>
+          </a:prstGeom>
+        </p:spPr>
+      </p:pic>
       <p:sp>
         <p:nvSpPr>
           <p:cNvPr id="165" name="Google Shape;165;p30"/>
-          <p:cNvSpPr txBox="1"/>
+          <p:cNvSpPr txBox="1">
+            <a:spLocks noGrp="1"/>
+          </p:cNvSpPr>
           <p:nvPr>
-            <p:ph idx="1" type="body"/>
+            <p:ph type="body" idx="1"/>
           </p:nvPr>
         </p:nvSpPr>
         <p:spPr>
@@ -8489,12 +8753,12 @@
           </a:prstGeom>
         </p:spPr>
         <p:txBody>
-          <a:bodyPr anchorCtr="0" anchor="t" bIns="91425" lIns="91425" spcFirstLastPara="1" rIns="91425" wrap="square" tIns="91425">
+          <a:bodyPr spcFirstLastPara="1" wrap="square" lIns="91425" tIns="91425" rIns="91425" bIns="91425" anchor="t" anchorCtr="0">
             <a:normAutofit/>
           </a:bodyPr>
           <a:lstStyle/>
           <a:p>
-            <a:pPr indent="0" lvl="0" marL="0" rtl="0" algn="l">
+            <a:pPr marL="0" lvl="0" indent="0" algn="l" rtl="0">
               <a:spcBef>
                 <a:spcPts val="0"/>
               </a:spcBef>
@@ -8503,55 +8767,31 @@
               </a:spcAft>
               <a:buNone/>
             </a:pPr>
-            <a:r>
-              <a:t/>
-            </a:r>
-            <a:endParaRPr/>
+            <a:endParaRPr dirty="0"/>
           </a:p>
         </p:txBody>
       </p:sp>
-      <p:pic>
-        <p:nvPicPr>
-          <p:cNvPr id="166" name="Google Shape;166;p30"/>
-          <p:cNvPicPr preferRelativeResize="0"/>
-          <p:nvPr/>
-        </p:nvPicPr>
-        <p:blipFill>
-          <a:blip r:embed="rId3">
-            <a:alphaModFix/>
-          </a:blip>
-          <a:stretch>
-            <a:fillRect/>
-          </a:stretch>
-        </p:blipFill>
-        <p:spPr>
-          <a:xfrm>
-            <a:off x="0" y="514774"/>
-            <a:ext cx="9144000" cy="4113952"/>
-          </a:xfrm>
-          <a:prstGeom prst="rect">
-            <a:avLst/>
-          </a:prstGeom>
-          <a:noFill/>
-          <a:ln>
-            <a:noFill/>
-          </a:ln>
-        </p:spPr>
-      </p:pic>
     </p:spTree>
   </p:cSld>
   <p:clrMapOvr>
     <a:masterClrMapping/>
   </p:clrMapOvr>
+  <p:timing>
+    <p:tnLst>
+      <p:par>
+        <p:cTn id="1" dur="indefinite" restart="never" nodeType="tmRoot"/>
+      </p:par>
+    </p:tnLst>
+  </p:timing>
 </p:sld>
 </file>
 
 <file path=ppt/slides/slide19.xml><?xml version="1.0" encoding="utf-8"?>
-<p:sld xmlns:a="http://schemas.openxmlformats.org/drawingml/2006/main" xmlns:r="http://schemas.openxmlformats.org/officeDocument/2006/relationships" xmlns:mc="http://schemas.openxmlformats.org/markup-compatibility/2006" xmlns:mv="urn:schemas-microsoft-com:mac:vml" xmlns:p="http://schemas.openxmlformats.org/presentationml/2006/main" xmlns:c="http://schemas.openxmlformats.org/drawingml/2006/chart" xmlns:dgm="http://schemas.openxmlformats.org/drawingml/2006/diagram" xmlns:o="urn:schemas-microsoft-com:office:office" xmlns:v="urn:schemas-microsoft-com:vml" xmlns:pvml="urn:schemas-microsoft-com:office:powerpoint" xmlns:com="http://schemas.openxmlformats.org/drawingml/2006/compatibility" xmlns:p14="http://schemas.microsoft.com/office/powerpoint/2010/main" xmlns:p15="http://schemas.microsoft.com/office/powerpoint/2012/main" xmlns:ahyp="http://schemas.microsoft.com/office/drawing/2018/hyperlinkcolor">
+<p:sld xmlns:a="http://schemas.openxmlformats.org/drawingml/2006/main" xmlns:r="http://schemas.openxmlformats.org/officeDocument/2006/relationships" xmlns:p="http://schemas.openxmlformats.org/presentationml/2006/main">
   <p:cSld>
     <p:spTree>
       <p:nvGrpSpPr>
-        <p:cNvPr id="170" name="Shape 170"/>
+        <p:cNvPr id="1" name="Shape 170"/>
         <p:cNvGrpSpPr/>
         <p:nvPr/>
       </p:nvGrpSpPr>
@@ -8566,7 +8806,9 @@
       <p:sp>
         <p:nvSpPr>
           <p:cNvPr id="171" name="Google Shape;171;p31"/>
-          <p:cNvSpPr txBox="1"/>
+          <p:cNvSpPr txBox="1">
+            <a:spLocks noGrp="1"/>
+          </p:cNvSpPr>
           <p:nvPr>
             <p:ph type="title"/>
           </p:nvPr>
@@ -8581,12 +8823,12 @@
           </a:prstGeom>
         </p:spPr>
         <p:txBody>
-          <a:bodyPr anchorCtr="0" anchor="t" bIns="91425" lIns="91425" spcFirstLastPara="1" rIns="91425" wrap="square" tIns="91425">
+          <a:bodyPr spcFirstLastPara="1" wrap="square" lIns="91425" tIns="91425" rIns="91425" bIns="91425" anchor="t" anchorCtr="0">
             <a:normAutofit fontScale="90000"/>
           </a:bodyPr>
           <a:lstStyle/>
           <a:p>
-            <a:pPr indent="0" lvl="0" marL="0" rtl="0" algn="l">
+            <a:pPr marL="0" lvl="0" indent="0" algn="l" rtl="0">
               <a:spcBef>
                 <a:spcPts val="0"/>
               </a:spcBef>
@@ -8595,19 +8837,42 @@
               </a:spcAft>
               <a:buNone/>
             </a:pPr>
-            <a:r>
-              <a:t/>
-            </a:r>
             <a:endParaRPr/>
           </a:p>
         </p:txBody>
       </p:sp>
+      <p:pic>
+        <p:nvPicPr>
+          <p:cNvPr id="2" name="Рисунок 1"/>
+          <p:cNvPicPr>
+            <a:picLocks noChangeAspect="1"/>
+          </p:cNvPicPr>
+          <p:nvPr/>
+        </p:nvPicPr>
+        <p:blipFill>
+          <a:blip r:embed="rId3"/>
+          <a:stretch>
+            <a:fillRect/>
+          </a:stretch>
+        </p:blipFill>
+        <p:spPr>
+          <a:xfrm>
+            <a:off x="542362" y="731375"/>
+            <a:ext cx="8059275" cy="3829584"/>
+          </a:xfrm>
+          <a:prstGeom prst="rect">
+            <a:avLst/>
+          </a:prstGeom>
+        </p:spPr>
+      </p:pic>
       <p:sp>
         <p:nvSpPr>
           <p:cNvPr id="172" name="Google Shape;172;p31"/>
-          <p:cNvSpPr txBox="1"/>
+          <p:cNvSpPr txBox="1">
+            <a:spLocks noGrp="1"/>
+          </p:cNvSpPr>
           <p:nvPr>
-            <p:ph idx="1" type="body"/>
+            <p:ph type="body" idx="1"/>
           </p:nvPr>
         </p:nvSpPr>
         <p:spPr>
@@ -8620,12 +8885,12 @@
           </a:prstGeom>
         </p:spPr>
         <p:txBody>
-          <a:bodyPr anchorCtr="0" anchor="t" bIns="91425" lIns="91425" spcFirstLastPara="1" rIns="91425" wrap="square" tIns="91425">
+          <a:bodyPr spcFirstLastPara="1" wrap="square" lIns="91425" tIns="91425" rIns="91425" bIns="91425" anchor="t" anchorCtr="0">
             <a:normAutofit/>
           </a:bodyPr>
           <a:lstStyle/>
           <a:p>
-            <a:pPr indent="0" lvl="0" marL="0" rtl="0" algn="l">
+            <a:pPr marL="0" lvl="0" indent="0" algn="l" rtl="0">
               <a:spcBef>
                 <a:spcPts val="0"/>
               </a:spcBef>
@@ -8634,55 +8899,31 @@
               </a:spcAft>
               <a:buNone/>
             </a:pPr>
-            <a:r>
-              <a:t/>
-            </a:r>
-            <a:endParaRPr/>
+            <a:endParaRPr dirty="0"/>
           </a:p>
         </p:txBody>
       </p:sp>
-      <p:pic>
-        <p:nvPicPr>
-          <p:cNvPr id="173" name="Google Shape;173;p31"/>
-          <p:cNvPicPr preferRelativeResize="0"/>
-          <p:nvPr/>
-        </p:nvPicPr>
-        <p:blipFill>
-          <a:blip r:embed="rId3">
-            <a:alphaModFix/>
-          </a:blip>
-          <a:stretch>
-            <a:fillRect/>
-          </a:stretch>
-        </p:blipFill>
-        <p:spPr>
-          <a:xfrm>
-            <a:off x="600075" y="628650"/>
-            <a:ext cx="7943850" cy="3886200"/>
-          </a:xfrm>
-          <a:prstGeom prst="rect">
-            <a:avLst/>
-          </a:prstGeom>
-          <a:noFill/>
-          <a:ln>
-            <a:noFill/>
-          </a:ln>
-        </p:spPr>
-      </p:pic>
     </p:spTree>
   </p:cSld>
   <p:clrMapOvr>
     <a:masterClrMapping/>
   </p:clrMapOvr>
+  <p:timing>
+    <p:tnLst>
+      <p:par>
+        <p:cTn id="1" dur="indefinite" restart="never" nodeType="tmRoot"/>
+      </p:par>
+    </p:tnLst>
+  </p:timing>
 </p:sld>
 </file>
 
 <file path=ppt/slides/slide2.xml><?xml version="1.0" encoding="utf-8"?>
-<p:sld xmlns:a="http://schemas.openxmlformats.org/drawingml/2006/main" xmlns:r="http://schemas.openxmlformats.org/officeDocument/2006/relationships" xmlns:mc="http://schemas.openxmlformats.org/markup-compatibility/2006" xmlns:mv="urn:schemas-microsoft-com:mac:vml" xmlns:p="http://schemas.openxmlformats.org/presentationml/2006/main" xmlns:c="http://schemas.openxmlformats.org/drawingml/2006/chart" xmlns:dgm="http://schemas.openxmlformats.org/drawingml/2006/diagram" xmlns:o="urn:schemas-microsoft-com:office:office" xmlns:v="urn:schemas-microsoft-com:vml" xmlns:pvml="urn:schemas-microsoft-com:office:powerpoint" xmlns:com="http://schemas.openxmlformats.org/drawingml/2006/compatibility" xmlns:p14="http://schemas.microsoft.com/office/powerpoint/2010/main" xmlns:p15="http://schemas.microsoft.com/office/powerpoint/2012/main" xmlns:ahyp="http://schemas.microsoft.com/office/drawing/2018/hyperlinkcolor">
+<p:sld xmlns:a="http://schemas.openxmlformats.org/drawingml/2006/main" xmlns:r="http://schemas.openxmlformats.org/officeDocument/2006/relationships" xmlns:p="http://schemas.openxmlformats.org/presentationml/2006/main">
   <p:cSld>
     <p:spTree>
       <p:nvGrpSpPr>
-        <p:cNvPr id="59" name="Shape 59"/>
+        <p:cNvPr id="1" name="Shape 59"/>
         <p:cNvGrpSpPr/>
         <p:nvPr/>
       </p:nvGrpSpPr>
@@ -8737,23 +8978,23 @@
             <a:avLst/>
           </a:prstGeom>
           <a:noFill/>
-          <a:ln cap="flat" cmpd="sng" w="28575">
+          <a:ln w="28575" cap="flat" cmpd="sng">
             <a:solidFill>
               <a:srgbClr val="FF0000"/>
             </a:solidFill>
             <a:prstDash val="solid"/>
             <a:round/>
-            <a:headEnd len="sm" w="sm" type="none"/>
-            <a:tailEnd len="sm" w="sm" type="none"/>
+            <a:headEnd type="none" w="sm" len="sm"/>
+            <a:tailEnd type="none" w="sm" len="sm"/>
           </a:ln>
         </p:spPr>
         <p:txBody>
-          <a:bodyPr anchorCtr="0" anchor="ctr" bIns="91425" lIns="91425" spcFirstLastPara="1" rIns="91425" wrap="square" tIns="91425">
+          <a:bodyPr spcFirstLastPara="1" wrap="square" lIns="91425" tIns="91425" rIns="91425" bIns="91425" anchor="ctr" anchorCtr="0">
             <a:noAutofit/>
           </a:bodyPr>
           <a:lstStyle/>
           <a:p>
-            <a:pPr indent="0" lvl="0" marL="0" rtl="0" algn="l">
+            <a:pPr marL="0" lvl="0" indent="0" algn="l" rtl="0">
               <a:spcBef>
                 <a:spcPts val="0"/>
               </a:spcBef>
@@ -8762,9 +9003,6 @@
               </a:spcAft>
               <a:buNone/>
             </a:pPr>
-            <a:r>
-              <a:t/>
-            </a:r>
             <a:endParaRPr/>
           </a:p>
         </p:txBody>
@@ -8778,11 +9016,11 @@
 </file>
 
 <file path=ppt/slides/slide20.xml><?xml version="1.0" encoding="utf-8"?>
-<p:sld xmlns:a="http://schemas.openxmlformats.org/drawingml/2006/main" xmlns:r="http://schemas.openxmlformats.org/officeDocument/2006/relationships" xmlns:mc="http://schemas.openxmlformats.org/markup-compatibility/2006" xmlns:mv="urn:schemas-microsoft-com:mac:vml" xmlns:p="http://schemas.openxmlformats.org/presentationml/2006/main" xmlns:c="http://schemas.openxmlformats.org/drawingml/2006/chart" xmlns:dgm="http://schemas.openxmlformats.org/drawingml/2006/diagram" xmlns:o="urn:schemas-microsoft-com:office:office" xmlns:v="urn:schemas-microsoft-com:vml" xmlns:pvml="urn:schemas-microsoft-com:office:powerpoint" xmlns:com="http://schemas.openxmlformats.org/drawingml/2006/compatibility" xmlns:p14="http://schemas.microsoft.com/office/powerpoint/2010/main" xmlns:p15="http://schemas.microsoft.com/office/powerpoint/2012/main" xmlns:ahyp="http://schemas.microsoft.com/office/drawing/2018/hyperlinkcolor">
+<p:sld xmlns:a="http://schemas.openxmlformats.org/drawingml/2006/main" xmlns:r="http://schemas.openxmlformats.org/officeDocument/2006/relationships" xmlns:p="http://schemas.openxmlformats.org/presentationml/2006/main">
   <p:cSld>
     <p:spTree>
       <p:nvGrpSpPr>
-        <p:cNvPr id="177" name="Shape 177"/>
+        <p:cNvPr id="1" name="Shape 177"/>
         <p:cNvGrpSpPr/>
         <p:nvPr/>
       </p:nvGrpSpPr>
@@ -8797,7 +9035,9 @@
       <p:sp>
         <p:nvSpPr>
           <p:cNvPr id="178" name="Google Shape;178;p32"/>
-          <p:cNvSpPr txBox="1"/>
+          <p:cNvSpPr txBox="1">
+            <a:spLocks noGrp="1"/>
+          </p:cNvSpPr>
           <p:nvPr>
             <p:ph type="title"/>
           </p:nvPr>
@@ -8812,12 +9052,12 @@
           </a:prstGeom>
         </p:spPr>
         <p:txBody>
-          <a:bodyPr anchorCtr="0" anchor="t" bIns="91425" lIns="91425" spcFirstLastPara="1" rIns="91425" wrap="square" tIns="91425">
+          <a:bodyPr spcFirstLastPara="1" wrap="square" lIns="91425" tIns="91425" rIns="91425" bIns="91425" anchor="t" anchorCtr="0">
             <a:normAutofit fontScale="90000"/>
           </a:bodyPr>
           <a:lstStyle/>
           <a:p>
-            <a:pPr indent="0" lvl="0" marL="0" rtl="0" algn="l">
+            <a:pPr marL="0" lvl="0" indent="0" algn="l" rtl="0">
               <a:spcBef>
                 <a:spcPts val="0"/>
               </a:spcBef>
@@ -8826,9 +9066,6 @@
               </a:spcAft>
               <a:buNone/>
             </a:pPr>
-            <a:r>
-              <a:t/>
-            </a:r>
             <a:endParaRPr/>
           </a:p>
         </p:txBody>
@@ -8836,9 +9073,11 @@
       <p:sp>
         <p:nvSpPr>
           <p:cNvPr id="179" name="Google Shape;179;p32"/>
-          <p:cNvSpPr txBox="1"/>
+          <p:cNvSpPr txBox="1">
+            <a:spLocks noGrp="1"/>
+          </p:cNvSpPr>
           <p:nvPr>
-            <p:ph idx="1" type="body"/>
+            <p:ph type="body" idx="1"/>
           </p:nvPr>
         </p:nvSpPr>
         <p:spPr>
@@ -8851,12 +9090,12 @@
           </a:prstGeom>
         </p:spPr>
         <p:txBody>
-          <a:bodyPr anchorCtr="0" anchor="t" bIns="91425" lIns="91425" spcFirstLastPara="1" rIns="91425" wrap="square" tIns="91425">
+          <a:bodyPr spcFirstLastPara="1" wrap="square" lIns="91425" tIns="91425" rIns="91425" bIns="91425" anchor="t" anchorCtr="0">
             <a:normAutofit/>
           </a:bodyPr>
           <a:lstStyle/>
           <a:p>
-            <a:pPr indent="0" lvl="0" marL="0" rtl="0" algn="l">
+            <a:pPr marL="0" lvl="0" indent="0" algn="l" rtl="0">
               <a:spcBef>
                 <a:spcPts val="0"/>
               </a:spcBef>
@@ -8865,9 +9104,6 @@
               </a:spcAft>
               <a:buNone/>
             </a:pPr>
-            <a:r>
-              <a:t/>
-            </a:r>
             <a:endParaRPr/>
           </a:p>
         </p:txBody>
@@ -8905,15 +9141,22 @@
   <p:clrMapOvr>
     <a:masterClrMapping/>
   </p:clrMapOvr>
+  <p:timing>
+    <p:tnLst>
+      <p:par>
+        <p:cTn id="1" dur="indefinite" restart="never" nodeType="tmRoot"/>
+      </p:par>
+    </p:tnLst>
+  </p:timing>
 </p:sld>
 </file>
 
 <file path=ppt/slides/slide21.xml><?xml version="1.0" encoding="utf-8"?>
-<p:sld xmlns:a="http://schemas.openxmlformats.org/drawingml/2006/main" xmlns:r="http://schemas.openxmlformats.org/officeDocument/2006/relationships" xmlns:mc="http://schemas.openxmlformats.org/markup-compatibility/2006" xmlns:mv="urn:schemas-microsoft-com:mac:vml" xmlns:p="http://schemas.openxmlformats.org/presentationml/2006/main" xmlns:c="http://schemas.openxmlformats.org/drawingml/2006/chart" xmlns:dgm="http://schemas.openxmlformats.org/drawingml/2006/diagram" xmlns:o="urn:schemas-microsoft-com:office:office" xmlns:v="urn:schemas-microsoft-com:vml" xmlns:pvml="urn:schemas-microsoft-com:office:powerpoint" xmlns:com="http://schemas.openxmlformats.org/drawingml/2006/compatibility" xmlns:p14="http://schemas.microsoft.com/office/powerpoint/2010/main" xmlns:p15="http://schemas.microsoft.com/office/powerpoint/2012/main" xmlns:ahyp="http://schemas.microsoft.com/office/drawing/2018/hyperlinkcolor">
+<p:sld xmlns:a="http://schemas.openxmlformats.org/drawingml/2006/main" xmlns:r="http://schemas.openxmlformats.org/officeDocument/2006/relationships" xmlns:p="http://schemas.openxmlformats.org/presentationml/2006/main">
   <p:cSld>
     <p:spTree>
       <p:nvGrpSpPr>
-        <p:cNvPr id="184" name="Shape 184"/>
+        <p:cNvPr id="1" name="Shape 184"/>
         <p:cNvGrpSpPr/>
         <p:nvPr/>
       </p:nvGrpSpPr>
@@ -8928,7 +9171,9 @@
       <p:sp>
         <p:nvSpPr>
           <p:cNvPr id="185" name="Google Shape;185;p33"/>
-          <p:cNvSpPr txBox="1"/>
+          <p:cNvSpPr txBox="1">
+            <a:spLocks noGrp="1"/>
+          </p:cNvSpPr>
           <p:nvPr>
             <p:ph type="title"/>
           </p:nvPr>
@@ -8943,12 +9188,12 @@
           </a:prstGeom>
         </p:spPr>
         <p:txBody>
-          <a:bodyPr anchorCtr="0" anchor="t" bIns="91425" lIns="91425" spcFirstLastPara="1" rIns="91425" wrap="square" tIns="91425">
+          <a:bodyPr spcFirstLastPara="1" wrap="square" lIns="91425" tIns="91425" rIns="91425" bIns="91425" anchor="t" anchorCtr="0">
             <a:normAutofit fontScale="90000"/>
           </a:bodyPr>
           <a:lstStyle/>
           <a:p>
-            <a:pPr indent="0" lvl="0" marL="0" rtl="0" algn="l">
+            <a:pPr marL="0" lvl="0" indent="0" algn="l" rtl="0">
               <a:spcBef>
                 <a:spcPts val="0"/>
               </a:spcBef>
@@ -8957,9 +9202,6 @@
               </a:spcAft>
               <a:buNone/>
             </a:pPr>
-            <a:r>
-              <a:t/>
-            </a:r>
             <a:endParaRPr/>
           </a:p>
         </p:txBody>
@@ -8967,9 +9209,11 @@
       <p:sp>
         <p:nvSpPr>
           <p:cNvPr id="186" name="Google Shape;186;p33"/>
-          <p:cNvSpPr txBox="1"/>
+          <p:cNvSpPr txBox="1">
+            <a:spLocks noGrp="1"/>
+          </p:cNvSpPr>
           <p:nvPr>
-            <p:ph idx="1" type="body"/>
+            <p:ph type="body" idx="1"/>
           </p:nvPr>
         </p:nvSpPr>
         <p:spPr>
@@ -8982,12 +9226,12 @@
           </a:prstGeom>
         </p:spPr>
         <p:txBody>
-          <a:bodyPr anchorCtr="0" anchor="t" bIns="91425" lIns="91425" spcFirstLastPara="1" rIns="91425" wrap="square" tIns="91425">
+          <a:bodyPr spcFirstLastPara="1" wrap="square" lIns="91425" tIns="91425" rIns="91425" bIns="91425" anchor="t" anchorCtr="0">
             <a:normAutofit/>
           </a:bodyPr>
           <a:lstStyle/>
           <a:p>
-            <a:pPr indent="0" lvl="0" marL="0" rtl="0" algn="l">
+            <a:pPr marL="0" lvl="0" indent="0" algn="l" rtl="0">
               <a:spcBef>
                 <a:spcPts val="0"/>
               </a:spcBef>
@@ -8996,9 +9240,6 @@
               </a:spcAft>
               <a:buNone/>
             </a:pPr>
-            <a:r>
-              <a:t/>
-            </a:r>
             <a:endParaRPr/>
           </a:p>
         </p:txBody>
@@ -9040,11 +9281,11 @@
 </file>
 
 <file path=ppt/slides/slide22.xml><?xml version="1.0" encoding="utf-8"?>
-<p:sld xmlns:a="http://schemas.openxmlformats.org/drawingml/2006/main" xmlns:r="http://schemas.openxmlformats.org/officeDocument/2006/relationships" xmlns:mc="http://schemas.openxmlformats.org/markup-compatibility/2006" xmlns:mv="urn:schemas-microsoft-com:mac:vml" xmlns:p="http://schemas.openxmlformats.org/presentationml/2006/main" xmlns:c="http://schemas.openxmlformats.org/drawingml/2006/chart" xmlns:dgm="http://schemas.openxmlformats.org/drawingml/2006/diagram" xmlns:o="urn:schemas-microsoft-com:office:office" xmlns:v="urn:schemas-microsoft-com:vml" xmlns:pvml="urn:schemas-microsoft-com:office:powerpoint" xmlns:com="http://schemas.openxmlformats.org/drawingml/2006/compatibility" xmlns:p14="http://schemas.microsoft.com/office/powerpoint/2010/main" xmlns:p15="http://schemas.microsoft.com/office/powerpoint/2012/main" xmlns:ahyp="http://schemas.microsoft.com/office/drawing/2018/hyperlinkcolor">
+<p:sld xmlns:a="http://schemas.openxmlformats.org/drawingml/2006/main" xmlns:r="http://schemas.openxmlformats.org/officeDocument/2006/relationships" xmlns:p="http://schemas.openxmlformats.org/presentationml/2006/main">
   <p:cSld>
     <p:spTree>
       <p:nvGrpSpPr>
-        <p:cNvPr id="191" name="Shape 191"/>
+        <p:cNvPr id="1" name="Shape 191"/>
         <p:cNvGrpSpPr/>
         <p:nvPr/>
       </p:nvGrpSpPr>
@@ -9093,11 +9334,11 @@
 </file>
 
 <file path=ppt/slides/slide3.xml><?xml version="1.0" encoding="utf-8"?>
-<p:sld xmlns:a="http://schemas.openxmlformats.org/drawingml/2006/main" xmlns:r="http://schemas.openxmlformats.org/officeDocument/2006/relationships" xmlns:mc="http://schemas.openxmlformats.org/markup-compatibility/2006" xmlns:mv="urn:schemas-microsoft-com:mac:vml" xmlns:p="http://schemas.openxmlformats.org/presentationml/2006/main" xmlns:c="http://schemas.openxmlformats.org/drawingml/2006/chart" xmlns:dgm="http://schemas.openxmlformats.org/drawingml/2006/diagram" xmlns:o="urn:schemas-microsoft-com:office:office" xmlns:v="urn:schemas-microsoft-com:vml" xmlns:pvml="urn:schemas-microsoft-com:office:powerpoint" xmlns:com="http://schemas.openxmlformats.org/drawingml/2006/compatibility" xmlns:p14="http://schemas.microsoft.com/office/powerpoint/2010/main" xmlns:p15="http://schemas.microsoft.com/office/powerpoint/2012/main" xmlns:ahyp="http://schemas.microsoft.com/office/drawing/2018/hyperlinkcolor">
+<p:sld xmlns:a="http://schemas.openxmlformats.org/drawingml/2006/main" xmlns:r="http://schemas.openxmlformats.org/officeDocument/2006/relationships" xmlns:p="http://schemas.openxmlformats.org/presentationml/2006/main">
   <p:cSld>
     <p:spTree>
       <p:nvGrpSpPr>
-        <p:cNvPr id="65" name="Shape 65"/>
+        <p:cNvPr id="1" name="Shape 65"/>
         <p:cNvGrpSpPr/>
         <p:nvPr/>
       </p:nvGrpSpPr>
@@ -9112,7 +9353,9 @@
       <p:sp>
         <p:nvSpPr>
           <p:cNvPr id="66" name="Google Shape;66;p15"/>
-          <p:cNvSpPr txBox="1"/>
+          <p:cNvSpPr txBox="1">
+            <a:spLocks noGrp="1"/>
+          </p:cNvSpPr>
           <p:nvPr>
             <p:ph type="title"/>
           </p:nvPr>
@@ -9127,12 +9370,12 @@
           </a:prstGeom>
         </p:spPr>
         <p:txBody>
-          <a:bodyPr anchorCtr="0" anchor="t" bIns="91425" lIns="91425" spcFirstLastPara="1" rIns="91425" wrap="square" tIns="91425">
+          <a:bodyPr spcFirstLastPara="1" wrap="square" lIns="91425" tIns="91425" rIns="91425" bIns="91425" anchor="t" anchorCtr="0">
             <a:normAutofit fontScale="90000"/>
           </a:bodyPr>
           <a:lstStyle/>
           <a:p>
-            <a:pPr indent="0" lvl="0" marL="0" rtl="0" algn="l">
+            <a:pPr marL="0" lvl="0" indent="0" algn="l" rtl="0">
               <a:spcBef>
                 <a:spcPts val="0"/>
               </a:spcBef>
@@ -9141,9 +9384,6 @@
               </a:spcAft>
               <a:buNone/>
             </a:pPr>
-            <a:r>
-              <a:t/>
-            </a:r>
             <a:endParaRPr/>
           </a:p>
         </p:txBody>
@@ -9151,9 +9391,11 @@
       <p:sp>
         <p:nvSpPr>
           <p:cNvPr id="67" name="Google Shape;67;p15"/>
-          <p:cNvSpPr txBox="1"/>
+          <p:cNvSpPr txBox="1">
+            <a:spLocks noGrp="1"/>
+          </p:cNvSpPr>
           <p:nvPr>
-            <p:ph idx="1" type="body"/>
+            <p:ph type="body" idx="1"/>
           </p:nvPr>
         </p:nvSpPr>
         <p:spPr>
@@ -9166,12 +9408,12 @@
           </a:prstGeom>
         </p:spPr>
         <p:txBody>
-          <a:bodyPr anchorCtr="0" anchor="t" bIns="91425" lIns="91425" spcFirstLastPara="1" rIns="91425" wrap="square" tIns="91425">
+          <a:bodyPr spcFirstLastPara="1" wrap="square" lIns="91425" tIns="91425" rIns="91425" bIns="91425" anchor="t" anchorCtr="0">
             <a:normAutofit/>
           </a:bodyPr>
           <a:lstStyle/>
           <a:p>
-            <a:pPr indent="0" lvl="0" marL="0" rtl="0" algn="l">
+            <a:pPr marL="0" lvl="0" indent="0" algn="l" rtl="0">
               <a:spcBef>
                 <a:spcPts val="0"/>
               </a:spcBef>
@@ -9180,9 +9422,6 @@
               </a:spcAft>
               <a:buNone/>
             </a:pPr>
-            <a:r>
-              <a:t/>
-            </a:r>
             <a:endParaRPr/>
           </a:p>
         </p:txBody>
@@ -9230,23 +9469,23 @@
             <a:avLst/>
           </a:prstGeom>
           <a:noFill/>
-          <a:ln cap="flat" cmpd="sng" w="28575">
+          <a:ln w="28575" cap="flat" cmpd="sng">
             <a:solidFill>
               <a:srgbClr val="FF0000"/>
             </a:solidFill>
             <a:prstDash val="solid"/>
             <a:round/>
-            <a:headEnd len="sm" w="sm" type="none"/>
-            <a:tailEnd len="sm" w="sm" type="none"/>
+            <a:headEnd type="none" w="sm" len="sm"/>
+            <a:tailEnd type="none" w="sm" len="sm"/>
           </a:ln>
         </p:spPr>
         <p:txBody>
-          <a:bodyPr anchorCtr="0" anchor="ctr" bIns="91425" lIns="91425" spcFirstLastPara="1" rIns="91425" wrap="square" tIns="91425">
+          <a:bodyPr spcFirstLastPara="1" wrap="square" lIns="91425" tIns="91425" rIns="91425" bIns="91425" anchor="ctr" anchorCtr="0">
             <a:noAutofit/>
           </a:bodyPr>
           <a:lstStyle/>
           <a:p>
-            <a:pPr indent="0" lvl="0" marL="0" rtl="0" algn="l">
+            <a:pPr marL="0" lvl="0" indent="0" algn="l" rtl="0">
               <a:spcBef>
                 <a:spcPts val="0"/>
               </a:spcBef>
@@ -9255,9 +9494,6 @@
               </a:spcAft>
               <a:buNone/>
             </a:pPr>
-            <a:r>
-              <a:t/>
-            </a:r>
             <a:endParaRPr/>
           </a:p>
         </p:txBody>
@@ -9271,11 +9507,11 @@
 </file>
 
 <file path=ppt/slides/slide4.xml><?xml version="1.0" encoding="utf-8"?>
-<p:sld xmlns:a="http://schemas.openxmlformats.org/drawingml/2006/main" xmlns:r="http://schemas.openxmlformats.org/officeDocument/2006/relationships" xmlns:mc="http://schemas.openxmlformats.org/markup-compatibility/2006" xmlns:mv="urn:schemas-microsoft-com:mac:vml" xmlns:p="http://schemas.openxmlformats.org/presentationml/2006/main" xmlns:c="http://schemas.openxmlformats.org/drawingml/2006/chart" xmlns:dgm="http://schemas.openxmlformats.org/drawingml/2006/diagram" xmlns:o="urn:schemas-microsoft-com:office:office" xmlns:v="urn:schemas-microsoft-com:vml" xmlns:pvml="urn:schemas-microsoft-com:office:powerpoint" xmlns:com="http://schemas.openxmlformats.org/drawingml/2006/compatibility" xmlns:p14="http://schemas.microsoft.com/office/powerpoint/2010/main" xmlns:p15="http://schemas.microsoft.com/office/powerpoint/2012/main" xmlns:ahyp="http://schemas.microsoft.com/office/drawing/2018/hyperlinkcolor">
+<p:sld xmlns:a="http://schemas.openxmlformats.org/drawingml/2006/main" xmlns:r="http://schemas.openxmlformats.org/officeDocument/2006/relationships" xmlns:p="http://schemas.openxmlformats.org/presentationml/2006/main">
   <p:cSld>
     <p:spTree>
       <p:nvGrpSpPr>
-        <p:cNvPr id="73" name="Shape 73"/>
+        <p:cNvPr id="1" name="Shape 73"/>
         <p:cNvGrpSpPr/>
         <p:nvPr/>
       </p:nvGrpSpPr>
@@ -9290,7 +9526,9 @@
       <p:sp>
         <p:nvSpPr>
           <p:cNvPr id="74" name="Google Shape;74;p16"/>
-          <p:cNvSpPr txBox="1"/>
+          <p:cNvSpPr txBox="1">
+            <a:spLocks noGrp="1"/>
+          </p:cNvSpPr>
           <p:nvPr>
             <p:ph type="title"/>
           </p:nvPr>
@@ -9305,12 +9543,12 @@
           </a:prstGeom>
         </p:spPr>
         <p:txBody>
-          <a:bodyPr anchorCtr="0" anchor="t" bIns="91425" lIns="91425" spcFirstLastPara="1" rIns="91425" wrap="square" tIns="91425">
+          <a:bodyPr spcFirstLastPara="1" wrap="square" lIns="91425" tIns="91425" rIns="91425" bIns="91425" anchor="t" anchorCtr="0">
             <a:normAutofit fontScale="90000"/>
           </a:bodyPr>
           <a:lstStyle/>
           <a:p>
-            <a:pPr indent="0" lvl="0" marL="0" rtl="0" algn="l">
+            <a:pPr marL="0" lvl="0" indent="0" algn="l" rtl="0">
               <a:spcBef>
                 <a:spcPts val="0"/>
               </a:spcBef>
@@ -9319,9 +9557,6 @@
               </a:spcAft>
               <a:buNone/>
             </a:pPr>
-            <a:r>
-              <a:t/>
-            </a:r>
             <a:endParaRPr/>
           </a:p>
         </p:txBody>
@@ -9329,9 +9564,11 @@
       <p:sp>
         <p:nvSpPr>
           <p:cNvPr id="75" name="Google Shape;75;p16"/>
-          <p:cNvSpPr txBox="1"/>
+          <p:cNvSpPr txBox="1">
+            <a:spLocks noGrp="1"/>
+          </p:cNvSpPr>
           <p:nvPr>
-            <p:ph idx="1" type="body"/>
+            <p:ph type="body" idx="1"/>
           </p:nvPr>
         </p:nvSpPr>
         <p:spPr>
@@ -9344,12 +9581,12 @@
           </a:prstGeom>
         </p:spPr>
         <p:txBody>
-          <a:bodyPr anchorCtr="0" anchor="t" bIns="91425" lIns="91425" spcFirstLastPara="1" rIns="91425" wrap="square" tIns="91425">
+          <a:bodyPr spcFirstLastPara="1" wrap="square" lIns="91425" tIns="91425" rIns="91425" bIns="91425" anchor="t" anchorCtr="0">
             <a:normAutofit/>
           </a:bodyPr>
           <a:lstStyle/>
           <a:p>
-            <a:pPr indent="0" lvl="0" marL="0" rtl="0" algn="l">
+            <a:pPr marL="0" lvl="0" indent="0" algn="l" rtl="0">
               <a:spcBef>
                 <a:spcPts val="0"/>
               </a:spcBef>
@@ -9375,11 +9612,11 @@
 </file>
 
 <file path=ppt/slides/slide5.xml><?xml version="1.0" encoding="utf-8"?>
-<p:sld xmlns:a="http://schemas.openxmlformats.org/drawingml/2006/main" xmlns:r="http://schemas.openxmlformats.org/officeDocument/2006/relationships" xmlns:mc="http://schemas.openxmlformats.org/markup-compatibility/2006" xmlns:mv="urn:schemas-microsoft-com:mac:vml" xmlns:p="http://schemas.openxmlformats.org/presentationml/2006/main" xmlns:c="http://schemas.openxmlformats.org/drawingml/2006/chart" xmlns:dgm="http://schemas.openxmlformats.org/drawingml/2006/diagram" xmlns:o="urn:schemas-microsoft-com:office:office" xmlns:v="urn:schemas-microsoft-com:vml" xmlns:pvml="urn:schemas-microsoft-com:office:powerpoint" xmlns:com="http://schemas.openxmlformats.org/drawingml/2006/compatibility" xmlns:p14="http://schemas.microsoft.com/office/powerpoint/2010/main" xmlns:p15="http://schemas.microsoft.com/office/powerpoint/2012/main" xmlns:ahyp="http://schemas.microsoft.com/office/drawing/2018/hyperlinkcolor">
+<p:sld xmlns:a="http://schemas.openxmlformats.org/drawingml/2006/main" xmlns:r="http://schemas.openxmlformats.org/officeDocument/2006/relationships" xmlns:p="http://schemas.openxmlformats.org/presentationml/2006/main">
   <p:cSld>
     <p:spTree>
       <p:nvGrpSpPr>
-        <p:cNvPr id="79" name="Shape 79"/>
+        <p:cNvPr id="1" name="Shape 79"/>
         <p:cNvGrpSpPr/>
         <p:nvPr/>
       </p:nvGrpSpPr>
@@ -9394,7 +9631,9 @@
       <p:sp>
         <p:nvSpPr>
           <p:cNvPr id="80" name="Google Shape;80;p17"/>
-          <p:cNvSpPr txBox="1"/>
+          <p:cNvSpPr txBox="1">
+            <a:spLocks noGrp="1"/>
+          </p:cNvSpPr>
           <p:nvPr>
             <p:ph type="title"/>
           </p:nvPr>
@@ -9409,12 +9648,12 @@
           </a:prstGeom>
         </p:spPr>
         <p:txBody>
-          <a:bodyPr anchorCtr="0" anchor="t" bIns="91425" lIns="91425" spcFirstLastPara="1" rIns="91425" wrap="square" tIns="91425">
+          <a:bodyPr spcFirstLastPara="1" wrap="square" lIns="91425" tIns="91425" rIns="91425" bIns="91425" anchor="t" anchorCtr="0">
             <a:normAutofit fontScale="90000"/>
           </a:bodyPr>
           <a:lstStyle/>
           <a:p>
-            <a:pPr indent="0" lvl="0" marL="0" rtl="0" algn="l">
+            <a:pPr marL="0" lvl="0" indent="0" algn="l" rtl="0">
               <a:spcBef>
                 <a:spcPts val="0"/>
               </a:spcBef>
@@ -9423,9 +9662,6 @@
               </a:spcAft>
               <a:buNone/>
             </a:pPr>
-            <a:r>
-              <a:t/>
-            </a:r>
             <a:endParaRPr/>
           </a:p>
         </p:txBody>
@@ -9433,9 +9669,11 @@
       <p:sp>
         <p:nvSpPr>
           <p:cNvPr id="81" name="Google Shape;81;p17"/>
-          <p:cNvSpPr txBox="1"/>
+          <p:cNvSpPr txBox="1">
+            <a:spLocks noGrp="1"/>
+          </p:cNvSpPr>
           <p:nvPr>
-            <p:ph idx="1" type="body"/>
+            <p:ph type="body" idx="1"/>
           </p:nvPr>
         </p:nvSpPr>
         <p:spPr>
@@ -9448,12 +9686,12 @@
           </a:prstGeom>
         </p:spPr>
         <p:txBody>
-          <a:bodyPr anchorCtr="0" anchor="t" bIns="91425" lIns="91425" spcFirstLastPara="1" rIns="91425" wrap="square" tIns="91425">
+          <a:bodyPr spcFirstLastPara="1" wrap="square" lIns="91425" tIns="91425" rIns="91425" bIns="91425" anchor="t" anchorCtr="0">
             <a:normAutofit/>
           </a:bodyPr>
           <a:lstStyle/>
           <a:p>
-            <a:pPr indent="0" lvl="0" marL="0" rtl="0" algn="l">
+            <a:pPr marL="0" lvl="0" indent="0" algn="l" rtl="0">
               <a:spcBef>
                 <a:spcPts val="0"/>
               </a:spcBef>
@@ -9469,7 +9707,7 @@
             <a:endParaRPr/>
           </a:p>
           <a:p>
-            <a:pPr indent="0" lvl="0" marL="0" rtl="0" algn="l">
+            <a:pPr marL="0" lvl="0" indent="0" algn="l" rtl="0">
               <a:spcBef>
                 <a:spcPts val="1200"/>
               </a:spcBef>
@@ -9485,7 +9723,7 @@
             <a:endParaRPr/>
           </a:p>
           <a:p>
-            <a:pPr indent="0" lvl="0" marL="0" rtl="0" algn="l">
+            <a:pPr marL="0" lvl="0" indent="0" algn="l" rtl="0">
               <a:spcBef>
                 <a:spcPts val="1200"/>
               </a:spcBef>
@@ -9494,9 +9732,6 @@
               </a:spcAft>
               <a:buNone/>
             </a:pPr>
-            <a:r>
-              <a:t/>
-            </a:r>
             <a:endParaRPr/>
           </a:p>
         </p:txBody>
@@ -9510,11 +9745,11 @@
 </file>
 
 <file path=ppt/slides/slide6.xml><?xml version="1.0" encoding="utf-8"?>
-<p:sld xmlns:a="http://schemas.openxmlformats.org/drawingml/2006/main" xmlns:r="http://schemas.openxmlformats.org/officeDocument/2006/relationships" xmlns:mc="http://schemas.openxmlformats.org/markup-compatibility/2006" xmlns:mv="urn:schemas-microsoft-com:mac:vml" xmlns:p="http://schemas.openxmlformats.org/presentationml/2006/main" xmlns:c="http://schemas.openxmlformats.org/drawingml/2006/chart" xmlns:dgm="http://schemas.openxmlformats.org/drawingml/2006/diagram" xmlns:o="urn:schemas-microsoft-com:office:office" xmlns:v="urn:schemas-microsoft-com:vml" xmlns:pvml="urn:schemas-microsoft-com:office:powerpoint" xmlns:com="http://schemas.openxmlformats.org/drawingml/2006/compatibility" xmlns:p14="http://schemas.microsoft.com/office/powerpoint/2010/main" xmlns:p15="http://schemas.microsoft.com/office/powerpoint/2012/main" xmlns:ahyp="http://schemas.microsoft.com/office/drawing/2018/hyperlinkcolor">
+<p:sld xmlns:a="http://schemas.openxmlformats.org/drawingml/2006/main" xmlns:r="http://schemas.openxmlformats.org/officeDocument/2006/relationships" xmlns:p="http://schemas.openxmlformats.org/presentationml/2006/main">
   <p:cSld>
     <p:spTree>
       <p:nvGrpSpPr>
-        <p:cNvPr id="85" name="Shape 85"/>
+        <p:cNvPr id="1" name="Shape 85"/>
         <p:cNvGrpSpPr/>
         <p:nvPr/>
       </p:nvGrpSpPr>
@@ -9529,7 +9764,9 @@
       <p:sp>
         <p:nvSpPr>
           <p:cNvPr id="86" name="Google Shape;86;p18"/>
-          <p:cNvSpPr txBox="1"/>
+          <p:cNvSpPr txBox="1">
+            <a:spLocks noGrp="1"/>
+          </p:cNvSpPr>
           <p:nvPr>
             <p:ph type="title"/>
           </p:nvPr>
@@ -9544,12 +9781,12 @@
           </a:prstGeom>
         </p:spPr>
         <p:txBody>
-          <a:bodyPr anchorCtr="0" anchor="t" bIns="91425" lIns="91425" spcFirstLastPara="1" rIns="91425" wrap="square" tIns="91425">
+          <a:bodyPr spcFirstLastPara="1" wrap="square" lIns="91425" tIns="91425" rIns="91425" bIns="91425" anchor="t" anchorCtr="0">
             <a:normAutofit fontScale="90000"/>
           </a:bodyPr>
           <a:lstStyle/>
           <a:p>
-            <a:pPr indent="0" lvl="0" marL="0" rtl="0" algn="l">
+            <a:pPr marL="0" lvl="0" indent="0" algn="l" rtl="0">
               <a:spcBef>
                 <a:spcPts val="0"/>
               </a:spcBef>
@@ -9558,9 +9795,6 @@
               </a:spcAft>
               <a:buNone/>
             </a:pPr>
-            <a:r>
-              <a:t/>
-            </a:r>
             <a:endParaRPr/>
           </a:p>
         </p:txBody>
@@ -9602,11 +9836,11 @@
 </file>
 
 <file path=ppt/slides/slide7.xml><?xml version="1.0" encoding="utf-8"?>
-<p:sld xmlns:a="http://schemas.openxmlformats.org/drawingml/2006/main" xmlns:r="http://schemas.openxmlformats.org/officeDocument/2006/relationships" xmlns:mc="http://schemas.openxmlformats.org/markup-compatibility/2006" xmlns:mv="urn:schemas-microsoft-com:mac:vml" xmlns:p="http://schemas.openxmlformats.org/presentationml/2006/main" xmlns:c="http://schemas.openxmlformats.org/drawingml/2006/chart" xmlns:dgm="http://schemas.openxmlformats.org/drawingml/2006/diagram" xmlns:o="urn:schemas-microsoft-com:office:office" xmlns:v="urn:schemas-microsoft-com:vml" xmlns:pvml="urn:schemas-microsoft-com:office:powerpoint" xmlns:com="http://schemas.openxmlformats.org/drawingml/2006/compatibility" xmlns:p14="http://schemas.microsoft.com/office/powerpoint/2010/main" xmlns:p15="http://schemas.microsoft.com/office/powerpoint/2012/main" xmlns:ahyp="http://schemas.microsoft.com/office/drawing/2018/hyperlinkcolor">
+<p:sld xmlns:a="http://schemas.openxmlformats.org/drawingml/2006/main" xmlns:r="http://schemas.openxmlformats.org/officeDocument/2006/relationships" xmlns:p="http://schemas.openxmlformats.org/presentationml/2006/main">
   <p:cSld>
     <p:spTree>
       <p:nvGrpSpPr>
-        <p:cNvPr id="91" name="Shape 91"/>
+        <p:cNvPr id="1" name="Shape 91"/>
         <p:cNvGrpSpPr/>
         <p:nvPr/>
       </p:nvGrpSpPr>
@@ -9661,14 +9895,14 @@
             <a:avLst/>
           </a:prstGeom>
           <a:noFill/>
-          <a:ln cap="flat" cmpd="sng" w="9525">
+          <a:ln w="9525" cap="flat" cmpd="sng">
             <a:solidFill>
               <a:schemeClr val="dk2"/>
             </a:solidFill>
             <a:prstDash val="solid"/>
             <a:round/>
-            <a:headEnd len="med" w="med" type="none"/>
-            <a:tailEnd len="med" w="med" type="triangle"/>
+            <a:headEnd type="none" w="med" len="med"/>
+            <a:tailEnd type="triangle" w="med" len="med"/>
           </a:ln>
         </p:spPr>
       </p:cxnSp>
@@ -9679,7 +9913,7 @@
           <p:nvPr/>
         </p:nvCxnSpPr>
         <p:spPr>
-          <a:xfrm flipH="1" rot="10800000">
+          <a:xfrm rot="10800000" flipH="1">
             <a:off x="2464600" y="4532625"/>
             <a:ext cx="428700" cy="10800"/>
           </a:xfrm>
@@ -9687,14 +9921,14 @@
             <a:avLst/>
           </a:prstGeom>
           <a:noFill/>
-          <a:ln cap="flat" cmpd="sng" w="9525">
+          <a:ln w="9525" cap="flat" cmpd="sng">
             <a:solidFill>
               <a:schemeClr val="dk2"/>
             </a:solidFill>
             <a:prstDash val="solid"/>
             <a:round/>
-            <a:headEnd len="med" w="med" type="none"/>
-            <a:tailEnd len="med" w="med" type="triangle"/>
+            <a:headEnd type="none" w="med" len="med"/>
+            <a:tailEnd type="triangle" w="med" len="med"/>
           </a:ln>
         </p:spPr>
       </p:cxnSp>
@@ -9718,12 +9952,12 @@
           </a:ln>
         </p:spPr>
         <p:txBody>
-          <a:bodyPr anchorCtr="0" anchor="t" bIns="91425" lIns="91425" spcFirstLastPara="1" rIns="91425" wrap="square" tIns="91425">
+          <a:bodyPr spcFirstLastPara="1" wrap="square" lIns="91425" tIns="91425" rIns="91425" bIns="91425" anchor="t" anchorCtr="0">
             <a:spAutoFit/>
           </a:bodyPr>
           <a:lstStyle/>
           <a:p>
-            <a:pPr indent="0" lvl="0" marL="0" rtl="0" algn="l">
+            <a:pPr marL="0" lvl="0" indent="0" algn="l" rtl="0">
               <a:spcBef>
                 <a:spcPts val="0"/>
               </a:spcBef>
@@ -9760,12 +9994,12 @@
           </a:ln>
         </p:spPr>
         <p:txBody>
-          <a:bodyPr anchorCtr="0" anchor="t" bIns="91425" lIns="91425" spcFirstLastPara="1" rIns="91425" wrap="square" tIns="91425">
+          <a:bodyPr spcFirstLastPara="1" wrap="square" lIns="91425" tIns="91425" rIns="91425" bIns="91425" anchor="t" anchorCtr="0">
             <a:spAutoFit/>
           </a:bodyPr>
           <a:lstStyle/>
           <a:p>
-            <a:pPr indent="0" lvl="0" marL="0" rtl="0" algn="l">
+            <a:pPr marL="0" lvl="0" indent="0" algn="l" rtl="0">
               <a:spcBef>
                 <a:spcPts val="0"/>
               </a:spcBef>
@@ -9791,11 +10025,11 @@
 </file>
 
 <file path=ppt/slides/slide8.xml><?xml version="1.0" encoding="utf-8"?>
-<p:sld xmlns:a="http://schemas.openxmlformats.org/drawingml/2006/main" xmlns:r="http://schemas.openxmlformats.org/officeDocument/2006/relationships" xmlns:mc="http://schemas.openxmlformats.org/markup-compatibility/2006" xmlns:mv="urn:schemas-microsoft-com:mac:vml" xmlns:p="http://schemas.openxmlformats.org/presentationml/2006/main" xmlns:c="http://schemas.openxmlformats.org/drawingml/2006/chart" xmlns:dgm="http://schemas.openxmlformats.org/drawingml/2006/diagram" xmlns:o="urn:schemas-microsoft-com:office:office" xmlns:v="urn:schemas-microsoft-com:vml" xmlns:pvml="urn:schemas-microsoft-com:office:powerpoint" xmlns:com="http://schemas.openxmlformats.org/drawingml/2006/compatibility" xmlns:p14="http://schemas.microsoft.com/office/powerpoint/2010/main" xmlns:p15="http://schemas.microsoft.com/office/powerpoint/2012/main" xmlns:ahyp="http://schemas.microsoft.com/office/drawing/2018/hyperlinkcolor">
+<p:sld xmlns:a="http://schemas.openxmlformats.org/drawingml/2006/main" xmlns:r="http://schemas.openxmlformats.org/officeDocument/2006/relationships" xmlns:p="http://schemas.openxmlformats.org/presentationml/2006/main">
   <p:cSld>
     <p:spTree>
       <p:nvGrpSpPr>
-        <p:cNvPr id="100" name="Shape 100"/>
+        <p:cNvPr id="1" name="Shape 100"/>
         <p:cNvGrpSpPr/>
         <p:nvPr/>
       </p:nvGrpSpPr>
@@ -9810,7 +10044,9 @@
       <p:sp>
         <p:nvSpPr>
           <p:cNvPr id="101" name="Google Shape;101;p20"/>
-          <p:cNvSpPr txBox="1"/>
+          <p:cNvSpPr txBox="1">
+            <a:spLocks noGrp="1"/>
+          </p:cNvSpPr>
           <p:nvPr>
             <p:ph type="title"/>
           </p:nvPr>
@@ -9825,12 +10061,12 @@
           </a:prstGeom>
         </p:spPr>
         <p:txBody>
-          <a:bodyPr anchorCtr="0" anchor="t" bIns="91425" lIns="91425" spcFirstLastPara="1" rIns="91425" wrap="square" tIns="91425">
+          <a:bodyPr spcFirstLastPara="1" wrap="square" lIns="91425" tIns="91425" rIns="91425" bIns="91425" anchor="t" anchorCtr="0">
             <a:normAutofit fontScale="90000"/>
           </a:bodyPr>
           <a:lstStyle/>
           <a:p>
-            <a:pPr indent="0" lvl="0" marL="0" rtl="0" algn="l">
+            <a:pPr marL="0" lvl="0" indent="0" algn="l" rtl="0">
               <a:spcBef>
                 <a:spcPts val="0"/>
               </a:spcBef>
@@ -9839,9 +10075,6 @@
               </a:spcAft>
               <a:buNone/>
             </a:pPr>
-            <a:r>
-              <a:t/>
-            </a:r>
             <a:endParaRPr/>
           </a:p>
         </p:txBody>
@@ -9849,9 +10082,11 @@
       <p:sp>
         <p:nvSpPr>
           <p:cNvPr id="102" name="Google Shape;102;p20"/>
-          <p:cNvSpPr txBox="1"/>
+          <p:cNvSpPr txBox="1">
+            <a:spLocks noGrp="1"/>
+          </p:cNvSpPr>
           <p:nvPr>
-            <p:ph idx="1" type="body"/>
+            <p:ph type="body" idx="1"/>
           </p:nvPr>
         </p:nvSpPr>
         <p:spPr>
@@ -9864,12 +10099,12 @@
           </a:prstGeom>
         </p:spPr>
         <p:txBody>
-          <a:bodyPr anchorCtr="0" anchor="t" bIns="91425" lIns="91425" spcFirstLastPara="1" rIns="91425" wrap="square" tIns="91425">
+          <a:bodyPr spcFirstLastPara="1" wrap="square" lIns="91425" tIns="91425" rIns="91425" bIns="91425" anchor="t" anchorCtr="0">
             <a:normAutofit/>
           </a:bodyPr>
           <a:lstStyle/>
           <a:p>
-            <a:pPr indent="0" lvl="0" marL="0" rtl="0" algn="l">
+            <a:pPr marL="0" lvl="0" indent="0" algn="l" rtl="0">
               <a:spcBef>
                 <a:spcPts val="0"/>
               </a:spcBef>
@@ -9878,9 +10113,6 @@
               </a:spcAft>
               <a:buNone/>
             </a:pPr>
-            <a:r>
-              <a:t/>
-            </a:r>
             <a:endParaRPr/>
           </a:p>
         </p:txBody>
@@ -9922,11 +10154,11 @@
 </file>
 
 <file path=ppt/slides/slide9.xml><?xml version="1.0" encoding="utf-8"?>
-<p:sld xmlns:a="http://schemas.openxmlformats.org/drawingml/2006/main" xmlns:r="http://schemas.openxmlformats.org/officeDocument/2006/relationships" xmlns:mc="http://schemas.openxmlformats.org/markup-compatibility/2006" xmlns:mv="urn:schemas-microsoft-com:mac:vml" xmlns:p="http://schemas.openxmlformats.org/presentationml/2006/main" xmlns:c="http://schemas.openxmlformats.org/drawingml/2006/chart" xmlns:dgm="http://schemas.openxmlformats.org/drawingml/2006/diagram" xmlns:o="urn:schemas-microsoft-com:office:office" xmlns:v="urn:schemas-microsoft-com:vml" xmlns:pvml="urn:schemas-microsoft-com:office:powerpoint" xmlns:com="http://schemas.openxmlformats.org/drawingml/2006/compatibility" xmlns:p14="http://schemas.microsoft.com/office/powerpoint/2010/main" xmlns:p15="http://schemas.microsoft.com/office/powerpoint/2012/main" xmlns:ahyp="http://schemas.microsoft.com/office/drawing/2018/hyperlinkcolor">
+<p:sld xmlns:a="http://schemas.openxmlformats.org/drawingml/2006/main" xmlns:r="http://schemas.openxmlformats.org/officeDocument/2006/relationships" xmlns:p="http://schemas.openxmlformats.org/presentationml/2006/main">
   <p:cSld>
     <p:spTree>
       <p:nvGrpSpPr>
-        <p:cNvPr id="107" name="Shape 107"/>
+        <p:cNvPr id="1" name="Shape 107"/>
         <p:cNvGrpSpPr/>
         <p:nvPr/>
       </p:nvGrpSpPr>
@@ -9941,7 +10173,9 @@
       <p:sp>
         <p:nvSpPr>
           <p:cNvPr id="108" name="Google Shape;108;p21"/>
-          <p:cNvSpPr txBox="1"/>
+          <p:cNvSpPr txBox="1">
+            <a:spLocks noGrp="1"/>
+          </p:cNvSpPr>
           <p:nvPr>
             <p:ph type="title"/>
           </p:nvPr>
@@ -9956,12 +10190,12 @@
           </a:prstGeom>
         </p:spPr>
         <p:txBody>
-          <a:bodyPr anchorCtr="0" anchor="t" bIns="91425" lIns="91425" spcFirstLastPara="1" rIns="91425" wrap="square" tIns="91425">
+          <a:bodyPr spcFirstLastPara="1" wrap="square" lIns="91425" tIns="91425" rIns="91425" bIns="91425" anchor="t" anchorCtr="0">
             <a:normAutofit fontScale="90000"/>
           </a:bodyPr>
           <a:lstStyle/>
           <a:p>
-            <a:pPr indent="0" lvl="0" marL="0" rtl="0" algn="l">
+            <a:pPr marL="0" lvl="0" indent="0" algn="l" rtl="0">
               <a:spcBef>
                 <a:spcPts val="0"/>
               </a:spcBef>
@@ -9970,9 +10204,6 @@
               </a:spcAft>
               <a:buNone/>
             </a:pPr>
-            <a:r>
-              <a:t/>
-            </a:r>
             <a:endParaRPr/>
           </a:p>
         </p:txBody>
@@ -9980,9 +10211,11 @@
       <p:sp>
         <p:nvSpPr>
           <p:cNvPr id="109" name="Google Shape;109;p21"/>
-          <p:cNvSpPr txBox="1"/>
+          <p:cNvSpPr txBox="1">
+            <a:spLocks noGrp="1"/>
+          </p:cNvSpPr>
           <p:nvPr>
-            <p:ph idx="1" type="body"/>
+            <p:ph type="body" idx="1"/>
           </p:nvPr>
         </p:nvSpPr>
         <p:spPr>
@@ -9995,12 +10228,12 @@
           </a:prstGeom>
         </p:spPr>
         <p:txBody>
-          <a:bodyPr anchorCtr="0" anchor="t" bIns="91425" lIns="91425" spcFirstLastPara="1" rIns="91425" wrap="square" tIns="91425">
+          <a:bodyPr spcFirstLastPara="1" wrap="square" lIns="91425" tIns="91425" rIns="91425" bIns="91425" anchor="t" anchorCtr="0">
             <a:normAutofit/>
           </a:bodyPr>
           <a:lstStyle/>
           <a:p>
-            <a:pPr indent="0" lvl="0" marL="0" rtl="0" algn="l">
+            <a:pPr marL="0" lvl="0" indent="0" algn="l" rtl="0">
               <a:spcBef>
                 <a:spcPts val="0"/>
               </a:spcBef>
@@ -10009,9 +10242,6 @@
               </a:spcAft>
               <a:buNone/>
             </a:pPr>
-            <a:r>
-              <a:t/>
-            </a:r>
             <a:endParaRPr/>
           </a:p>
         </p:txBody>
@@ -10053,7 +10283,288 @@
 </file>
 
 <file path=ppt/theme/theme1.xml><?xml version="1.0" encoding="utf-8"?>
-<a:theme xmlns:a="http://schemas.openxmlformats.org/drawingml/2006/main" xmlns:r="http://schemas.openxmlformats.org/officeDocument/2006/relationships">
+<a:theme xmlns:a="http://schemas.openxmlformats.org/drawingml/2006/main" name="Simple Light">
+  <a:themeElements>
+    <a:clrScheme name="Simple Light">
+      <a:dk1>
+        <a:srgbClr val="000000"/>
+      </a:dk1>
+      <a:lt1>
+        <a:srgbClr val="FFFFFF"/>
+      </a:lt1>
+      <a:dk2>
+        <a:srgbClr val="595959"/>
+      </a:dk2>
+      <a:lt2>
+        <a:srgbClr val="EEEEEE"/>
+      </a:lt2>
+      <a:accent1>
+        <a:srgbClr val="4285F4"/>
+      </a:accent1>
+      <a:accent2>
+        <a:srgbClr val="212121"/>
+      </a:accent2>
+      <a:accent3>
+        <a:srgbClr val="78909C"/>
+      </a:accent3>
+      <a:accent4>
+        <a:srgbClr val="FFAB40"/>
+      </a:accent4>
+      <a:accent5>
+        <a:srgbClr val="0097A7"/>
+      </a:accent5>
+      <a:accent6>
+        <a:srgbClr val="EEFF41"/>
+      </a:accent6>
+      <a:hlink>
+        <a:srgbClr val="0097A7"/>
+      </a:hlink>
+      <a:folHlink>
+        <a:srgbClr val="0097A7"/>
+      </a:folHlink>
+    </a:clrScheme>
+    <a:fontScheme name="Office">
+      <a:majorFont>
+        <a:latin typeface="Arial"/>
+        <a:ea typeface=""/>
+        <a:cs typeface=""/>
+        <a:font script="Jpan" typeface="ＭＳ Ｐゴシック"/>
+        <a:font script="Hang" typeface="맑은 고딕"/>
+        <a:font script="Hans" typeface="宋体"/>
+        <a:font script="Hant" typeface="新細明體"/>
+        <a:font script="Arab" typeface="Times New Roman"/>
+        <a:font script="Hebr" typeface="Times New Roman"/>
+        <a:font script="Thai" typeface="Angsana New"/>
+        <a:font script="Ethi" typeface="Nyala"/>
+        <a:font script="Beng" typeface="Vrinda"/>
+        <a:font script="Gujr" typeface="Shruti"/>
+        <a:font script="Khmr" typeface="MoolBoran"/>
+        <a:font script="Knda" typeface="Tunga"/>
+        <a:font script="Guru" typeface="Raavi"/>
+        <a:font script="Cans" typeface="Euphemia"/>
+        <a:font script="Cher" typeface="Plantagenet Cherokee"/>
+        <a:font script="Yiii" typeface="Microsoft Yi Baiti"/>
+        <a:font script="Tibt" typeface="Microsoft Himalaya"/>
+        <a:font script="Thaa" typeface="MV Boli"/>
+        <a:font script="Deva" typeface="Mangal"/>
+        <a:font script="Telu" typeface="Gautami"/>
+        <a:font script="Taml" typeface="Latha"/>
+        <a:font script="Syrc" typeface="Estrangelo Edessa"/>
+        <a:font script="Orya" typeface="Kalinga"/>
+        <a:font script="Mlym" typeface="Kartika"/>
+        <a:font script="Laoo" typeface="DokChampa"/>
+        <a:font script="Sinh" typeface="Iskoola Pota"/>
+        <a:font script="Mong" typeface="Mongolian Baiti"/>
+        <a:font script="Viet" typeface="Times New Roman"/>
+        <a:font script="Uigh" typeface="Microsoft Uighur"/>
+        <a:font script="Geor" typeface="Sylfaen"/>
+      </a:majorFont>
+      <a:minorFont>
+        <a:latin typeface="Arial"/>
+        <a:ea typeface=""/>
+        <a:cs typeface=""/>
+        <a:font script="Jpan" typeface="ＭＳ Ｐゴシック"/>
+        <a:font script="Hang" typeface="맑은 고딕"/>
+        <a:font script="Hans" typeface="宋体"/>
+        <a:font script="Hant" typeface="新細明體"/>
+        <a:font script="Arab" typeface="Arial"/>
+        <a:font script="Hebr" typeface="Arial"/>
+        <a:font script="Thai" typeface="Cordia New"/>
+        <a:font script="Ethi" typeface="Nyala"/>
+        <a:font script="Beng" typeface="Vrinda"/>
+        <a:font script="Gujr" typeface="Shruti"/>
+        <a:font script="Khmr" typeface="DaunPenh"/>
+        <a:font script="Knda" typeface="Tunga"/>
+        <a:font script="Guru" typeface="Raavi"/>
+        <a:font script="Cans" typeface="Euphemia"/>
+        <a:font script="Cher" typeface="Plantagenet Cherokee"/>
+        <a:font script="Yiii" typeface="Microsoft Yi Baiti"/>
+        <a:font script="Tibt" typeface="Microsoft Himalaya"/>
+        <a:font script="Thaa" typeface="MV Boli"/>
+        <a:font script="Deva" typeface="Mangal"/>
+        <a:font script="Telu" typeface="Gautami"/>
+        <a:font script="Taml" typeface="Latha"/>
+        <a:font script="Syrc" typeface="Estrangelo Edessa"/>
+        <a:font script="Orya" typeface="Kalinga"/>
+        <a:font script="Mlym" typeface="Kartika"/>
+        <a:font script="Laoo" typeface="DokChampa"/>
+        <a:font script="Sinh" typeface="Iskoola Pota"/>
+        <a:font script="Mong" typeface="Mongolian Baiti"/>
+        <a:font script="Viet" typeface="Arial"/>
+        <a:font script="Uigh" typeface="Microsoft Uighur"/>
+        <a:font script="Geor" typeface="Sylfaen"/>
+      </a:minorFont>
+    </a:fontScheme>
+    <a:fmtScheme name="Office">
+      <a:fillStyleLst>
+        <a:solidFill>
+          <a:schemeClr val="phClr"/>
+        </a:solidFill>
+        <a:gradFill rotWithShape="1">
+          <a:gsLst>
+            <a:gs pos="0">
+              <a:schemeClr val="phClr">
+                <a:tint val="50000"/>
+                <a:satMod val="300000"/>
+              </a:schemeClr>
+            </a:gs>
+            <a:gs pos="35000">
+              <a:schemeClr val="phClr">
+                <a:tint val="37000"/>
+                <a:satMod val="300000"/>
+              </a:schemeClr>
+            </a:gs>
+            <a:gs pos="100000">
+              <a:schemeClr val="phClr">
+                <a:tint val="15000"/>
+                <a:satMod val="350000"/>
+              </a:schemeClr>
+            </a:gs>
+          </a:gsLst>
+          <a:lin ang="16200000" scaled="1"/>
+        </a:gradFill>
+        <a:gradFill rotWithShape="1">
+          <a:gsLst>
+            <a:gs pos="0">
+              <a:schemeClr val="phClr">
+                <a:tint val="100000"/>
+                <a:shade val="100000"/>
+                <a:satMod val="130000"/>
+              </a:schemeClr>
+            </a:gs>
+            <a:gs pos="100000">
+              <a:schemeClr val="phClr">
+                <a:tint val="50000"/>
+                <a:shade val="100000"/>
+                <a:satMod val="350000"/>
+              </a:schemeClr>
+            </a:gs>
+          </a:gsLst>
+          <a:lin ang="16200000" scaled="0"/>
+        </a:gradFill>
+      </a:fillStyleLst>
+      <a:lnStyleLst>
+        <a:ln w="9525" cap="flat" cmpd="sng" algn="ctr">
+          <a:solidFill>
+            <a:schemeClr val="phClr">
+              <a:shade val="95000"/>
+              <a:satMod val="105000"/>
+            </a:schemeClr>
+          </a:solidFill>
+          <a:prstDash val="solid"/>
+        </a:ln>
+        <a:ln w="25400" cap="flat" cmpd="sng" algn="ctr">
+          <a:solidFill>
+            <a:schemeClr val="phClr"/>
+          </a:solidFill>
+          <a:prstDash val="solid"/>
+        </a:ln>
+        <a:ln w="38100" cap="flat" cmpd="sng" algn="ctr">
+          <a:solidFill>
+            <a:schemeClr val="phClr"/>
+          </a:solidFill>
+          <a:prstDash val="solid"/>
+        </a:ln>
+      </a:lnStyleLst>
+      <a:effectStyleLst>
+        <a:effectStyle>
+          <a:effectLst>
+            <a:outerShdw blurRad="40000" dist="20000" dir="5400000" rotWithShape="0">
+              <a:srgbClr val="000000">
+                <a:alpha val="38000"/>
+              </a:srgbClr>
+            </a:outerShdw>
+          </a:effectLst>
+        </a:effectStyle>
+        <a:effectStyle>
+          <a:effectLst>
+            <a:outerShdw blurRad="40000" dist="23000" dir="5400000" rotWithShape="0">
+              <a:srgbClr val="000000">
+                <a:alpha val="35000"/>
+              </a:srgbClr>
+            </a:outerShdw>
+          </a:effectLst>
+        </a:effectStyle>
+        <a:effectStyle>
+          <a:effectLst>
+            <a:outerShdw blurRad="40000" dist="23000" dir="5400000" rotWithShape="0">
+              <a:srgbClr val="000000">
+                <a:alpha val="35000"/>
+              </a:srgbClr>
+            </a:outerShdw>
+          </a:effectLst>
+          <a:scene3d>
+            <a:camera prst="orthographicFront">
+              <a:rot lat="0" lon="0" rev="0"/>
+            </a:camera>
+            <a:lightRig rig="threePt" dir="t">
+              <a:rot lat="0" lon="0" rev="1200000"/>
+            </a:lightRig>
+          </a:scene3d>
+          <a:sp3d>
+            <a:bevelT w="63500" h="25400"/>
+          </a:sp3d>
+        </a:effectStyle>
+      </a:effectStyleLst>
+      <a:bgFillStyleLst>
+        <a:solidFill>
+          <a:schemeClr val="phClr"/>
+        </a:solidFill>
+        <a:gradFill rotWithShape="1">
+          <a:gsLst>
+            <a:gs pos="0">
+              <a:schemeClr val="phClr">
+                <a:tint val="40000"/>
+                <a:satMod val="350000"/>
+              </a:schemeClr>
+            </a:gs>
+            <a:gs pos="40000">
+              <a:schemeClr val="phClr">
+                <a:tint val="45000"/>
+                <a:shade val="99000"/>
+                <a:satMod val="350000"/>
+              </a:schemeClr>
+            </a:gs>
+            <a:gs pos="100000">
+              <a:schemeClr val="phClr">
+                <a:shade val="20000"/>
+                <a:satMod val="255000"/>
+              </a:schemeClr>
+            </a:gs>
+          </a:gsLst>
+          <a:path path="circle">
+            <a:fillToRect l="50000" t="-80000" r="50000" b="180000"/>
+          </a:path>
+        </a:gradFill>
+        <a:gradFill rotWithShape="1">
+          <a:gsLst>
+            <a:gs pos="0">
+              <a:schemeClr val="phClr">
+                <a:tint val="80000"/>
+                <a:satMod val="300000"/>
+              </a:schemeClr>
+            </a:gs>
+            <a:gs pos="100000">
+              <a:schemeClr val="phClr">
+                <a:shade val="30000"/>
+                <a:satMod val="200000"/>
+              </a:schemeClr>
+            </a:gs>
+          </a:gsLst>
+          <a:path path="circle">
+            <a:fillToRect l="50000" t="50000" r="50000" b="50000"/>
+          </a:path>
+        </a:gradFill>
+      </a:bgFillStyleLst>
+    </a:fmtScheme>
+  </a:themeElements>
+  <a:objectDefaults/>
+  <a:extraClrSchemeLst/>
+</a:theme>
+</file>
+
+<file path=ppt/theme/theme2.xml><?xml version="1.0" encoding="utf-8"?>
+<a:theme xmlns:a="http://schemas.openxmlformats.org/drawingml/2006/main">
   <a:themeElements>
     <a:clrScheme name="Default">
       <a:dk1>
@@ -10328,284 +10839,7 @@
       </a:bgFillStyleLst>
     </a:fmtScheme>
   </a:themeElements>
-</a:theme>
-</file>
-
-<file path=ppt/theme/theme2.xml><?xml version="1.0" encoding="utf-8"?>
-<a:theme xmlns:a="http://schemas.openxmlformats.org/drawingml/2006/main" xmlns:r="http://schemas.openxmlformats.org/officeDocument/2006/relationships" name="Simple Light">
-  <a:themeElements>
-    <a:clrScheme name="Simple Light">
-      <a:dk1>
-        <a:srgbClr val="000000"/>
-      </a:dk1>
-      <a:lt1>
-        <a:srgbClr val="FFFFFF"/>
-      </a:lt1>
-      <a:dk2>
-        <a:srgbClr val="595959"/>
-      </a:dk2>
-      <a:lt2>
-        <a:srgbClr val="EEEEEE"/>
-      </a:lt2>
-      <a:accent1>
-        <a:srgbClr val="4285F4"/>
-      </a:accent1>
-      <a:accent2>
-        <a:srgbClr val="212121"/>
-      </a:accent2>
-      <a:accent3>
-        <a:srgbClr val="78909C"/>
-      </a:accent3>
-      <a:accent4>
-        <a:srgbClr val="FFAB40"/>
-      </a:accent4>
-      <a:accent5>
-        <a:srgbClr val="0097A7"/>
-      </a:accent5>
-      <a:accent6>
-        <a:srgbClr val="EEFF41"/>
-      </a:accent6>
-      <a:hlink>
-        <a:srgbClr val="0097A7"/>
-      </a:hlink>
-      <a:folHlink>
-        <a:srgbClr val="0097A7"/>
-      </a:folHlink>
-    </a:clrScheme>
-    <a:fontScheme name="Office">
-      <a:majorFont>
-        <a:latin typeface="Arial"/>
-        <a:ea typeface=""/>
-        <a:cs typeface=""/>
-        <a:font script="Jpan" typeface="ＭＳ Ｐゴシック"/>
-        <a:font script="Hang" typeface="맑은 고딕"/>
-        <a:font script="Hans" typeface="宋体"/>
-        <a:font script="Hant" typeface="新細明體"/>
-        <a:font script="Arab" typeface="Times New Roman"/>
-        <a:font script="Hebr" typeface="Times New Roman"/>
-        <a:font script="Thai" typeface="Angsana New"/>
-        <a:font script="Ethi" typeface="Nyala"/>
-        <a:font script="Beng" typeface="Vrinda"/>
-        <a:font script="Gujr" typeface="Shruti"/>
-        <a:font script="Khmr" typeface="MoolBoran"/>
-        <a:font script="Knda" typeface="Tunga"/>
-        <a:font script="Guru" typeface="Raavi"/>
-        <a:font script="Cans" typeface="Euphemia"/>
-        <a:font script="Cher" typeface="Plantagenet Cherokee"/>
-        <a:font script="Yiii" typeface="Microsoft Yi Baiti"/>
-        <a:font script="Tibt" typeface="Microsoft Himalaya"/>
-        <a:font script="Thaa" typeface="MV Boli"/>
-        <a:font script="Deva" typeface="Mangal"/>
-        <a:font script="Telu" typeface="Gautami"/>
-        <a:font script="Taml" typeface="Latha"/>
-        <a:font script="Syrc" typeface="Estrangelo Edessa"/>
-        <a:font script="Orya" typeface="Kalinga"/>
-        <a:font script="Mlym" typeface="Kartika"/>
-        <a:font script="Laoo" typeface="DokChampa"/>
-        <a:font script="Sinh" typeface="Iskoola Pota"/>
-        <a:font script="Mong" typeface="Mongolian Baiti"/>
-        <a:font script="Viet" typeface="Times New Roman"/>
-        <a:font script="Uigh" typeface="Microsoft Uighur"/>
-        <a:font script="Geor" typeface="Sylfaen"/>
-      </a:majorFont>
-      <a:minorFont>
-        <a:latin typeface="Arial"/>
-        <a:ea typeface=""/>
-        <a:cs typeface=""/>
-        <a:font script="Jpan" typeface="ＭＳ Ｐゴシック"/>
-        <a:font script="Hang" typeface="맑은 고딕"/>
-        <a:font script="Hans" typeface="宋体"/>
-        <a:font script="Hant" typeface="新細明體"/>
-        <a:font script="Arab" typeface="Arial"/>
-        <a:font script="Hebr" typeface="Arial"/>
-        <a:font script="Thai" typeface="Cordia New"/>
-        <a:font script="Ethi" typeface="Nyala"/>
-        <a:font script="Beng" typeface="Vrinda"/>
-        <a:font script="Gujr" typeface="Shruti"/>
-        <a:font script="Khmr" typeface="DaunPenh"/>
-        <a:font script="Knda" typeface="Tunga"/>
-        <a:font script="Guru" typeface="Raavi"/>
-        <a:font script="Cans" typeface="Euphemia"/>
-        <a:font script="Cher" typeface="Plantagenet Cherokee"/>
-        <a:font script="Yiii" typeface="Microsoft Yi Baiti"/>
-        <a:font script="Tibt" typeface="Microsoft Himalaya"/>
-        <a:font script="Thaa" typeface="MV Boli"/>
-        <a:font script="Deva" typeface="Mangal"/>
-        <a:font script="Telu" typeface="Gautami"/>
-        <a:font script="Taml" typeface="Latha"/>
-        <a:font script="Syrc" typeface="Estrangelo Edessa"/>
-        <a:font script="Orya" typeface="Kalinga"/>
-        <a:font script="Mlym" typeface="Kartika"/>
-        <a:font script="Laoo" typeface="DokChampa"/>
-        <a:font script="Sinh" typeface="Iskoola Pota"/>
-        <a:font script="Mong" typeface="Mongolian Baiti"/>
-        <a:font script="Viet" typeface="Arial"/>
-        <a:font script="Uigh" typeface="Microsoft Uighur"/>
-        <a:font script="Geor" typeface="Sylfaen"/>
-      </a:minorFont>
-    </a:fontScheme>
-    <a:fmtScheme name="Office">
-      <a:fillStyleLst>
-        <a:solidFill>
-          <a:schemeClr val="phClr"/>
-        </a:solidFill>
-        <a:gradFill rotWithShape="1">
-          <a:gsLst>
-            <a:gs pos="0">
-              <a:schemeClr val="phClr">
-                <a:tint val="50000"/>
-                <a:satMod val="300000"/>
-              </a:schemeClr>
-            </a:gs>
-            <a:gs pos="35000">
-              <a:schemeClr val="phClr">
-                <a:tint val="37000"/>
-                <a:satMod val="300000"/>
-              </a:schemeClr>
-            </a:gs>
-            <a:gs pos="100000">
-              <a:schemeClr val="phClr">
-                <a:tint val="15000"/>
-                <a:satMod val="350000"/>
-              </a:schemeClr>
-            </a:gs>
-          </a:gsLst>
-          <a:lin ang="16200000" scaled="1"/>
-        </a:gradFill>
-        <a:gradFill rotWithShape="1">
-          <a:gsLst>
-            <a:gs pos="0">
-              <a:schemeClr val="phClr">
-                <a:tint val="100000"/>
-                <a:shade val="100000"/>
-                <a:satMod val="130000"/>
-              </a:schemeClr>
-            </a:gs>
-            <a:gs pos="100000">
-              <a:schemeClr val="phClr">
-                <a:tint val="50000"/>
-                <a:shade val="100000"/>
-                <a:satMod val="350000"/>
-              </a:schemeClr>
-            </a:gs>
-          </a:gsLst>
-          <a:lin ang="16200000" scaled="0"/>
-        </a:gradFill>
-      </a:fillStyleLst>
-      <a:lnStyleLst>
-        <a:ln w="9525" cap="flat" cmpd="sng" algn="ctr">
-          <a:solidFill>
-            <a:schemeClr val="phClr">
-              <a:shade val="95000"/>
-              <a:satMod val="105000"/>
-            </a:schemeClr>
-          </a:solidFill>
-          <a:prstDash val="solid"/>
-        </a:ln>
-        <a:ln w="25400" cap="flat" cmpd="sng" algn="ctr">
-          <a:solidFill>
-            <a:schemeClr val="phClr"/>
-          </a:solidFill>
-          <a:prstDash val="solid"/>
-        </a:ln>
-        <a:ln w="38100" cap="flat" cmpd="sng" algn="ctr">
-          <a:solidFill>
-            <a:schemeClr val="phClr"/>
-          </a:solidFill>
-          <a:prstDash val="solid"/>
-        </a:ln>
-      </a:lnStyleLst>
-      <a:effectStyleLst>
-        <a:effectStyle>
-          <a:effectLst>
-            <a:outerShdw blurRad="40000" dist="20000" dir="5400000" rotWithShape="0">
-              <a:srgbClr val="000000">
-                <a:alpha val="38000"/>
-              </a:srgbClr>
-            </a:outerShdw>
-          </a:effectLst>
-        </a:effectStyle>
-        <a:effectStyle>
-          <a:effectLst>
-            <a:outerShdw blurRad="40000" dist="23000" dir="5400000" rotWithShape="0">
-              <a:srgbClr val="000000">
-                <a:alpha val="35000"/>
-              </a:srgbClr>
-            </a:outerShdw>
-          </a:effectLst>
-        </a:effectStyle>
-        <a:effectStyle>
-          <a:effectLst>
-            <a:outerShdw blurRad="40000" dist="23000" dir="5400000" rotWithShape="0">
-              <a:srgbClr val="000000">
-                <a:alpha val="35000"/>
-              </a:srgbClr>
-            </a:outerShdw>
-          </a:effectLst>
-          <a:scene3d>
-            <a:camera prst="orthographicFront">
-              <a:rot lat="0" lon="0" rev="0"/>
-            </a:camera>
-            <a:lightRig rig="threePt" dir="t">
-              <a:rot lat="0" lon="0" rev="1200000"/>
-            </a:lightRig>
-          </a:scene3d>
-          <a:sp3d>
-            <a:bevelT w="63500" h="25400"/>
-          </a:sp3d>
-        </a:effectStyle>
-      </a:effectStyleLst>
-      <a:bgFillStyleLst>
-        <a:solidFill>
-          <a:schemeClr val="phClr"/>
-        </a:solidFill>
-        <a:gradFill rotWithShape="1">
-          <a:gsLst>
-            <a:gs pos="0">
-              <a:schemeClr val="phClr">
-                <a:tint val="40000"/>
-                <a:satMod val="350000"/>
-              </a:schemeClr>
-            </a:gs>
-            <a:gs pos="40000">
-              <a:schemeClr val="phClr">
-                <a:tint val="45000"/>
-                <a:shade val="99000"/>
-                <a:satMod val="350000"/>
-              </a:schemeClr>
-            </a:gs>
-            <a:gs pos="100000">
-              <a:schemeClr val="phClr">
-                <a:shade val="20000"/>
-                <a:satMod val="255000"/>
-              </a:schemeClr>
-            </a:gs>
-          </a:gsLst>
-          <a:path path="circle">
-            <a:fillToRect l="50000" t="-80000" r="50000" b="180000"/>
-          </a:path>
-        </a:gradFill>
-        <a:gradFill rotWithShape="1">
-          <a:gsLst>
-            <a:gs pos="0">
-              <a:schemeClr val="phClr">
-                <a:tint val="80000"/>
-                <a:satMod val="300000"/>
-              </a:schemeClr>
-            </a:gs>
-            <a:gs pos="100000">
-              <a:schemeClr val="phClr">
-                <a:shade val="30000"/>
-                <a:satMod val="200000"/>
-              </a:schemeClr>
-            </a:gs>
-          </a:gsLst>
-          <a:path path="circle">
-            <a:fillToRect l="50000" t="50000" r="50000" b="50000"/>
-          </a:path>
-        </a:gradFill>
-      </a:bgFillStyleLst>
-    </a:fmtScheme>
-  </a:themeElements>
+  <a:objectDefaults/>
+  <a:extraClrSchemeLst/>
 </a:theme>
 </file>